--- a/PR2024-25_VMESNA_9.pptx
+++ b/PR2024-25_VMESNA_9.pptx
@@ -3642,7 +3642,7 @@
         </p:spPr>
         <p:txBody>
           <a:bodyPr>
-            <a:normAutofit lnSpcReduction="10000"/>
+            <a:normAutofit fontScale="77500" lnSpcReduction="20000"/>
           </a:bodyPr>
           <a:lstStyle/>
           <a:p>
@@ -3661,12 +3661,8 @@
               <a:buChar char="-"/>
             </a:pPr>
             <a:r>
-              <a:rPr lang="en-US" sz="1600" dirty="0" err="1"/>
-              <a:t>viri</a:t>
-            </a:r>
-            <a:r>
-              <a:rPr lang="en-US" sz="1600" dirty="0"/>
-              <a:t> </a:t>
+              <a:rPr lang="en-US" sz="1600" dirty="0"/>
+              <a:t>Viri </a:t>
             </a:r>
             <a:r>
               <a:rPr lang="en-US" sz="1600" dirty="0" err="1"/>
@@ -3674,79 +3670,27 @@
             </a:r>
             <a:r>
               <a:rPr lang="en-US" sz="1600" dirty="0"/>
-              <a:t> (</a:t>
-            </a:r>
-            <a:r>
-              <a:rPr lang="en-US" sz="1600" dirty="0" err="1"/>
-              <a:t>navedi</a:t>
-            </a:r>
-            <a:r>
-              <a:rPr lang="en-US" sz="1600" dirty="0"/>
-              <a:t> </a:t>
-            </a:r>
-            <a:r>
-              <a:rPr lang="en-US" sz="1600" dirty="0" err="1"/>
-              <a:t>povezavo</a:t>
-            </a:r>
-            <a:r>
-              <a:rPr lang="en-US" sz="1600" dirty="0"/>
-              <a:t> do </a:t>
-            </a:r>
-            <a:r>
-              <a:rPr lang="en-US" sz="1600" dirty="0" err="1"/>
-              <a:t>podatkov</a:t>
+              <a:t>: </a:t>
+            </a:r>
+            <a:r>
+              <a:rPr lang="en-US" sz="1600" dirty="0">
+                <a:hlinkClick r:id="rId2"/>
+              </a:rPr>
+              <a:t>https://podatki.gov.si/dataset/surs0700992s</a:t>
             </a:r>
             <a:r>
               <a:rPr lang="en-US" sz="1600" dirty="0"/>
               <a:t>, </a:t>
             </a:r>
             <a:r>
-              <a:rPr lang="en-US" sz="1600" dirty="0" err="1"/>
-              <a:t>boste</a:t>
-            </a:r>
-            <a:r>
-              <a:rPr lang="en-US" sz="1600" dirty="0"/>
-              <a:t> </a:t>
-            </a:r>
-            <a:r>
-              <a:rPr lang="en-US" sz="1600" dirty="0" err="1"/>
-              <a:t>uporabljali</a:t>
-            </a:r>
-            <a:r>
-              <a:rPr lang="en-US" sz="1600" dirty="0"/>
-              <a:t> </a:t>
-            </a:r>
-            <a:r>
-              <a:rPr lang="en-US" sz="1600" dirty="0" err="1"/>
-              <a:t>en</a:t>
-            </a:r>
-            <a:r>
-              <a:rPr lang="en-US" sz="1600" dirty="0"/>
-              <a:t> </a:t>
-            </a:r>
-            <a:r>
-              <a:rPr lang="en-US" sz="1600" dirty="0" err="1"/>
-              <a:t>ali</a:t>
-            </a:r>
-            <a:r>
-              <a:rPr lang="en-US" sz="1600" dirty="0"/>
-              <a:t> </a:t>
-            </a:r>
-            <a:r>
-              <a:rPr lang="en-US" sz="1600" dirty="0" err="1"/>
-              <a:t>več</a:t>
-            </a:r>
-            <a:r>
-              <a:rPr lang="en-US" sz="1600" dirty="0"/>
-              <a:t> </a:t>
-            </a:r>
-            <a:r>
-              <a:rPr lang="en-US" sz="1600" dirty="0" err="1"/>
-              <a:t>virov</a:t>
-            </a:r>
-            <a:r>
-              <a:rPr lang="en-US" sz="1600" dirty="0"/>
-              <a:t>?)</a:t>
+              <a:rPr lang="en-US" sz="1600" dirty="0">
+                <a:hlinkClick r:id="rId3"/>
+              </a:rPr>
+              <a:t>https://podatki.gov.si/dataset/surs0301935s?resource_id=8935a064-5888-4ab9-9066-0838f6f2743b</a:t>
+            </a:r>
+            <a:r>
+              <a:rPr lang="en-US" sz="1600" dirty="0"/>
+              <a:t> </a:t>
             </a:r>
           </a:p>
           <a:p>
@@ -3756,7 +3700,7 @@
             </a:pPr>
             <a:r>
               <a:rPr lang="en-US" sz="1600" dirty="0" err="1"/>
-              <a:t>prvotni</a:t>
+              <a:t>Prvotni</a:t>
             </a:r>
             <a:r>
               <a:rPr lang="en-US" sz="1600" dirty="0"/>
@@ -3776,48 +3720,133 @@
             </a:r>
             <a:r>
               <a:rPr lang="en-US" sz="1600" dirty="0"/>
-              <a:t> (</a:t>
-            </a:r>
-            <a:r>
-              <a:rPr lang="en-US" sz="1600" dirty="0" err="1"/>
-              <a:t>zakaj</a:t>
-            </a:r>
-            <a:r>
-              <a:rPr lang="en-US" sz="1600" dirty="0"/>
-              <a:t> so </a:t>
-            </a:r>
-            <a:r>
-              <a:rPr lang="en-US" sz="1600" dirty="0" err="1"/>
-              <a:t>jih</a:t>
-            </a:r>
-            <a:r>
-              <a:rPr lang="en-US" sz="1600" dirty="0"/>
-              <a:t> </a:t>
-            </a:r>
-            <a:r>
-              <a:rPr lang="en-US" sz="1600" dirty="0" err="1"/>
-              <a:t>avtorji</a:t>
-            </a:r>
-            <a:r>
-              <a:rPr lang="en-US" sz="1600" dirty="0"/>
-              <a:t> </a:t>
-            </a:r>
-            <a:r>
-              <a:rPr lang="en-US" sz="1600" dirty="0" err="1"/>
-              <a:t>zbirali</a:t>
-            </a:r>
-            <a:r>
-              <a:rPr lang="en-US" sz="1600" dirty="0"/>
-              <a:t> oz. </a:t>
-            </a:r>
-            <a:r>
-              <a:rPr lang="en-US" sz="1600" dirty="0" err="1"/>
-              <a:t>uporabili</a:t>
-            </a:r>
-            <a:r>
-              <a:rPr lang="en-US" sz="1600" dirty="0"/>
-              <a:t>)</a:t>
-            </a:r>
+              <a:t>: </a:t>
+            </a:r>
+            <a:r>
+              <a:rPr lang="en-US" sz="1600" dirty="0" err="1"/>
+              <a:t>spremljanje</a:t>
+            </a:r>
+            <a:r>
+              <a:rPr lang="en-US" sz="1600" dirty="0"/>
+              <a:t> </a:t>
+            </a:r>
+            <a:r>
+              <a:rPr lang="en-US" sz="1600" dirty="0" err="1"/>
+              <a:t>števila</a:t>
+            </a:r>
+            <a:r>
+              <a:rPr lang="en-US" sz="1600" dirty="0"/>
+              <a:t> in </a:t>
+            </a:r>
+            <a:r>
+              <a:rPr lang="en-US" sz="1600" dirty="0" err="1"/>
+              <a:t>strukture</a:t>
+            </a:r>
+            <a:r>
+              <a:rPr lang="en-US" sz="1600" dirty="0"/>
+              <a:t> </a:t>
+            </a:r>
+            <a:r>
+              <a:rPr lang="en-US" sz="1600" dirty="0" err="1"/>
+              <a:t>zaposlenih</a:t>
+            </a:r>
+            <a:r>
+              <a:rPr lang="en-US" sz="1600" dirty="0"/>
+              <a:t> </a:t>
+            </a:r>
+            <a:r>
+              <a:rPr lang="en-US" sz="1600" dirty="0" err="1"/>
+              <a:t>oseb</a:t>
+            </a:r>
+            <a:r>
+              <a:rPr lang="en-US" sz="1600" dirty="0"/>
+              <a:t> po </a:t>
+            </a:r>
+            <a:r>
+              <a:rPr lang="en-US" sz="1600" dirty="0" err="1"/>
+              <a:t>starosti</a:t>
+            </a:r>
+            <a:r>
+              <a:rPr lang="en-US" sz="1600" dirty="0"/>
+              <a:t> in </a:t>
+            </a:r>
+            <a:r>
+              <a:rPr lang="en-US" sz="1600" dirty="0" err="1"/>
+              <a:t>regijah</a:t>
+            </a:r>
+            <a:r>
+              <a:rPr lang="en-US" sz="1600" dirty="0"/>
+              <a:t> v </a:t>
+            </a:r>
+            <a:r>
+              <a:rPr lang="en-US" sz="1600" dirty="0" err="1"/>
+              <a:t>povezavi</a:t>
+            </a:r>
+            <a:r>
+              <a:rPr lang="en-US" sz="1600" dirty="0"/>
+              <a:t> s </a:t>
+            </a:r>
+            <a:r>
+              <a:rPr lang="en-US" sz="1600" dirty="0" err="1"/>
+              <a:t>takratno</a:t>
+            </a:r>
+            <a:r>
+              <a:rPr lang="en-US" sz="1600" dirty="0"/>
+              <a:t> </a:t>
+            </a:r>
+            <a:r>
+              <a:rPr lang="en-US" sz="1600" dirty="0" err="1"/>
+              <a:t>gospodarsko</a:t>
+            </a:r>
+            <a:r>
+              <a:rPr lang="en-US" sz="1600" dirty="0"/>
+              <a:t> </a:t>
+            </a:r>
+            <a:r>
+              <a:rPr lang="en-US" sz="1600" dirty="0" err="1"/>
+              <a:t>stanje</a:t>
+            </a:r>
+            <a:r>
+              <a:rPr lang="en-US" sz="1600" dirty="0"/>
+              <a:t> </a:t>
+            </a:r>
+            <a:r>
+              <a:rPr lang="en-US" sz="1600" dirty="0" err="1"/>
+              <a:t>države</a:t>
+            </a:r>
+            <a:r>
+              <a:rPr lang="en-US" sz="1600" dirty="0"/>
+              <a:t> in </a:t>
+            </a:r>
+            <a:r>
+              <a:rPr lang="en-US" sz="1600" dirty="0" err="1"/>
+              <a:t>sestave</a:t>
+            </a:r>
+            <a:r>
+              <a:rPr lang="en-US" sz="1600" dirty="0"/>
+              <a:t> BDP po </a:t>
+            </a:r>
+            <a:r>
+              <a:rPr lang="en-US" sz="1600" dirty="0" err="1"/>
+              <a:t>posameznih</a:t>
+            </a:r>
+            <a:r>
+              <a:rPr lang="en-US" sz="1600" dirty="0"/>
+              <a:t> </a:t>
+            </a:r>
+            <a:r>
+              <a:rPr lang="en-US" sz="1600" dirty="0" err="1"/>
+              <a:t>opazovanih</a:t>
+            </a:r>
+            <a:r>
+              <a:rPr lang="en-US" sz="1600" dirty="0"/>
+              <a:t> </a:t>
+            </a:r>
+            <a:r>
+              <a:rPr lang="en-US" sz="1600" dirty="0" err="1"/>
+              <a:t>komponentah</a:t>
+            </a:r>
+            <a:endParaRPr lang="en-US" sz="1600" dirty="0"/>
           </a:p>
           <a:p>
             <a:pPr>
@@ -3826,7 +3855,7 @@
             </a:pPr>
             <a:r>
               <a:rPr lang="en-US" sz="1600" dirty="0"/>
-              <a:t>tip </a:t>
+              <a:t>Tipi </a:t>
             </a:r>
             <a:r>
               <a:rPr lang="en-US" sz="1600" dirty="0" err="1"/>
@@ -3834,11 +3863,51 @@
             </a:r>
             <a:r>
               <a:rPr lang="en-US" sz="1600" dirty="0"/>
+              <a:t>: </a:t>
+            </a:r>
+            <a:r>
+              <a:rPr lang="en-US" sz="1600" dirty="0" err="1"/>
+              <a:t>števci</a:t>
+            </a:r>
+            <a:r>
+              <a:rPr lang="en-US" sz="1600" dirty="0"/>
+              <a:t> in </a:t>
+            </a:r>
+            <a:r>
+              <a:rPr lang="en-US" sz="1600" dirty="0" err="1"/>
+              <a:t>opisni</a:t>
+            </a:r>
+            <a:r>
+              <a:rPr lang="en-US" sz="1600" dirty="0"/>
+              <a:t> </a:t>
+            </a:r>
+            <a:r>
+              <a:rPr lang="en-US" sz="1600" dirty="0" err="1"/>
+              <a:t>atributi</a:t>
+            </a:r>
+            <a:r>
+              <a:rPr lang="en-US" sz="1600" dirty="0"/>
               <a:t> (</a:t>
             </a:r>
             <a:r>
               <a:rPr lang="en-US" sz="1600" dirty="0" err="1"/>
-              <a:t>besedila</a:t>
+              <a:t>besedilne</a:t>
+            </a:r>
+            <a:r>
+              <a:rPr lang="en-US" sz="1600" dirty="0"/>
+              <a:t> </a:t>
+            </a:r>
+            <a:r>
+              <a:rPr lang="en-US" sz="1600" dirty="0" err="1"/>
+              <a:t>oznak</a:t>
+            </a:r>
+            <a:r>
+              <a:rPr lang="en-US" sz="1600" dirty="0"/>
+              <a:t> </a:t>
+            </a:r>
+            <a:r>
+              <a:rPr lang="en-US" sz="1600" dirty="0" err="1"/>
+              <a:t>regij</a:t>
             </a:r>
             <a:r>
               <a:rPr lang="en-US" sz="1600" dirty="0"/>
@@ -3846,95 +3915,23 @@
             </a:r>
             <a:r>
               <a:rPr lang="en-US" sz="1600" dirty="0" err="1"/>
-              <a:t>slike</a:t>
-            </a:r>
-            <a:r>
-              <a:rPr lang="en-US" sz="1600" dirty="0"/>
-              <a:t>, </a:t>
-            </a:r>
-            <a:r>
-              <a:rPr lang="en-US" sz="1600" dirty="0" err="1"/>
-              <a:t>meritve</a:t>
-            </a:r>
-            <a:r>
-              <a:rPr lang="en-US" sz="1600" dirty="0"/>
-              <a:t>, </a:t>
-            </a:r>
-            <a:r>
-              <a:rPr lang="en-US" sz="1600" dirty="0" err="1"/>
-              <a:t>števci</a:t>
-            </a:r>
-            <a:r>
-              <a:rPr lang="en-US" sz="1600" dirty="0"/>
-              <a:t>, </a:t>
-            </a:r>
-            <a:r>
-              <a:rPr lang="en-US" sz="1600" dirty="0" err="1"/>
-              <a:t>statistike</a:t>
-            </a:r>
-            <a:r>
-              <a:rPr lang="en-US" sz="1600" dirty="0"/>
-              <a:t>,…) in </a:t>
-            </a:r>
-            <a:r>
-              <a:rPr lang="en-US" sz="1600" dirty="0" err="1"/>
-              <a:t>obseg</a:t>
-            </a:r>
-            <a:r>
-              <a:rPr lang="en-US" sz="1600" dirty="0"/>
-              <a:t> </a:t>
-            </a:r>
-            <a:r>
-              <a:rPr lang="en-US" sz="1600" dirty="0" err="1"/>
-              <a:t>podatkov</a:t>
-            </a:r>
-            <a:r>
-              <a:rPr lang="en-US" sz="1600" dirty="0"/>
-              <a:t> (</a:t>
-            </a:r>
-            <a:r>
-              <a:rPr lang="en-US" sz="1600" dirty="0" err="1"/>
-              <a:t>koliko</a:t>
-            </a:r>
-            <a:r>
-              <a:rPr lang="en-US" sz="1600" dirty="0"/>
-              <a:t> </a:t>
-            </a:r>
-            <a:r>
-              <a:rPr lang="en-US" sz="1600" dirty="0" err="1"/>
-              <a:t>primerov</a:t>
-            </a:r>
-            <a:r>
-              <a:rPr lang="en-US" sz="1600" dirty="0"/>
-              <a:t>, </a:t>
-            </a:r>
-            <a:r>
-              <a:rPr lang="en-US" sz="1600" dirty="0" err="1"/>
-              <a:t>koliko</a:t>
-            </a:r>
-            <a:r>
-              <a:rPr lang="en-US" sz="1600" dirty="0"/>
-              <a:t> </a:t>
-            </a:r>
-            <a:r>
-              <a:rPr lang="en-US" sz="1600" dirty="0" err="1"/>
-              <a:t>atributov</a:t>
-            </a:r>
-            <a:r>
-              <a:rPr lang="en-US" sz="1600" dirty="0"/>
-              <a:t>, </a:t>
-            </a:r>
-            <a:r>
-              <a:rPr lang="en-US" sz="1600" dirty="0" err="1"/>
-              <a:t>koliko</a:t>
-            </a:r>
-            <a:r>
-              <a:rPr lang="en-US" sz="1600" dirty="0"/>
-              <a:t> </a:t>
-            </a:r>
-            <a:r>
-              <a:rPr lang="en-US" sz="1600" dirty="0" err="1"/>
-              <a:t>razredov</a:t>
+              <a:t>starostnih</a:t>
+            </a:r>
+            <a:r>
+              <a:rPr lang="en-US" sz="1600" dirty="0"/>
+              <a:t> </a:t>
+            </a:r>
+            <a:r>
+              <a:rPr lang="en-US" sz="1600" dirty="0" err="1"/>
+              <a:t>skupin</a:t>
+            </a:r>
+            <a:r>
+              <a:rPr lang="en-US" sz="1600" dirty="0"/>
+              <a:t>, let, </a:t>
+            </a:r>
+            <a:r>
+              <a:rPr lang="en-US" sz="1600" dirty="0" err="1"/>
+              <a:t>mesecev</a:t>
             </a:r>
             <a:r>
               <a:rPr lang="en-US" sz="1600" dirty="0"/>
@@ -3948,23 +3945,64 @@
             </a:pPr>
             <a:r>
               <a:rPr lang="en-US" sz="1600" dirty="0" err="1"/>
-              <a:t>število</a:t>
-            </a:r>
-            <a:r>
-              <a:rPr lang="en-US" sz="1600" dirty="0"/>
-              <a:t> </a:t>
-            </a:r>
-            <a:r>
-              <a:rPr lang="en-US" sz="1600" dirty="0" err="1"/>
-              <a:t>manjkajočih</a:t>
-            </a:r>
-            <a:r>
-              <a:rPr lang="en-US" sz="1600" dirty="0"/>
-              <a:t> </a:t>
-            </a:r>
-            <a:r>
-              <a:rPr lang="en-US" sz="1600" dirty="0" err="1"/>
-              <a:t>zapisov</a:t>
+              <a:t>Obseg</a:t>
+            </a:r>
+            <a:r>
+              <a:rPr lang="en-US" sz="1600" dirty="0"/>
+              <a:t> </a:t>
+            </a:r>
+            <a:r>
+              <a:rPr lang="en-US" sz="1600" dirty="0" err="1"/>
+              <a:t>podatkov</a:t>
+            </a:r>
+            <a:r>
+              <a:rPr lang="en-US" sz="1600" dirty="0"/>
+              <a:t>: </a:t>
+            </a:r>
+          </a:p>
+          <a:p>
+            <a:pPr marL="0" indent="0">
+              <a:buNone/>
+            </a:pPr>
+            <a:r>
+              <a:rPr lang="en-US" sz="1600" dirty="0"/>
+              <a:t>	</a:t>
+            </a:r>
+            <a:r>
+              <a:rPr lang="en-US" sz="1600" dirty="0" err="1"/>
+              <a:t>Delovno</a:t>
+            </a:r>
+            <a:r>
+              <a:rPr lang="en-US" sz="1600" dirty="0"/>
+              <a:t> </a:t>
+            </a:r>
+            <a:r>
+              <a:rPr lang="en-US" sz="1600" dirty="0" err="1"/>
+              <a:t>aktivno</a:t>
+            </a:r>
+            <a:r>
+              <a:rPr lang="en-US" sz="1600" dirty="0"/>
+              <a:t> </a:t>
+            </a:r>
+            <a:r>
+              <a:rPr lang="en-US" sz="1600" dirty="0" err="1"/>
+              <a:t>prebivalstvo</a:t>
+            </a:r>
+            <a:r>
+              <a:rPr lang="en-US" sz="1600" dirty="0"/>
+              <a:t> [</a:t>
+            </a:r>
+            <a:r>
+              <a:rPr lang="en-US" sz="1600" dirty="0" err="1"/>
+              <a:t>statisticna</a:t>
+            </a:r>
+            <a:r>
+              <a:rPr lang="en-US" sz="1600" dirty="0"/>
+              <a:t> </a:t>
+            </a:r>
+            <a:r>
+              <a:rPr lang="en-US" sz="1600" dirty="0" err="1"/>
+              <a:t>regija</a:t>
             </a:r>
             <a:r>
               <a:rPr lang="en-US" sz="1600" dirty="0"/>
@@ -3972,7 +4010,15 @@
             </a:r>
             <a:r>
               <a:rPr lang="en-US" sz="1600" dirty="0" err="1"/>
-              <a:t>napak</a:t>
+              <a:t>starostni</a:t>
+            </a:r>
+            <a:r>
+              <a:rPr lang="en-US" sz="1600" dirty="0"/>
+              <a:t> </a:t>
+            </a:r>
+            <a:r>
+              <a:rPr lang="en-US" sz="1600" dirty="0" err="1"/>
+              <a:t>razred</a:t>
             </a:r>
             <a:r>
               <a:rPr lang="en-US" sz="1600" dirty="0"/>
@@ -3980,17 +4026,189 @@
             </a:r>
             <a:r>
               <a:rPr lang="en-US" sz="1600" dirty="0" err="1"/>
-              <a:t>druge</a:t>
-            </a:r>
-            <a:r>
-              <a:rPr lang="en-US" sz="1600" dirty="0"/>
-              <a:t> </a:t>
-            </a:r>
-            <a:r>
-              <a:rPr lang="en-US" sz="1600" dirty="0" err="1"/>
-              <a:t>težave</a:t>
-            </a:r>
-            <a:endParaRPr lang="en-US" sz="1600" dirty="0"/>
+              <a:t>leto</a:t>
+            </a:r>
+            <a:r>
+              <a:rPr lang="en-US" sz="1600" dirty="0"/>
+              <a:t>, </a:t>
+            </a:r>
+            <a:r>
+              <a:rPr lang="en-US" sz="1600" dirty="0" err="1"/>
+              <a:t>mesec</a:t>
+            </a:r>
+            <a:r>
+              <a:rPr lang="en-US" sz="1600" dirty="0"/>
+              <a:t>]</a:t>
+            </a:r>
+          </a:p>
+          <a:p>
+            <a:pPr marL="0" indent="0">
+              <a:buNone/>
+            </a:pPr>
+            <a:r>
+              <a:rPr lang="en-US" sz="1600" dirty="0"/>
+              <a:t>	</a:t>
+            </a:r>
+            <a:r>
+              <a:rPr lang="en-US" sz="1600" dirty="0" err="1"/>
+              <a:t>Izdatkovna</a:t>
+            </a:r>
+            <a:r>
+              <a:rPr lang="en-US" sz="1600" dirty="0"/>
+              <a:t> </a:t>
+            </a:r>
+            <a:r>
+              <a:rPr lang="en-US" sz="1600" dirty="0" err="1"/>
+              <a:t>struktura</a:t>
+            </a:r>
+            <a:r>
+              <a:rPr lang="en-US" sz="1600" dirty="0"/>
+              <a:t> BDP[</a:t>
+            </a:r>
+            <a:r>
+              <a:rPr lang="en-US" sz="1600" dirty="0" err="1"/>
+              <a:t>transakcije</a:t>
+            </a:r>
+            <a:r>
+              <a:rPr lang="en-US" sz="1600" dirty="0"/>
+              <a:t> (</a:t>
+            </a:r>
+            <a:r>
+              <a:rPr lang="en-US" sz="1600" dirty="0" err="1"/>
+              <a:t>končna</a:t>
+            </a:r>
+            <a:r>
+              <a:rPr lang="en-US" sz="1600" dirty="0"/>
+              <a:t> </a:t>
+            </a:r>
+            <a:r>
+              <a:rPr lang="en-US" sz="1600" dirty="0" err="1"/>
+              <a:t>potrošnja</a:t>
+            </a:r>
+            <a:r>
+              <a:rPr lang="en-US" sz="1600" dirty="0"/>
+              <a:t> </a:t>
+            </a:r>
+            <a:r>
+              <a:rPr lang="en-US" sz="1600" dirty="0" err="1"/>
+              <a:t>gospodinstev</a:t>
+            </a:r>
+            <a:r>
+              <a:rPr lang="en-US" sz="1600" dirty="0"/>
+              <a:t>, </a:t>
+            </a:r>
+            <a:r>
+              <a:rPr lang="en-US" sz="1600" dirty="0" err="1"/>
+              <a:t>izvoz</a:t>
+            </a:r>
+            <a:r>
+              <a:rPr lang="en-US" sz="1600" dirty="0"/>
+              <a:t> </a:t>
+            </a:r>
+            <a:r>
+              <a:rPr lang="en-US" sz="1600" dirty="0" err="1"/>
+              <a:t>blaga</a:t>
+            </a:r>
+            <a:r>
+              <a:rPr lang="en-US" sz="1600" dirty="0"/>
+              <a:t>, </a:t>
+            </a:r>
+            <a:r>
+              <a:rPr lang="en-US" sz="1600" dirty="0" err="1"/>
+              <a:t>investicije</a:t>
+            </a:r>
+            <a:r>
+              <a:rPr lang="en-US" sz="1600" dirty="0"/>
+              <a:t>, 	</a:t>
+            </a:r>
+            <a:r>
+              <a:rPr lang="en-US" sz="1600" dirty="0" err="1"/>
+              <a:t>izvoz</a:t>
+            </a:r>
+            <a:r>
+              <a:rPr lang="en-US" sz="1600" dirty="0"/>
+              <a:t>, …), </a:t>
+            </a:r>
+            <a:r>
+              <a:rPr lang="en-US" sz="1600" dirty="0" err="1"/>
+              <a:t>meritve</a:t>
+            </a:r>
+            <a:r>
+              <a:rPr lang="en-US" sz="1600" dirty="0"/>
+              <a:t> (</a:t>
+            </a:r>
+            <a:r>
+              <a:rPr lang="en-US" sz="1600" dirty="0" err="1"/>
+              <a:t>tekoče</a:t>
+            </a:r>
+            <a:r>
+              <a:rPr lang="en-US" sz="1600" dirty="0"/>
+              <a:t> </a:t>
+            </a:r>
+            <a:r>
+              <a:rPr lang="en-US" sz="1600" dirty="0" err="1"/>
+              <a:t>cene</a:t>
+            </a:r>
+            <a:r>
+              <a:rPr lang="en-US" sz="1600" dirty="0"/>
+              <a:t>, </a:t>
+            </a:r>
+            <a:r>
+              <a:rPr lang="en-US" sz="1600" dirty="0" err="1"/>
+              <a:t>stalne</a:t>
+            </a:r>
+            <a:r>
+              <a:rPr lang="en-US" sz="1600" dirty="0"/>
+              <a:t> </a:t>
+            </a:r>
+            <a:r>
+              <a:rPr lang="en-US" sz="1600" dirty="0" err="1"/>
+              <a:t>cene</a:t>
+            </a:r>
+            <a:r>
+              <a:rPr lang="en-US" sz="1600" dirty="0"/>
+              <a:t>, % od BDP, …), </a:t>
+            </a:r>
+            <a:r>
+              <a:rPr lang="en-US" sz="1600" dirty="0" err="1"/>
+              <a:t>leto</a:t>
+            </a:r>
+            <a:r>
+              <a:rPr lang="en-US" sz="1600" dirty="0"/>
+              <a:t> (od 1995 do 2024, po </a:t>
+            </a:r>
+            <a:r>
+              <a:rPr lang="en-US" sz="1600" dirty="0" err="1"/>
+              <a:t>en</a:t>
+            </a:r>
+            <a:r>
+              <a:rPr lang="en-US" sz="1600" dirty="0"/>
+              <a:t> 	</a:t>
+            </a:r>
+            <a:r>
+              <a:rPr lang="en-US" sz="1600" dirty="0" err="1"/>
+              <a:t>zapis</a:t>
+            </a:r>
+            <a:r>
+              <a:rPr lang="en-US" sz="1600" dirty="0"/>
+              <a:t> za </a:t>
+            </a:r>
+            <a:r>
+              <a:rPr lang="en-US" sz="1600" dirty="0" err="1"/>
+              <a:t>vsako</a:t>
+            </a:r>
+            <a:r>
+              <a:rPr lang="en-US" sz="1600" dirty="0"/>
+              <a:t> </a:t>
+            </a:r>
+            <a:r>
+              <a:rPr lang="en-US" sz="1600" dirty="0" err="1"/>
+              <a:t>leto</a:t>
+            </a:r>
+            <a:r>
+              <a:rPr lang="en-US" sz="1600" dirty="0"/>
+              <a:t>)]</a:t>
+            </a:r>
           </a:p>
           <a:p>
             <a:pPr>
@@ -3999,47 +4217,79 @@
             </a:pPr>
             <a:r>
               <a:rPr lang="en-US" sz="1600" dirty="0" err="1"/>
-              <a:t>opis</a:t>
-            </a:r>
-            <a:r>
-              <a:rPr lang="en-US" sz="1600" dirty="0"/>
-              <a:t> </a:t>
-            </a:r>
-            <a:r>
-              <a:rPr lang="en-US" sz="1600" dirty="0" err="1"/>
-              <a:t>predprocesiranja</a:t>
-            </a:r>
-            <a:r>
-              <a:rPr lang="en-US" sz="1600" dirty="0"/>
-              <a:t>, da </a:t>
-            </a:r>
-            <a:r>
-              <a:rPr lang="en-US" sz="1600" dirty="0" err="1"/>
-              <a:t>postanejo</a:t>
-            </a:r>
-            <a:r>
-              <a:rPr lang="en-US" sz="1600" dirty="0"/>
-              <a:t> </a:t>
-            </a:r>
-            <a:r>
-              <a:rPr lang="en-US" sz="1600" dirty="0" err="1"/>
-              <a:t>podatki</a:t>
-            </a:r>
-            <a:r>
-              <a:rPr lang="en-US" sz="1600" dirty="0"/>
-              <a:t> “</a:t>
-            </a:r>
-            <a:r>
-              <a:rPr lang="en-US" sz="1600" dirty="0" err="1"/>
-              <a:t>uporabni</a:t>
-            </a:r>
-            <a:r>
-              <a:rPr lang="en-US" sz="1600" dirty="0"/>
-              <a:t>” (</a:t>
-            </a:r>
-            <a:r>
-              <a:rPr lang="en-US" sz="1600" dirty="0" err="1"/>
-              <a:t>pretvorbe</a:t>
+              <a:t>Predprocesiranje</a:t>
+            </a:r>
+            <a:r>
+              <a:rPr lang="en-US" sz="1600" dirty="0"/>
+              <a:t> </a:t>
+            </a:r>
+            <a:r>
+              <a:rPr lang="en-US" sz="1600" dirty="0" err="1"/>
+              <a:t>podatkov</a:t>
+            </a:r>
+            <a:r>
+              <a:rPr lang="en-US" sz="1600" dirty="0"/>
+              <a:t>: v </a:t>
+            </a:r>
+            <a:r>
+              <a:rPr lang="en-US" sz="1600" dirty="0" err="1"/>
+              <a:t>obeh</a:t>
+            </a:r>
+            <a:r>
+              <a:rPr lang="en-US" sz="1600" dirty="0"/>
+              <a:t> </a:t>
+            </a:r>
+            <a:r>
+              <a:rPr lang="en-US" sz="1600" dirty="0" err="1"/>
+              <a:t>bazah</a:t>
+            </a:r>
+            <a:r>
+              <a:rPr lang="en-US" sz="1600" dirty="0"/>
+              <a:t> </a:t>
+            </a:r>
+            <a:r>
+              <a:rPr lang="en-US" sz="1600" dirty="0" err="1"/>
+              <a:t>podatkov</a:t>
+            </a:r>
+            <a:r>
+              <a:rPr lang="en-US" sz="1600" dirty="0"/>
+              <a:t> </a:t>
+            </a:r>
+            <a:r>
+              <a:rPr lang="en-US" sz="1600" dirty="0" err="1"/>
+              <a:t>smo</a:t>
+            </a:r>
+            <a:r>
+              <a:rPr lang="en-US" sz="1600" dirty="0"/>
+              <a:t> </a:t>
+            </a:r>
+            <a:r>
+              <a:rPr lang="en-US" sz="1600" dirty="0" err="1"/>
+              <a:t>preverile</a:t>
+            </a:r>
+            <a:r>
+              <a:rPr lang="en-US" sz="1600" dirty="0"/>
+              <a:t> </a:t>
+            </a:r>
+            <a:r>
+              <a:rPr lang="en-US" sz="1600" dirty="0" err="1"/>
+              <a:t>sladnost</a:t>
+            </a:r>
+            <a:r>
+              <a:rPr lang="en-US" sz="1600" dirty="0"/>
+              <a:t> </a:t>
+            </a:r>
+            <a:r>
+              <a:rPr lang="en-US" sz="1600" dirty="0" err="1"/>
+              <a:t>časovnih</a:t>
+            </a:r>
+            <a:r>
+              <a:rPr lang="en-US" sz="1600" dirty="0"/>
+              <a:t> </a:t>
+            </a:r>
+            <a:r>
+              <a:rPr lang="en-US" sz="1600" dirty="0" err="1"/>
+              <a:t>obdobij</a:t>
             </a:r>
             <a:r>
               <a:rPr lang="en-US" sz="1600" dirty="0"/>
@@ -4047,7 +4297,31 @@
             </a:r>
             <a:r>
               <a:rPr lang="en-US" sz="1600" dirty="0" err="1"/>
-              <a:t>filtriranje</a:t>
+              <a:t>odstranile</a:t>
+            </a:r>
+            <a:r>
+              <a:rPr lang="en-US" sz="1600" dirty="0"/>
+              <a:t> </a:t>
+            </a:r>
+            <a:r>
+              <a:rPr lang="en-US" sz="1600" dirty="0" err="1"/>
+              <a:t>smo</a:t>
+            </a:r>
+            <a:r>
+              <a:rPr lang="en-US" sz="1600" dirty="0"/>
+              <a:t> </a:t>
+            </a:r>
+            <a:r>
+              <a:rPr lang="en-US" sz="1600" dirty="0" err="1"/>
+              <a:t>manjkajoče</a:t>
+            </a:r>
+            <a:r>
+              <a:rPr lang="en-US" sz="1600" dirty="0"/>
+              <a:t> </a:t>
+            </a:r>
+            <a:r>
+              <a:rPr lang="en-US" sz="1600" dirty="0" err="1"/>
+              <a:t>vrednosti</a:t>
             </a:r>
             <a:r>
               <a:rPr lang="en-US" sz="1600" dirty="0"/>
@@ -4055,20 +4329,98 @@
             </a:r>
             <a:r>
               <a:rPr lang="en-US" sz="1600" dirty="0" err="1"/>
-              <a:t>obravnava</a:t>
-            </a:r>
-            <a:r>
-              <a:rPr lang="en-US" sz="1600" dirty="0"/>
-              <a:t> </a:t>
-            </a:r>
-            <a:r>
-              <a:rPr lang="en-US" sz="1600" dirty="0" err="1"/>
-              <a:t>napak</a:t>
-            </a:r>
-            <a:r>
-              <a:rPr lang="en-US" sz="1600" dirty="0"/>
-              <a:t>…)</a:t>
-            </a:r>
+              <a:t>odstranile</a:t>
+            </a:r>
+            <a:r>
+              <a:rPr lang="en-US" sz="1600" dirty="0"/>
+              <a:t> </a:t>
+            </a:r>
+            <a:r>
+              <a:rPr lang="en-US" sz="1600" dirty="0" err="1"/>
+              <a:t>smo</a:t>
+            </a:r>
+            <a:r>
+              <a:rPr lang="en-US" sz="1600" dirty="0"/>
+              <a:t> </a:t>
+            </a:r>
+            <a:r>
+              <a:rPr lang="en-US" sz="1600" dirty="0" err="1"/>
+              <a:t>leto</a:t>
+            </a:r>
+            <a:r>
+              <a:rPr lang="en-US" sz="1600" dirty="0"/>
+              <a:t> 2025, </a:t>
+            </a:r>
+            <a:r>
+              <a:rPr lang="en-US" sz="1600" dirty="0" err="1"/>
+              <a:t>ker</a:t>
+            </a:r>
+            <a:r>
+              <a:rPr lang="en-US" sz="1600" dirty="0"/>
+              <a:t> </a:t>
+            </a:r>
+            <a:r>
+              <a:rPr lang="en-US" sz="1600" dirty="0" err="1"/>
+              <a:t>nimamo</a:t>
+            </a:r>
+            <a:r>
+              <a:rPr lang="en-US" sz="1600" dirty="0"/>
+              <a:t> </a:t>
+            </a:r>
+            <a:r>
+              <a:rPr lang="en-US" sz="1600" dirty="0" err="1"/>
+              <a:t>še</a:t>
+            </a:r>
+            <a:r>
+              <a:rPr lang="en-US" sz="1600" dirty="0"/>
+              <a:t> </a:t>
+            </a:r>
+            <a:r>
+              <a:rPr lang="en-US" sz="1600" dirty="0" err="1"/>
+              <a:t>podatkov</a:t>
+            </a:r>
+            <a:r>
+              <a:rPr lang="en-US" sz="1600" dirty="0"/>
+              <a:t> za </a:t>
+            </a:r>
+            <a:r>
+              <a:rPr lang="en-US" sz="1600" dirty="0" err="1"/>
+              <a:t>celo</a:t>
+            </a:r>
+            <a:r>
+              <a:rPr lang="en-US" sz="1600" dirty="0"/>
+              <a:t> </a:t>
+            </a:r>
+            <a:r>
+              <a:rPr lang="en-US" sz="1600" dirty="0" err="1"/>
+              <a:t>leto</a:t>
+            </a:r>
+            <a:r>
+              <a:rPr lang="en-US" sz="1600" dirty="0"/>
+              <a:t>.</a:t>
+            </a:r>
+          </a:p>
+          <a:p>
+            <a:pPr marL="0" indent="0">
+              <a:buNone/>
+            </a:pPr>
+            <a:r>
+              <a:rPr lang="en-US" sz="1600" dirty="0"/>
+              <a:t>-    </a:t>
+            </a:r>
+            <a:r>
+              <a:rPr lang="en-US" sz="1600" dirty="0" err="1"/>
+              <a:t>združevanje</a:t>
+            </a:r>
+            <a:r>
+              <a:rPr lang="en-US" sz="1600" dirty="0"/>
+              <a:t> </a:t>
+            </a:r>
+            <a:r>
+              <a:rPr lang="en-US" sz="1600" dirty="0" err="1"/>
+              <a:t>virov</a:t>
+            </a:r>
+            <a:endParaRPr lang="en-US" sz="1600" dirty="0"/>
           </a:p>
           <a:p>
             <a:pPr>
@@ -4077,15 +4429,55 @@
             </a:pPr>
             <a:r>
               <a:rPr lang="en-US" sz="1600" dirty="0" err="1"/>
-              <a:t>združevanje</a:t>
-            </a:r>
-            <a:r>
-              <a:rPr lang="en-US" sz="1600" dirty="0"/>
-              <a:t> </a:t>
-            </a:r>
-            <a:r>
-              <a:rPr lang="en-US" sz="1600" dirty="0" err="1"/>
-              <a:t>virov</a:t>
+              <a:t>Posebnosti</a:t>
+            </a:r>
+            <a:r>
+              <a:rPr lang="en-US" sz="1600" dirty="0"/>
+              <a:t>: </a:t>
+            </a:r>
+            <a:r>
+              <a:rPr lang="en-US" sz="1600" dirty="0" err="1"/>
+              <a:t>podatki</a:t>
+            </a:r>
+            <a:r>
+              <a:rPr lang="en-US" sz="1600" dirty="0"/>
+              <a:t> pred </a:t>
+            </a:r>
+            <a:r>
+              <a:rPr lang="en-US" sz="1600" dirty="0" err="1"/>
+              <a:t>letom</a:t>
+            </a:r>
+            <a:r>
+              <a:rPr lang="en-US" sz="1600" dirty="0"/>
+              <a:t> 2007 so </a:t>
+            </a:r>
+            <a:r>
+              <a:rPr lang="en-US" sz="1600" dirty="0" err="1"/>
+              <a:t>preračunani</a:t>
+            </a:r>
+            <a:r>
+              <a:rPr lang="en-US" sz="1600" dirty="0"/>
+              <a:t> </a:t>
+            </a:r>
+            <a:r>
+              <a:rPr lang="en-US" sz="1600" dirty="0" err="1"/>
+              <a:t>iz</a:t>
+            </a:r>
+            <a:r>
+              <a:rPr lang="en-US" sz="1600" dirty="0"/>
+              <a:t> </a:t>
+            </a:r>
+            <a:r>
+              <a:rPr lang="en-US" sz="1600" dirty="0" err="1"/>
+              <a:t>tolarjev</a:t>
+            </a:r>
+            <a:r>
+              <a:rPr lang="en-US" sz="1600" dirty="0"/>
+              <a:t> v </a:t>
+            </a:r>
+            <a:r>
+              <a:rPr lang="en-US" sz="1600" dirty="0" err="1"/>
+              <a:t>evre</a:t>
             </a:r>
             <a:endParaRPr lang="en-US" sz="1600" dirty="0"/>
           </a:p>
@@ -4502,7 +4894,7 @@
               <a:rPr lang="en-US" smtClean="0"/>
               <a:t>1</a:t>
             </a:fld>
-            <a:endParaRPr lang="en-US"/>
+            <a:endParaRPr lang="en-US" dirty="0"/>
           </a:p>
         </p:txBody>
       </p:sp>
@@ -4565,7 +4957,7 @@
         </p:spPr>
         <p:txBody>
           <a:bodyPr>
-            <a:normAutofit/>
+            <a:normAutofit fontScale="85000" lnSpcReduction="20000"/>
           </a:bodyPr>
           <a:lstStyle/>
           <a:p>
@@ -4573,109 +4965,927 @@
               <a:buNone/>
             </a:pPr>
             <a:r>
-              <a:rPr lang="en-US" sz="1600" dirty="0" err="1"/>
+              <a:rPr lang="en-US" sz="1400" dirty="0" err="1"/>
               <a:t>Kako</a:t>
             </a:r>
             <a:r>
-              <a:rPr lang="en-US" sz="1600" dirty="0"/>
-              <a:t> </a:t>
-            </a:r>
-            <a:r>
-              <a:rPr lang="en-US" sz="1600" dirty="0" err="1"/>
+              <a:rPr lang="en-US" sz="1400" dirty="0"/>
+              <a:t> </a:t>
+            </a:r>
+            <a:r>
+              <a:rPr lang="en-US" sz="1400" dirty="0" err="1"/>
               <a:t>boste</a:t>
             </a:r>
             <a:r>
-              <a:rPr lang="en-US" sz="1600" dirty="0"/>
-              <a:t> </a:t>
-            </a:r>
-            <a:r>
-              <a:rPr lang="en-US" sz="1600" dirty="0" err="1"/>
+              <a:rPr lang="en-US" sz="1400" dirty="0"/>
+              <a:t> </a:t>
+            </a:r>
+            <a:r>
+              <a:rPr lang="en-US" sz="1400" dirty="0" err="1"/>
               <a:t>dosegli</a:t>
             </a:r>
             <a:r>
-              <a:rPr lang="en-US" sz="1600" dirty="0"/>
-              <a:t> </a:t>
-            </a:r>
-            <a:r>
-              <a:rPr lang="en-US" sz="1600" dirty="0" err="1"/>
+              <a:rPr lang="en-US" sz="1400" dirty="0"/>
+              <a:t> </a:t>
+            </a:r>
+            <a:r>
+              <a:rPr lang="en-US" sz="1400" dirty="0" err="1"/>
               <a:t>cilj</a:t>
             </a:r>
             <a:r>
-              <a:rPr lang="en-US" sz="1600" dirty="0"/>
+              <a:rPr lang="en-US" sz="1400" dirty="0"/>
               <a:t> 1 </a:t>
             </a:r>
             <a:r>
-              <a:rPr lang="en-US" sz="1600" dirty="0" err="1"/>
+              <a:rPr lang="en-US" sz="1400" dirty="0" err="1"/>
               <a:t>oziroma</a:t>
             </a:r>
             <a:r>
-              <a:rPr lang="en-US" sz="1600" dirty="0"/>
-              <a:t> </a:t>
-            </a:r>
-            <a:r>
-              <a:rPr lang="en-US" sz="1600" dirty="0" err="1"/>
+              <a:rPr lang="en-US" sz="1400" dirty="0"/>
+              <a:t> </a:t>
+            </a:r>
+            <a:r>
+              <a:rPr lang="en-US" sz="1400" dirty="0" err="1"/>
               <a:t>odgovorili</a:t>
             </a:r>
             <a:r>
-              <a:rPr lang="en-US" sz="1600" dirty="0"/>
-              <a:t> </a:t>
-            </a:r>
-            <a:r>
-              <a:rPr lang="en-US" sz="1600" dirty="0" err="1"/>
+              <a:rPr lang="en-US" sz="1400" dirty="0"/>
+              <a:t> </a:t>
+            </a:r>
+            <a:r>
+              <a:rPr lang="en-US" sz="1400" dirty="0" err="1"/>
               <a:t>na</a:t>
             </a:r>
             <a:r>
-              <a:rPr lang="en-US" sz="1600" dirty="0"/>
-              <a:t> </a:t>
-            </a:r>
-            <a:r>
-              <a:rPr lang="en-US" sz="1600" dirty="0" err="1"/>
+              <a:rPr lang="en-US" sz="1400" dirty="0"/>
+              <a:t> </a:t>
+            </a:r>
+            <a:r>
+              <a:rPr lang="en-US" sz="1400" dirty="0" err="1"/>
               <a:t>vprašanje</a:t>
             </a:r>
             <a:r>
-              <a:rPr lang="en-US" sz="1600" dirty="0"/>
+              <a:rPr lang="en-US" sz="1400" dirty="0"/>
               <a:t> 1…</a:t>
             </a:r>
           </a:p>
-        </p:txBody>
-      </p:sp>
-      <p:sp>
-        <p:nvSpPr>
-          <p:cNvPr id="18" name="Content Placeholder 17">
+          <a:p>
+            <a:pPr marL="0" indent="0">
+              <a:buNone/>
+            </a:pPr>
+            <a:r>
+              <a:rPr lang="en-US" sz="1400" dirty="0" err="1"/>
+              <a:t>Vprašanje</a:t>
+            </a:r>
+            <a:r>
+              <a:rPr lang="en-US" sz="1400" dirty="0"/>
+              <a:t> 1:  </a:t>
+            </a:r>
+            <a:r>
+              <a:rPr lang="en-US" sz="1400" dirty="0" err="1"/>
+              <a:t>Kako</a:t>
+            </a:r>
+            <a:r>
+              <a:rPr lang="en-US" sz="1400" dirty="0"/>
+              <a:t> se je </a:t>
+            </a:r>
+            <a:r>
+              <a:rPr lang="en-US" sz="1400" dirty="0" err="1"/>
+              <a:t>spreminjala</a:t>
+            </a:r>
+            <a:r>
+              <a:rPr lang="en-US" sz="1400" dirty="0"/>
+              <a:t> </a:t>
+            </a:r>
+            <a:r>
+              <a:rPr lang="en-US" sz="1400" dirty="0" err="1"/>
+              <a:t>starostna</a:t>
+            </a:r>
+            <a:r>
+              <a:rPr lang="en-US" sz="1400" dirty="0"/>
+              <a:t> </a:t>
+            </a:r>
+            <a:r>
+              <a:rPr lang="en-US" sz="1400" dirty="0" err="1"/>
+              <a:t>struktura</a:t>
+            </a:r>
+            <a:r>
+              <a:rPr lang="en-US" sz="1400" dirty="0"/>
+              <a:t> </a:t>
+            </a:r>
+            <a:r>
+              <a:rPr lang="en-US" sz="1400" dirty="0" err="1"/>
+              <a:t>delovno</a:t>
+            </a:r>
+            <a:r>
+              <a:rPr lang="en-US" sz="1400" dirty="0"/>
+              <a:t> </a:t>
+            </a:r>
+            <a:r>
+              <a:rPr lang="en-US" sz="1400" dirty="0" err="1"/>
+              <a:t>aktivnega</a:t>
+            </a:r>
+            <a:r>
+              <a:rPr lang="en-US" sz="1400" dirty="0"/>
+              <a:t> </a:t>
+            </a:r>
+            <a:r>
+              <a:rPr lang="en-US" sz="1400" dirty="0" err="1"/>
+              <a:t>prebivalstva</a:t>
+            </a:r>
+            <a:r>
+              <a:rPr lang="en-US" sz="1400" dirty="0"/>
+              <a:t> v </a:t>
+            </a:r>
+            <a:r>
+              <a:rPr lang="en-US" sz="1400" dirty="0" err="1"/>
+              <a:t>različnih</a:t>
+            </a:r>
+            <a:r>
+              <a:rPr lang="en-US" sz="1400" dirty="0"/>
+              <a:t> </a:t>
+            </a:r>
+            <a:r>
+              <a:rPr lang="en-US" sz="1400" dirty="0" err="1"/>
+              <a:t>regijah</a:t>
+            </a:r>
+            <a:r>
+              <a:rPr lang="en-US" sz="1400" dirty="0"/>
+              <a:t>? </a:t>
+            </a:r>
+          </a:p>
+          <a:p>
+            <a:pPr marL="0" indent="0">
+              <a:buNone/>
+            </a:pPr>
+            <a:r>
+              <a:rPr lang="en-US" sz="1400" dirty="0"/>
+              <a:t>CILJI:</a:t>
+            </a:r>
+          </a:p>
+          <a:p>
+            <a:r>
+              <a:rPr lang="en-US" sz="1400" dirty="0" err="1"/>
+              <a:t>Ugotiviti</a:t>
+            </a:r>
+            <a:r>
+              <a:rPr lang="en-US" sz="1400" dirty="0"/>
+              <a:t>, </a:t>
+            </a:r>
+            <a:r>
+              <a:rPr lang="en-US" sz="1400" dirty="0" err="1"/>
+              <a:t>katere</a:t>
+            </a:r>
+            <a:r>
+              <a:rPr lang="en-US" sz="1400" dirty="0"/>
+              <a:t> </a:t>
+            </a:r>
+            <a:r>
+              <a:rPr lang="en-US" sz="1400" dirty="0" err="1"/>
+              <a:t>starostne</a:t>
+            </a:r>
+            <a:r>
+              <a:rPr lang="en-US" sz="1400" dirty="0"/>
+              <a:t> </a:t>
+            </a:r>
+            <a:r>
+              <a:rPr lang="en-US" sz="1400" dirty="0" err="1"/>
+              <a:t>skupine</a:t>
+            </a:r>
+            <a:r>
+              <a:rPr lang="en-US" sz="1400" dirty="0"/>
+              <a:t> so bile </a:t>
+            </a:r>
+            <a:r>
+              <a:rPr lang="en-US" sz="1400" dirty="0" err="1"/>
+              <a:t>najbolj</a:t>
+            </a:r>
+            <a:r>
+              <a:rPr lang="en-US" sz="1400" dirty="0"/>
+              <a:t> </a:t>
+            </a:r>
+            <a:r>
+              <a:rPr lang="en-US" sz="1400" dirty="0" err="1"/>
+              <a:t>številčne</a:t>
+            </a:r>
+            <a:r>
+              <a:rPr lang="en-US" sz="1400" dirty="0"/>
+              <a:t> </a:t>
+            </a:r>
+            <a:r>
+              <a:rPr lang="en-US" sz="1400" dirty="0" err="1"/>
+              <a:t>skozi</a:t>
+            </a:r>
+            <a:r>
+              <a:rPr lang="en-US" sz="1400" dirty="0"/>
+              <a:t> </a:t>
+            </a:r>
+            <a:r>
+              <a:rPr lang="en-US" sz="1400" dirty="0" err="1"/>
+              <a:t>leta</a:t>
+            </a:r>
+            <a:endParaRPr lang="en-US" sz="1400" dirty="0"/>
+          </a:p>
+          <a:p>
+            <a:r>
+              <a:rPr lang="en-US" sz="1400" dirty="0" err="1"/>
+              <a:t>Ugotoviti</a:t>
+            </a:r>
+            <a:r>
+              <a:rPr lang="en-US" sz="1400" dirty="0"/>
+              <a:t>, </a:t>
+            </a:r>
+            <a:r>
+              <a:rPr lang="en-US" sz="1400" dirty="0" err="1"/>
+              <a:t>kako</a:t>
+            </a:r>
+            <a:r>
+              <a:rPr lang="en-US" sz="1400" dirty="0"/>
+              <a:t> se po </a:t>
+            </a:r>
+            <a:r>
+              <a:rPr lang="en-US" sz="1400" dirty="0" err="1"/>
+              <a:t>regijah</a:t>
+            </a:r>
+            <a:r>
+              <a:rPr lang="en-US" sz="1400" dirty="0"/>
+              <a:t> </a:t>
+            </a:r>
+            <a:r>
+              <a:rPr lang="en-US" sz="1400" dirty="0" err="1"/>
+              <a:t>spreminjajo</a:t>
+            </a:r>
+            <a:r>
+              <a:rPr lang="en-US" sz="1400" dirty="0"/>
+              <a:t> </a:t>
+            </a:r>
+            <a:r>
+              <a:rPr lang="en-US" sz="1400" dirty="0" err="1"/>
+              <a:t>deleži</a:t>
+            </a:r>
+            <a:r>
+              <a:rPr lang="en-US" sz="1400" dirty="0"/>
+              <a:t> </a:t>
+            </a:r>
+            <a:r>
+              <a:rPr lang="en-US" sz="1400" dirty="0" err="1"/>
+              <a:t>starostnih</a:t>
+            </a:r>
+            <a:r>
+              <a:rPr lang="en-US" sz="1400" dirty="0"/>
+              <a:t> </a:t>
+            </a:r>
+            <a:r>
+              <a:rPr lang="en-US" sz="1400" dirty="0" err="1"/>
+              <a:t>skupin</a:t>
+            </a:r>
+            <a:r>
+              <a:rPr lang="en-US" sz="1400" dirty="0"/>
+              <a:t> </a:t>
+            </a:r>
+            <a:r>
+              <a:rPr lang="en-US" sz="1400" dirty="0" err="1"/>
+              <a:t>skozi</a:t>
+            </a:r>
+            <a:r>
+              <a:rPr lang="en-US" sz="1400" dirty="0"/>
+              <a:t> </a:t>
+            </a:r>
+            <a:r>
+              <a:rPr lang="en-US" sz="1400" dirty="0" err="1"/>
+              <a:t>leta</a:t>
+            </a:r>
+            <a:r>
+              <a:rPr lang="en-US" sz="1400" dirty="0"/>
+              <a:t> (</a:t>
+            </a:r>
+            <a:r>
+              <a:rPr lang="en-US" sz="1400" dirty="0" err="1"/>
+              <a:t>staranje</a:t>
+            </a:r>
+            <a:r>
+              <a:rPr lang="en-US" sz="1400" dirty="0"/>
+              <a:t> </a:t>
+            </a:r>
+            <a:r>
+              <a:rPr lang="en-US" sz="1400" dirty="0" err="1"/>
+              <a:t>prebivalstva</a:t>
+            </a:r>
+            <a:r>
+              <a:rPr lang="en-US" sz="1400" dirty="0"/>
+              <a:t>, </a:t>
+            </a:r>
+            <a:r>
+              <a:rPr lang="en-US" sz="1400" dirty="0" err="1"/>
+              <a:t>kasnejše</a:t>
+            </a:r>
+            <a:r>
+              <a:rPr lang="en-US" sz="1400" dirty="0"/>
+              <a:t> </a:t>
+            </a:r>
+            <a:r>
+              <a:rPr lang="en-US" sz="1400" dirty="0" err="1"/>
+              <a:t>upokojevanje</a:t>
+            </a:r>
+            <a:r>
+              <a:rPr lang="en-US" sz="1400" dirty="0"/>
+              <a:t>, …)</a:t>
+            </a:r>
+          </a:p>
+          <a:p>
+            <a:r>
+              <a:rPr lang="en-US" sz="1400" dirty="0" err="1"/>
+              <a:t>Ugotoviti</a:t>
+            </a:r>
+            <a:r>
+              <a:rPr lang="en-US" sz="1400" dirty="0"/>
+              <a:t>, </a:t>
+            </a:r>
+            <a:r>
+              <a:rPr lang="en-US" sz="1400" dirty="0" err="1"/>
+              <a:t>kako</a:t>
+            </a:r>
+            <a:r>
+              <a:rPr lang="en-US" sz="1400" dirty="0"/>
+              <a:t> se po </a:t>
+            </a:r>
+            <a:r>
+              <a:rPr lang="en-US" sz="1400" dirty="0" err="1"/>
+              <a:t>regijah</a:t>
+            </a:r>
+            <a:r>
+              <a:rPr lang="en-US" sz="1400" dirty="0"/>
+              <a:t> </a:t>
+            </a:r>
+            <a:r>
+              <a:rPr lang="en-US" sz="1400" dirty="0" err="1"/>
+              <a:t>razlikujej</a:t>
+            </a:r>
+            <a:r>
+              <a:rPr lang="en-US" sz="1400" dirty="0"/>
+              <a:t> </a:t>
+            </a:r>
+            <a:r>
+              <a:rPr lang="en-US" sz="1400" dirty="0" err="1"/>
+              <a:t>število</a:t>
+            </a:r>
+            <a:r>
+              <a:rPr lang="en-US" sz="1400" dirty="0"/>
+              <a:t> </a:t>
+            </a:r>
+            <a:r>
+              <a:rPr lang="en-US" sz="1400" dirty="0" err="1"/>
+              <a:t>delovno</a:t>
+            </a:r>
+            <a:r>
+              <a:rPr lang="en-US" sz="1400" dirty="0"/>
+              <a:t> </a:t>
+            </a:r>
+            <a:r>
+              <a:rPr lang="en-US" sz="1400" dirty="0" err="1"/>
+              <a:t>aktivnih</a:t>
+            </a:r>
+            <a:r>
+              <a:rPr lang="en-US" sz="1400" dirty="0"/>
+              <a:t> </a:t>
+            </a:r>
+            <a:r>
+              <a:rPr lang="en-US" sz="1400" dirty="0" err="1"/>
+              <a:t>ljudi</a:t>
+            </a:r>
+            <a:endParaRPr lang="en-US" sz="1400" dirty="0"/>
+          </a:p>
+          <a:p>
+            <a:pPr marL="0" indent="0">
+              <a:buNone/>
+            </a:pPr>
+            <a:r>
+              <a:rPr lang="en-US" sz="1400" dirty="0"/>
+              <a:t>METODE:</a:t>
+            </a:r>
+          </a:p>
+          <a:p>
+            <a:r>
+              <a:rPr lang="en-US" sz="1400" dirty="0" err="1"/>
+              <a:t>Priprava</a:t>
+            </a:r>
+            <a:r>
+              <a:rPr lang="en-US" sz="1400" dirty="0"/>
+              <a:t> in </a:t>
+            </a:r>
+            <a:r>
+              <a:rPr lang="en-US" sz="1400" dirty="0" err="1"/>
+              <a:t>predprocesiranje</a:t>
+            </a:r>
+            <a:r>
+              <a:rPr lang="en-US" sz="1400" dirty="0"/>
+              <a:t> </a:t>
+            </a:r>
+            <a:r>
+              <a:rPr lang="en-US" sz="1400" dirty="0" err="1"/>
+              <a:t>podatkov</a:t>
+            </a:r>
+            <a:r>
+              <a:rPr lang="en-US" sz="1400" dirty="0"/>
+              <a:t>: </a:t>
+            </a:r>
+            <a:r>
+              <a:rPr lang="en-US" sz="1400" dirty="0" err="1"/>
+              <a:t>iz</a:t>
+            </a:r>
+            <a:r>
+              <a:rPr lang="en-US" sz="1400" dirty="0"/>
+              <a:t> </a:t>
+            </a:r>
+            <a:r>
+              <a:rPr lang="en-US" sz="1400" dirty="0" err="1"/>
+              <a:t>podatkov</a:t>
+            </a:r>
+            <a:r>
+              <a:rPr lang="en-US" sz="1400" dirty="0"/>
+              <a:t> o </a:t>
+            </a:r>
+            <a:r>
+              <a:rPr lang="en-US" sz="1400" dirty="0" err="1"/>
+              <a:t>delovno</a:t>
+            </a:r>
+            <a:r>
+              <a:rPr lang="en-US" sz="1400" dirty="0"/>
+              <a:t> </a:t>
+            </a:r>
+            <a:r>
+              <a:rPr lang="en-US" sz="1400" dirty="0" err="1"/>
+              <a:t>aktivnem</a:t>
+            </a:r>
+            <a:r>
+              <a:rPr lang="en-US" sz="1400" dirty="0"/>
+              <a:t> </a:t>
+            </a:r>
+            <a:r>
+              <a:rPr lang="en-US" sz="1400" dirty="0" err="1"/>
+              <a:t>prebivalstvo</a:t>
+            </a:r>
+            <a:r>
+              <a:rPr lang="en-US" sz="1400" dirty="0"/>
+              <a:t> </a:t>
+            </a:r>
+            <a:r>
+              <a:rPr lang="en-US" sz="1400" dirty="0" err="1"/>
+              <a:t>izbrale</a:t>
+            </a:r>
+            <a:r>
+              <a:rPr lang="en-US" sz="1400" dirty="0"/>
+              <a:t> </a:t>
+            </a:r>
+            <a:r>
+              <a:rPr lang="en-US" sz="1400" dirty="0" err="1"/>
+              <a:t>ključna</a:t>
+            </a:r>
+            <a:r>
+              <a:rPr lang="en-US" sz="1400" dirty="0"/>
+              <a:t> </a:t>
+            </a:r>
+            <a:r>
+              <a:rPr lang="en-US" sz="1400" dirty="0" err="1"/>
+              <a:t>leta</a:t>
+            </a:r>
+            <a:r>
+              <a:rPr lang="en-US" sz="1400" dirty="0"/>
+              <a:t> za </a:t>
+            </a:r>
+            <a:r>
+              <a:rPr lang="en-US" sz="1400" dirty="0" err="1"/>
+              <a:t>analizo</a:t>
+            </a:r>
+            <a:r>
+              <a:rPr lang="en-US" sz="1400" dirty="0"/>
+              <a:t> (</a:t>
+            </a:r>
+            <a:r>
+              <a:rPr lang="en-US" sz="1400" dirty="0" err="1"/>
+              <a:t>zaradi</a:t>
+            </a:r>
+            <a:r>
+              <a:rPr lang="en-US" sz="1400" dirty="0"/>
+              <a:t> </a:t>
+            </a:r>
+            <a:r>
+              <a:rPr lang="en-US" sz="1400" dirty="0" err="1"/>
+              <a:t>preglednosti</a:t>
+            </a:r>
+            <a:r>
+              <a:rPr lang="en-US" sz="1400" dirty="0"/>
+              <a:t>) in </a:t>
+            </a:r>
+            <a:r>
+              <a:rPr lang="en-US" sz="1400" dirty="0" err="1"/>
+              <a:t>jih</a:t>
+            </a:r>
+            <a:r>
+              <a:rPr lang="en-US" sz="1400" dirty="0"/>
+              <a:t> </a:t>
+            </a:r>
+            <a:r>
+              <a:rPr lang="en-US" sz="1400" dirty="0" err="1"/>
+              <a:t>razdelile</a:t>
+            </a:r>
+            <a:r>
+              <a:rPr lang="en-US" sz="1400" dirty="0"/>
+              <a:t> </a:t>
+            </a:r>
+            <a:r>
+              <a:rPr lang="en-US" sz="1400" dirty="0" err="1"/>
+              <a:t>na</a:t>
+            </a:r>
+            <a:r>
+              <a:rPr lang="en-US" sz="1400" dirty="0"/>
+              <a:t> </a:t>
+            </a:r>
+            <a:r>
+              <a:rPr lang="en-US" sz="1400" dirty="0" err="1"/>
+              <a:t>dva</a:t>
+            </a:r>
+            <a:r>
+              <a:rPr lang="en-US" sz="1400" dirty="0"/>
+              <a:t> </a:t>
+            </a:r>
+            <a:r>
+              <a:rPr lang="en-US" sz="1400" dirty="0" err="1"/>
+              <a:t>sklopa</a:t>
+            </a:r>
+            <a:r>
+              <a:rPr lang="en-US" sz="1400" dirty="0"/>
+              <a:t> (</a:t>
+            </a:r>
+            <a:r>
+              <a:rPr lang="en-US" sz="1400" dirty="0" err="1"/>
+              <a:t>starostne</a:t>
+            </a:r>
+            <a:r>
+              <a:rPr lang="en-US" sz="1400" dirty="0"/>
+              <a:t> </a:t>
+            </a:r>
+            <a:r>
+              <a:rPr lang="en-US" sz="1400" dirty="0" err="1"/>
+              <a:t>skupine</a:t>
+            </a:r>
+            <a:r>
+              <a:rPr lang="en-US" sz="1400" dirty="0"/>
+              <a:t>, </a:t>
+            </a:r>
+            <a:r>
+              <a:rPr lang="en-US" sz="1400" dirty="0" err="1"/>
+              <a:t>regije</a:t>
+            </a:r>
+            <a:r>
+              <a:rPr lang="en-US" sz="1400" dirty="0"/>
+              <a:t>)</a:t>
+            </a:r>
+          </a:p>
+          <a:p>
+            <a:r>
+              <a:rPr lang="en-US" sz="1400" dirty="0" err="1"/>
+              <a:t>Metode</a:t>
+            </a:r>
+            <a:r>
+              <a:rPr lang="en-US" sz="1400" dirty="0"/>
+              <a:t> </a:t>
+            </a:r>
+            <a:r>
+              <a:rPr lang="en-US" sz="1400" dirty="0" err="1"/>
+              <a:t>vizualizacije</a:t>
+            </a:r>
+            <a:r>
+              <a:rPr lang="en-US" sz="1400" dirty="0"/>
+              <a:t>: </a:t>
+            </a:r>
+          </a:p>
+          <a:p>
+            <a:pPr marL="0" indent="0">
+              <a:buNone/>
+            </a:pPr>
+            <a:r>
+              <a:rPr lang="en-US" sz="1400" b="1" dirty="0" err="1"/>
+              <a:t>Stolpični</a:t>
+            </a:r>
+            <a:r>
+              <a:rPr lang="en-US" sz="1400" b="1" dirty="0"/>
+              <a:t> </a:t>
+            </a:r>
+            <a:r>
+              <a:rPr lang="en-US" sz="1400" b="1" dirty="0" err="1"/>
+              <a:t>graf</a:t>
+            </a:r>
+            <a:r>
+              <a:rPr lang="en-US" sz="1400" b="1" dirty="0"/>
+              <a:t> </a:t>
+            </a:r>
+            <a:r>
+              <a:rPr lang="en-US" sz="1400" dirty="0"/>
+              <a:t>za </a:t>
+            </a:r>
+            <a:r>
+              <a:rPr lang="en-US" sz="1400" dirty="0" err="1"/>
+              <a:t>starostne</a:t>
+            </a:r>
+            <a:r>
+              <a:rPr lang="en-US" sz="1400" dirty="0"/>
+              <a:t> </a:t>
+            </a:r>
+            <a:r>
+              <a:rPr lang="en-US" sz="1400" dirty="0" err="1"/>
+              <a:t>skupine</a:t>
+            </a:r>
+            <a:r>
+              <a:rPr lang="en-US" sz="1400" dirty="0"/>
+              <a:t> (za </a:t>
+            </a:r>
+            <a:r>
+              <a:rPr lang="en-US" sz="1400" dirty="0" err="1"/>
+              <a:t>vsako</a:t>
+            </a:r>
+            <a:r>
+              <a:rPr lang="en-US" sz="1400" dirty="0"/>
+              <a:t> </a:t>
+            </a:r>
+            <a:r>
+              <a:rPr lang="en-US" sz="1400" dirty="0" err="1"/>
+              <a:t>leto</a:t>
+            </a:r>
+            <a:r>
+              <a:rPr lang="en-US" sz="1400" dirty="0"/>
+              <a:t> </a:t>
+            </a:r>
+            <a:r>
+              <a:rPr lang="en-US" sz="1400" dirty="0" err="1"/>
+              <a:t>seštevek</a:t>
+            </a:r>
+            <a:r>
+              <a:rPr lang="en-US" sz="1400" dirty="0"/>
+              <a:t> </a:t>
+            </a:r>
+            <a:r>
+              <a:rPr lang="en-US" sz="1400" dirty="0" err="1"/>
+              <a:t>delovno</a:t>
+            </a:r>
+            <a:r>
+              <a:rPr lang="en-US" sz="1400" dirty="0"/>
+              <a:t> </a:t>
+            </a:r>
+            <a:r>
+              <a:rPr lang="en-US" sz="1400" dirty="0" err="1"/>
+              <a:t>aktivnih</a:t>
+            </a:r>
+            <a:r>
+              <a:rPr lang="en-US" sz="1400" dirty="0"/>
+              <a:t> po </a:t>
+            </a:r>
+            <a:r>
+              <a:rPr lang="en-US" sz="1400" dirty="0" err="1"/>
+              <a:t>starostnih</a:t>
+            </a:r>
+            <a:r>
+              <a:rPr lang="en-US" sz="1400" dirty="0"/>
+              <a:t> </a:t>
+            </a:r>
+            <a:r>
+              <a:rPr lang="en-US" sz="1400" dirty="0" err="1"/>
+              <a:t>regijah</a:t>
+            </a:r>
+            <a:r>
+              <a:rPr lang="en-US" sz="1400" dirty="0"/>
+              <a:t> – </a:t>
+            </a:r>
+            <a:r>
+              <a:rPr lang="en-US" sz="1400" dirty="0" err="1"/>
+              <a:t>vsako</a:t>
+            </a:r>
+            <a:r>
+              <a:rPr lang="en-US" sz="1400" dirty="0"/>
+              <a:t> </a:t>
+            </a:r>
+            <a:r>
+              <a:rPr lang="en-US" sz="1400" dirty="0" err="1"/>
+              <a:t>leto</a:t>
+            </a:r>
+            <a:r>
+              <a:rPr lang="en-US" sz="1400" dirty="0"/>
+              <a:t> </a:t>
+            </a:r>
+            <a:r>
+              <a:rPr lang="en-US" sz="1400" dirty="0" err="1"/>
+              <a:t>ima</a:t>
+            </a:r>
+            <a:r>
+              <a:rPr lang="en-US" sz="1400" dirty="0"/>
+              <a:t> </a:t>
+            </a:r>
+            <a:r>
+              <a:rPr lang="en-US" sz="1400" dirty="0" err="1"/>
+              <a:t>svojo</a:t>
+            </a:r>
+            <a:r>
+              <a:rPr lang="en-US" sz="1400" dirty="0"/>
+              <a:t> bravo) </a:t>
+            </a:r>
+          </a:p>
+          <a:p>
+            <a:pPr marL="0" indent="0">
+              <a:buNone/>
+            </a:pPr>
+            <a:r>
+              <a:rPr lang="en-US" sz="1400" b="1" dirty="0" err="1"/>
+              <a:t>Linijski</a:t>
+            </a:r>
+            <a:r>
+              <a:rPr lang="en-US" sz="1400" b="1" dirty="0"/>
+              <a:t> </a:t>
+            </a:r>
+            <a:r>
+              <a:rPr lang="en-US" sz="1400" b="1" dirty="0" err="1"/>
+              <a:t>graf</a:t>
+            </a:r>
+            <a:r>
+              <a:rPr lang="en-US" sz="1400" dirty="0"/>
+              <a:t> – </a:t>
+            </a:r>
+            <a:r>
+              <a:rPr lang="en-US" sz="1400" dirty="0" err="1"/>
+              <a:t>spremembe</a:t>
+            </a:r>
+            <a:r>
+              <a:rPr lang="en-US" sz="1400" dirty="0"/>
+              <a:t> po </a:t>
+            </a:r>
+            <a:r>
+              <a:rPr lang="en-US" sz="1400" dirty="0" err="1"/>
+              <a:t>letih</a:t>
+            </a:r>
+            <a:r>
+              <a:rPr lang="en-US" sz="1400" dirty="0"/>
+              <a:t> za </a:t>
+            </a:r>
+            <a:r>
+              <a:rPr lang="en-US" sz="1400" dirty="0" err="1"/>
+              <a:t>število</a:t>
+            </a:r>
+            <a:r>
+              <a:rPr lang="en-US" sz="1400" dirty="0"/>
+              <a:t> </a:t>
+            </a:r>
+            <a:r>
+              <a:rPr lang="en-US" sz="1400" dirty="0" err="1"/>
+              <a:t>prebivalcev</a:t>
+            </a:r>
+            <a:r>
+              <a:rPr lang="en-US" sz="1400" dirty="0"/>
+              <a:t> </a:t>
+            </a:r>
+          </a:p>
+          <a:p>
+            <a:pPr marL="0" indent="0">
+              <a:buNone/>
+            </a:pPr>
+            <a:r>
+              <a:rPr lang="en-US" sz="1400" b="1" dirty="0" err="1"/>
+              <a:t>Stolpični</a:t>
+            </a:r>
+            <a:r>
+              <a:rPr lang="en-US" sz="1400" b="1" dirty="0"/>
+              <a:t> </a:t>
+            </a:r>
+            <a:r>
+              <a:rPr lang="en-US" sz="1400" b="1" dirty="0" err="1"/>
+              <a:t>graf</a:t>
+            </a:r>
+            <a:r>
+              <a:rPr lang="en-US" sz="1400" b="1" dirty="0"/>
+              <a:t> po </a:t>
+            </a:r>
+            <a:r>
+              <a:rPr lang="en-US" sz="1400" b="1" dirty="0" err="1"/>
+              <a:t>regijah</a:t>
+            </a:r>
+            <a:r>
+              <a:rPr lang="en-US" sz="1400" b="1" dirty="0"/>
+              <a:t>: </a:t>
+            </a:r>
+            <a:r>
+              <a:rPr lang="en-US" sz="1400" dirty="0" err="1"/>
+              <a:t>iz</a:t>
+            </a:r>
+            <a:r>
+              <a:rPr lang="en-US" sz="1400" dirty="0"/>
+              <a:t> </a:t>
+            </a:r>
+            <a:r>
+              <a:rPr lang="en-US" sz="1400" dirty="0" err="1"/>
+              <a:t>podatkov</a:t>
+            </a:r>
+            <a:r>
+              <a:rPr lang="en-US" sz="1400" dirty="0"/>
+              <a:t> </a:t>
+            </a:r>
+            <a:r>
+              <a:rPr lang="en-US" sz="1400" dirty="0" err="1"/>
+              <a:t>smo</a:t>
+            </a:r>
+            <a:r>
+              <a:rPr lang="en-US" sz="1400" dirty="0"/>
+              <a:t> </a:t>
+            </a:r>
+            <a:r>
+              <a:rPr lang="en-US" sz="1400" dirty="0" err="1"/>
+              <a:t>prikazale</a:t>
+            </a:r>
+            <a:r>
+              <a:rPr lang="en-US" sz="1400" dirty="0"/>
+              <a:t> </a:t>
+            </a:r>
+            <a:r>
+              <a:rPr lang="en-US" sz="1400" dirty="0" err="1"/>
+              <a:t>število</a:t>
+            </a:r>
+            <a:r>
+              <a:rPr lang="en-US" sz="1400" dirty="0"/>
+              <a:t> </a:t>
+            </a:r>
+            <a:r>
+              <a:rPr lang="en-US" sz="1400" dirty="0" err="1"/>
+              <a:t>zaposlenih</a:t>
+            </a:r>
+            <a:r>
+              <a:rPr lang="en-US" sz="1400" dirty="0"/>
+              <a:t> po </a:t>
+            </a:r>
+            <a:r>
+              <a:rPr lang="en-US" sz="1400" dirty="0" err="1"/>
+              <a:t>posameznih</a:t>
+            </a:r>
+            <a:r>
+              <a:rPr lang="en-US" sz="1400" dirty="0"/>
+              <a:t> </a:t>
+            </a:r>
+            <a:r>
+              <a:rPr lang="en-US" sz="1400" dirty="0" err="1"/>
+              <a:t>regijah</a:t>
+            </a:r>
+            <a:r>
+              <a:rPr lang="en-US" sz="1400" dirty="0"/>
+              <a:t> s </a:t>
+            </a:r>
+            <a:r>
+              <a:rPr lang="en-US" sz="1400" dirty="0" err="1"/>
+              <a:t>primerjavo</a:t>
+            </a:r>
+            <a:r>
+              <a:rPr lang="en-US" sz="1400" dirty="0"/>
+              <a:t> po </a:t>
+            </a:r>
+            <a:r>
+              <a:rPr lang="en-US" sz="1400" dirty="0" err="1"/>
+              <a:t>letih</a:t>
+            </a:r>
+            <a:r>
+              <a:rPr lang="en-US" sz="1400" dirty="0"/>
+              <a:t>.</a:t>
+            </a:r>
+            <a:endParaRPr lang="en-US" sz="1400" b="1" dirty="0"/>
+          </a:p>
+        </p:txBody>
+      </p:sp>
+      <p:pic>
+        <p:nvPicPr>
+          <p:cNvPr id="4" name="Content Placeholder 3" descr="A graph of a number of bars&#10;&#10;Description automatically generated">
             <a:extLst>
               <a:ext uri="{FF2B5EF4-FFF2-40B4-BE49-F238E27FC236}">
-                <a16:creationId xmlns:a16="http://schemas.microsoft.com/office/drawing/2014/main" id="{BFC9798E-C22A-6049-8D8E-80BEDDEA70AA}"/>
+                <a16:creationId xmlns:a16="http://schemas.microsoft.com/office/drawing/2014/main" id="{AF29A5BE-410C-0961-D362-27421EF44BE8}"/>
               </a:ext>
             </a:extLst>
           </p:cNvPr>
-          <p:cNvSpPr>
-            <a:spLocks noGrp="1"/>
-          </p:cNvSpPr>
+          <p:cNvPicPr>
+            <a:picLocks noGrp="1" noChangeAspect="1"/>
+          </p:cNvPicPr>
           <p:nvPr>
             <p:ph sz="half" idx="2"/>
           </p:nvPr>
-        </p:nvSpPr>
+        </p:nvPicPr>
+        <p:blipFill>
+          <a:blip r:embed="rId2"/>
+          <a:stretch>
+            <a:fillRect/>
+          </a:stretch>
+        </p:blipFill>
         <p:spPr>
           <a:xfrm>
-            <a:off x="4588962" y="589356"/>
-            <a:ext cx="4462272" cy="4177907"/>
+            <a:off x="4519112" y="589356"/>
+            <a:ext cx="2204289" cy="1324881"/>
           </a:xfrm>
           <a:ln>
-            <a:solidFill>
-              <a:schemeClr val="tx1"/>
-            </a:solidFill>
+            <a:noFill/>
           </a:ln>
         </p:spPr>
-        <p:txBody>
-          <a:bodyPr>
-            <a:normAutofit/>
-          </a:bodyPr>
-          <a:lstStyle/>
-          <a:p>
-            <a:endParaRPr lang="en-US" sz="1600" dirty="0"/>
-          </a:p>
-        </p:txBody>
-      </p:sp>
+      </p:pic>
       <p:sp>
         <p:nvSpPr>
           <p:cNvPr id="7" name="Slide Number Placeholder 6">
@@ -5451,6 +6661,96 @@
           </a:p>
         </p:txBody>
       </p:sp>
+      <p:pic>
+        <p:nvPicPr>
+          <p:cNvPr id="6" name="Picture 5" descr="A close-up of a graph&#10;&#10;Description automatically generated">
+            <a:extLst>
+              <a:ext uri="{FF2B5EF4-FFF2-40B4-BE49-F238E27FC236}">
+                <a16:creationId xmlns:a16="http://schemas.microsoft.com/office/drawing/2014/main" id="{11AA032C-0384-1754-2868-28484A1FF694}"/>
+              </a:ext>
+            </a:extLst>
+          </p:cNvPr>
+          <p:cNvPicPr>
+            <a:picLocks noChangeAspect="1"/>
+          </p:cNvPicPr>
+          <p:nvPr/>
+        </p:nvPicPr>
+        <p:blipFill>
+          <a:blip r:embed="rId3"/>
+          <a:stretch>
+            <a:fillRect/>
+          </a:stretch>
+        </p:blipFill>
+        <p:spPr>
+          <a:xfrm>
+            <a:off x="4552488" y="1849302"/>
+            <a:ext cx="4585300" cy="1617797"/>
+          </a:xfrm>
+          <a:prstGeom prst="rect">
+            <a:avLst/>
+          </a:prstGeom>
+        </p:spPr>
+      </p:pic>
+      <p:pic>
+        <p:nvPicPr>
+          <p:cNvPr id="10" name="Picture 9" descr="A graph with red and blue bars&#10;&#10;Description automatically generated">
+            <a:extLst>
+              <a:ext uri="{FF2B5EF4-FFF2-40B4-BE49-F238E27FC236}">
+                <a16:creationId xmlns:a16="http://schemas.microsoft.com/office/drawing/2014/main" id="{F633507E-BF16-D8B8-D359-1B4307489F63}"/>
+              </a:ext>
+            </a:extLst>
+          </p:cNvPr>
+          <p:cNvPicPr>
+            <a:picLocks noChangeAspect="1"/>
+          </p:cNvPicPr>
+          <p:nvPr/>
+        </p:nvPicPr>
+        <p:blipFill>
+          <a:blip r:embed="rId4"/>
+          <a:stretch>
+            <a:fillRect/>
+          </a:stretch>
+        </p:blipFill>
+        <p:spPr>
+          <a:xfrm>
+            <a:off x="4615809" y="3667120"/>
+            <a:ext cx="2204289" cy="1059925"/>
+          </a:xfrm>
+          <a:prstGeom prst="rect">
+            <a:avLst/>
+          </a:prstGeom>
+        </p:spPr>
+      </p:pic>
+      <p:pic>
+        <p:nvPicPr>
+          <p:cNvPr id="15" name="Picture 14" descr="A graph of different colored bars&#10;&#10;Description automatically generated">
+            <a:extLst>
+              <a:ext uri="{FF2B5EF4-FFF2-40B4-BE49-F238E27FC236}">
+                <a16:creationId xmlns:a16="http://schemas.microsoft.com/office/drawing/2014/main" id="{5A308AF1-1CC8-EA69-F6A6-74D216BD3188}"/>
+              </a:ext>
+            </a:extLst>
+          </p:cNvPr>
+          <p:cNvPicPr>
+            <a:picLocks noChangeAspect="1"/>
+          </p:cNvPicPr>
+          <p:nvPr/>
+        </p:nvPicPr>
+        <p:blipFill>
+          <a:blip r:embed="rId5"/>
+          <a:stretch>
+            <a:fillRect/>
+          </a:stretch>
+        </p:blipFill>
+        <p:spPr>
+          <a:xfrm>
+            <a:off x="6762745" y="3707387"/>
+            <a:ext cx="2315616" cy="1113456"/>
+          </a:xfrm>
+          <a:prstGeom prst="rect">
+            <a:avLst/>
+          </a:prstGeom>
+        </p:spPr>
+      </p:pic>
     </p:spTree>
     <p:extLst>
       <p:ext uri="{BB962C8B-B14F-4D97-AF65-F5344CB8AC3E}">
@@ -5614,8 +6914,8 @@
         </p:nvSpPr>
         <p:spPr>
           <a:xfrm>
-            <a:off x="99392" y="513336"/>
-            <a:ext cx="8945217" cy="4253927"/>
+            <a:off x="99393" y="513336"/>
+            <a:ext cx="2057401" cy="4253927"/>
           </a:xfrm>
           <a:ln>
             <a:solidFill>
@@ -5625,11 +6925,397 @@
         </p:spPr>
         <p:txBody>
           <a:bodyPr>
-            <a:normAutofit/>
+            <a:normAutofit lnSpcReduction="10000"/>
           </a:bodyPr>
           <a:lstStyle/>
           <a:p>
-            <a:endParaRPr lang="en-US" sz="1600" dirty="0"/>
+            <a:pPr marL="0" indent="0">
+              <a:buNone/>
+            </a:pPr>
+            <a:r>
+              <a:rPr lang="en-US" sz="1600" dirty="0"/>
+              <a:t>UGOTOVITVE:</a:t>
+            </a:r>
+          </a:p>
+          <a:p>
+            <a:r>
+              <a:rPr lang="en-US" sz="1200" dirty="0" err="1"/>
+              <a:t>Število</a:t>
+            </a:r>
+            <a:r>
+              <a:rPr lang="en-US" sz="1200" dirty="0"/>
+              <a:t> </a:t>
+            </a:r>
+            <a:r>
+              <a:rPr lang="en-US" sz="1200" dirty="0" err="1"/>
+              <a:t>delovnega</a:t>
+            </a:r>
+            <a:r>
+              <a:rPr lang="en-US" sz="1200" dirty="0"/>
+              <a:t> </a:t>
+            </a:r>
+            <a:r>
+              <a:rPr lang="en-US" sz="1200" dirty="0" err="1"/>
+              <a:t>prebivalsrva</a:t>
+            </a:r>
+            <a:r>
+              <a:rPr lang="en-US" sz="1200" dirty="0"/>
+              <a:t> se v </a:t>
+            </a:r>
+            <a:r>
+              <a:rPr lang="en-US" sz="1200" dirty="0" err="1"/>
+              <a:t>Sloveniji</a:t>
+            </a:r>
+            <a:r>
+              <a:rPr lang="en-US" sz="1200" dirty="0"/>
+              <a:t> </a:t>
+            </a:r>
+            <a:r>
+              <a:rPr lang="en-US" sz="1200" dirty="0" err="1"/>
+              <a:t>počasi</a:t>
+            </a:r>
+            <a:r>
+              <a:rPr lang="en-US" sz="1200" dirty="0"/>
+              <a:t> </a:t>
+            </a:r>
+            <a:r>
+              <a:rPr lang="en-US" sz="1200" dirty="0" err="1"/>
+              <a:t>povečuje</a:t>
+            </a:r>
+            <a:endParaRPr lang="en-US" sz="1200" dirty="0"/>
+          </a:p>
+          <a:p>
+            <a:r>
+              <a:rPr lang="en-US" sz="1200" dirty="0"/>
+              <a:t>Glede </a:t>
+            </a:r>
+            <a:r>
+              <a:rPr lang="en-US" sz="1200" dirty="0" err="1"/>
+              <a:t>na</a:t>
+            </a:r>
+            <a:r>
+              <a:rPr lang="en-US" sz="1200" dirty="0"/>
+              <a:t> starost je </a:t>
+            </a:r>
+            <a:r>
+              <a:rPr lang="en-US" sz="1200" dirty="0" err="1"/>
+              <a:t>največ</a:t>
+            </a:r>
+            <a:r>
+              <a:rPr lang="en-US" sz="1200" dirty="0"/>
+              <a:t> </a:t>
+            </a:r>
+            <a:r>
+              <a:rPr lang="en-US" sz="1200" dirty="0" err="1"/>
+              <a:t>delovnega</a:t>
+            </a:r>
+            <a:r>
+              <a:rPr lang="en-US" sz="1200" dirty="0"/>
+              <a:t> </a:t>
+            </a:r>
+            <a:r>
+              <a:rPr lang="en-US" sz="1200" dirty="0" err="1"/>
+              <a:t>prebivalstva</a:t>
+            </a:r>
+            <a:r>
+              <a:rPr lang="en-US" sz="1200" dirty="0"/>
+              <a:t> v </a:t>
+            </a:r>
+            <a:r>
+              <a:rPr lang="en-US" sz="1200" dirty="0" err="1"/>
+              <a:t>starostnih</a:t>
+            </a:r>
+            <a:r>
+              <a:rPr lang="en-US" sz="1200" dirty="0"/>
+              <a:t> </a:t>
+            </a:r>
+            <a:r>
+              <a:rPr lang="en-US" sz="1200" dirty="0" err="1"/>
+              <a:t>skupinah</a:t>
+            </a:r>
+            <a:r>
+              <a:rPr lang="en-US" sz="1200" dirty="0"/>
+              <a:t> med 35-54</a:t>
+            </a:r>
+          </a:p>
+          <a:p>
+            <a:r>
+              <a:rPr lang="en-US" sz="1200" dirty="0" err="1"/>
+              <a:t>Močen</a:t>
+            </a:r>
+            <a:r>
+              <a:rPr lang="en-US" sz="1200" dirty="0"/>
+              <a:t> </a:t>
+            </a:r>
+            <a:r>
+              <a:rPr lang="en-US" sz="1200" dirty="0" err="1"/>
+              <a:t>porast</a:t>
+            </a:r>
+            <a:r>
+              <a:rPr lang="en-US" sz="1200" dirty="0"/>
+              <a:t> </a:t>
+            </a:r>
+            <a:r>
+              <a:rPr lang="en-US" sz="1200" dirty="0" err="1"/>
+              <a:t>števila</a:t>
+            </a:r>
+            <a:r>
+              <a:rPr lang="en-US" sz="1200" dirty="0"/>
+              <a:t> </a:t>
+            </a:r>
+            <a:r>
+              <a:rPr lang="en-US" sz="1200" dirty="0" err="1"/>
+              <a:t>delovnega</a:t>
+            </a:r>
+            <a:r>
+              <a:rPr lang="en-US" sz="1200" dirty="0"/>
+              <a:t> </a:t>
+            </a:r>
+            <a:r>
+              <a:rPr lang="en-US" sz="1200" dirty="0" err="1"/>
+              <a:t>prebivalstva</a:t>
+            </a:r>
+            <a:r>
+              <a:rPr lang="en-US" sz="1200" dirty="0"/>
+              <a:t> v </a:t>
+            </a:r>
+            <a:r>
+              <a:rPr lang="en-US" sz="1200" dirty="0" err="1"/>
+              <a:t>starostnih</a:t>
+            </a:r>
+            <a:r>
+              <a:rPr lang="en-US" sz="1200" dirty="0"/>
+              <a:t> </a:t>
+            </a:r>
+            <a:r>
+              <a:rPr lang="en-US" sz="1200" dirty="0" err="1"/>
+              <a:t>skupinah</a:t>
+            </a:r>
+            <a:r>
+              <a:rPr lang="en-US" sz="1200" dirty="0"/>
+              <a:t> 55-59 in 60+</a:t>
+            </a:r>
+          </a:p>
+          <a:p>
+            <a:r>
+              <a:rPr lang="en-US" sz="1200" dirty="0" err="1"/>
+              <a:t>Precejšen</a:t>
+            </a:r>
+            <a:r>
+              <a:rPr lang="en-US" sz="1200" dirty="0"/>
+              <a:t> </a:t>
+            </a:r>
+            <a:r>
+              <a:rPr lang="en-US" sz="1200" dirty="0" err="1"/>
+              <a:t>padec</a:t>
+            </a:r>
+            <a:r>
+              <a:rPr lang="en-US" sz="1200" dirty="0"/>
+              <a:t> </a:t>
+            </a:r>
+            <a:r>
+              <a:rPr lang="en-US" sz="1200" dirty="0" err="1"/>
+              <a:t>števila</a:t>
+            </a:r>
+            <a:r>
+              <a:rPr lang="en-US" sz="1200" dirty="0"/>
+              <a:t> </a:t>
+            </a:r>
+            <a:r>
+              <a:rPr lang="en-US" sz="1200" dirty="0" err="1"/>
+              <a:t>delovnega</a:t>
+            </a:r>
+            <a:r>
+              <a:rPr lang="en-US" sz="1200" dirty="0"/>
+              <a:t> </a:t>
+            </a:r>
+            <a:r>
+              <a:rPr lang="en-US" sz="1200" dirty="0" err="1"/>
+              <a:t>prebivalstva</a:t>
+            </a:r>
+            <a:r>
+              <a:rPr lang="en-US" sz="1200" dirty="0"/>
+              <a:t> v </a:t>
+            </a:r>
+            <a:r>
+              <a:rPr lang="en-US" sz="1200" dirty="0" err="1"/>
+              <a:t>starostni</a:t>
+            </a:r>
+            <a:r>
+              <a:rPr lang="en-US" sz="1200" dirty="0"/>
+              <a:t> </a:t>
+            </a:r>
+            <a:r>
+              <a:rPr lang="en-US" sz="1200" dirty="0" err="1"/>
+              <a:t>skupini</a:t>
+            </a:r>
+            <a:r>
+              <a:rPr lang="en-US" sz="1200" dirty="0"/>
+              <a:t> 30-34</a:t>
+            </a:r>
+          </a:p>
+          <a:p>
+            <a:r>
+              <a:rPr lang="en-US" sz="1200" dirty="0"/>
+              <a:t>V </a:t>
+            </a:r>
+            <a:r>
+              <a:rPr lang="en-US" sz="1200" dirty="0" err="1"/>
+              <a:t>vseh</a:t>
+            </a:r>
+            <a:r>
+              <a:rPr lang="en-US" sz="1200" dirty="0"/>
+              <a:t> </a:t>
+            </a:r>
+            <a:r>
+              <a:rPr lang="en-US" sz="1200" dirty="0" err="1"/>
+              <a:t>regijah</a:t>
+            </a:r>
+            <a:r>
+              <a:rPr lang="en-US" sz="1200" dirty="0"/>
+              <a:t> se </a:t>
+            </a:r>
+            <a:r>
+              <a:rPr lang="en-US" sz="1200" dirty="0" err="1"/>
+              <a:t>količina</a:t>
+            </a:r>
+            <a:r>
+              <a:rPr lang="en-US" sz="1200" dirty="0"/>
+              <a:t> </a:t>
+            </a:r>
+            <a:r>
+              <a:rPr lang="en-US" sz="1200" dirty="0" err="1"/>
+              <a:t>delovnega</a:t>
+            </a:r>
+            <a:r>
+              <a:rPr lang="en-US" sz="1200" dirty="0"/>
+              <a:t> </a:t>
+            </a:r>
+            <a:r>
+              <a:rPr lang="en-US" sz="1200" dirty="0" err="1"/>
+              <a:t>prebivalstva</a:t>
+            </a:r>
+            <a:r>
+              <a:rPr lang="en-US" sz="1200" dirty="0"/>
+              <a:t> </a:t>
+            </a:r>
+            <a:r>
+              <a:rPr lang="en-US" sz="1200" dirty="0" err="1"/>
+              <a:t>spreminja</a:t>
+            </a:r>
+            <a:r>
+              <a:rPr lang="en-US" sz="1200" dirty="0"/>
+              <a:t> </a:t>
+            </a:r>
+            <a:r>
+              <a:rPr lang="en-US" sz="1200" dirty="0" err="1"/>
+              <a:t>podobno</a:t>
+            </a:r>
+            <a:r>
+              <a:rPr lang="en-US" sz="1200" dirty="0"/>
+              <a:t> – </a:t>
+            </a:r>
+            <a:r>
+              <a:rPr lang="en-US" sz="1200" dirty="0" err="1"/>
+              <a:t>najbolj</a:t>
+            </a:r>
+            <a:r>
+              <a:rPr lang="en-US" sz="1200" dirty="0"/>
+              <a:t> </a:t>
+            </a:r>
+            <a:r>
+              <a:rPr lang="en-US" sz="1200" dirty="0" err="1"/>
+              <a:t>izstopa</a:t>
+            </a:r>
+            <a:r>
+              <a:rPr lang="en-US" sz="1200" dirty="0"/>
+              <a:t> </a:t>
+            </a:r>
+            <a:r>
+              <a:rPr lang="en-US" sz="1200" dirty="0" err="1"/>
+              <a:t>osrednjeslovenska</a:t>
+            </a:r>
+            <a:r>
+              <a:rPr lang="en-US" sz="1200" dirty="0"/>
+              <a:t> </a:t>
+            </a:r>
+            <a:r>
+              <a:rPr lang="en-US" sz="1200" dirty="0" err="1"/>
+              <a:t>regija</a:t>
+            </a:r>
+            <a:r>
+              <a:rPr lang="en-US" sz="1200" dirty="0"/>
+              <a:t>, </a:t>
+            </a:r>
+            <a:r>
+              <a:rPr lang="en-US" sz="1200" dirty="0" err="1"/>
+              <a:t>kjer</a:t>
+            </a:r>
+            <a:r>
+              <a:rPr lang="en-US" sz="1200" dirty="0"/>
+              <a:t> </a:t>
+            </a:r>
+            <a:r>
+              <a:rPr lang="en-US" sz="1200" dirty="0" err="1"/>
+              <a:t>vidimo</a:t>
+            </a:r>
+            <a:r>
+              <a:rPr lang="en-US" sz="1200" dirty="0"/>
+              <a:t>, da je </a:t>
+            </a:r>
+            <a:r>
+              <a:rPr lang="en-US" sz="1200" dirty="0" err="1"/>
+              <a:t>porast</a:t>
+            </a:r>
+            <a:r>
+              <a:rPr lang="en-US" sz="1200" dirty="0"/>
+              <a:t> </a:t>
+            </a:r>
+            <a:r>
+              <a:rPr lang="en-US" sz="1200" dirty="0" err="1"/>
+              <a:t>števila</a:t>
+            </a:r>
+            <a:r>
+              <a:rPr lang="en-US" sz="1200" dirty="0"/>
+              <a:t> </a:t>
+            </a:r>
+            <a:r>
+              <a:rPr lang="en-US" sz="1200" dirty="0" err="1"/>
+              <a:t>delovnega</a:t>
+            </a:r>
+            <a:r>
+              <a:rPr lang="en-US" sz="1200" dirty="0"/>
+              <a:t> </a:t>
+            </a:r>
+            <a:r>
+              <a:rPr lang="en-US" sz="1200" dirty="0" err="1"/>
+              <a:t>prebivalstva</a:t>
+            </a:r>
+            <a:r>
+              <a:rPr lang="en-US" sz="1200" dirty="0"/>
+              <a:t> z </a:t>
+            </a:r>
+            <a:r>
+              <a:rPr lang="en-US" sz="1200" dirty="0" err="1"/>
+              <a:t>leti</a:t>
+            </a:r>
+            <a:r>
+              <a:rPr lang="en-US" sz="1200" dirty="0"/>
+              <a:t> </a:t>
+            </a:r>
+            <a:r>
+              <a:rPr lang="en-US" sz="1200" dirty="0" err="1"/>
+              <a:t>najbolj</a:t>
+            </a:r>
+            <a:r>
+              <a:rPr lang="en-US" sz="1200" dirty="0"/>
+              <a:t> </a:t>
+            </a:r>
+            <a:r>
+              <a:rPr lang="en-US" sz="1200" dirty="0" err="1"/>
+              <a:t>narastla</a:t>
+            </a:r>
+            <a:endParaRPr lang="en-US" sz="1200" dirty="0"/>
           </a:p>
         </p:txBody>
       </p:sp>

--- a/PR2024-25_VMESNA_9.pptx
+++ b/PR2024-25_VMESNA_9.pptx
@@ -4401,28 +4401,6 @@
             </a:r>
           </a:p>
           <a:p>
-            <a:pPr marL="0" indent="0">
-              <a:buNone/>
-            </a:pPr>
-            <a:r>
-              <a:rPr lang="en-US" sz="1600" dirty="0"/>
-              <a:t>-    </a:t>
-            </a:r>
-            <a:r>
-              <a:rPr lang="en-US" sz="1600" dirty="0" err="1"/>
-              <a:t>združevanje</a:t>
-            </a:r>
-            <a:r>
-              <a:rPr lang="en-US" sz="1600" dirty="0"/>
-              <a:t> </a:t>
-            </a:r>
-            <a:r>
-              <a:rPr lang="en-US" sz="1600" dirty="0" err="1"/>
-              <a:t>virov</a:t>
-            </a:r>
-            <a:endParaRPr lang="en-US" sz="1600" dirty="0"/>
-          </a:p>
-          <a:p>
             <a:pPr>
               <a:buFontTx/>
               <a:buChar char="-"/>
@@ -6783,121 +6761,6 @@
       </p:grpSpPr>
       <p:sp>
         <p:nvSpPr>
-          <p:cNvPr id="2" name="Title 1">
-            <a:extLst>
-              <a:ext uri="{FF2B5EF4-FFF2-40B4-BE49-F238E27FC236}">
-                <a16:creationId xmlns:a16="http://schemas.microsoft.com/office/drawing/2014/main" id="{38032997-45F8-4B43-BA59-BC34FE1B6DF0}"/>
-              </a:ext>
-            </a:extLst>
-          </p:cNvPr>
-          <p:cNvSpPr>
-            <a:spLocks noGrp="1"/>
-          </p:cNvSpPr>
-          <p:nvPr>
-            <p:ph type="title"/>
-          </p:nvPr>
-        </p:nvSpPr>
-        <p:spPr>
-          <a:xfrm>
-            <a:off x="99391" y="102394"/>
-            <a:ext cx="8945218" cy="410942"/>
-          </a:xfrm>
-        </p:spPr>
-        <p:txBody>
-          <a:bodyPr>
-            <a:normAutofit/>
-          </a:bodyPr>
-          <a:lstStyle/>
-          <a:p>
-            <a:r>
-              <a:rPr lang="en-US" sz="1600" b="1" dirty="0" err="1">
-                <a:latin typeface="+mn-lt"/>
-              </a:rPr>
-              <a:t>Dodatna</a:t>
-            </a:r>
-            <a:r>
-              <a:rPr lang="en-US" sz="1600" b="1" dirty="0">
-                <a:latin typeface="+mn-lt"/>
-              </a:rPr>
-              <a:t> </a:t>
-            </a:r>
-            <a:r>
-              <a:rPr lang="en-US" sz="1600" b="1" dirty="0" err="1">
-                <a:latin typeface="+mn-lt"/>
-              </a:rPr>
-              <a:t>prosojnica</a:t>
-            </a:r>
-            <a:r>
-              <a:rPr lang="en-US" sz="1600" b="1" dirty="0">
-                <a:latin typeface="+mn-lt"/>
-              </a:rPr>
-              <a:t> za </a:t>
-            </a:r>
-            <a:r>
-              <a:rPr lang="en-US" sz="1600" b="1" dirty="0" err="1">
-                <a:latin typeface="+mn-lt"/>
-              </a:rPr>
-              <a:t>rezultate</a:t>
-            </a:r>
-            <a:r>
-              <a:rPr lang="en-US" sz="1600" b="1" dirty="0">
-                <a:latin typeface="+mn-lt"/>
-              </a:rPr>
-              <a:t> oz. </a:t>
-            </a:r>
-            <a:r>
-              <a:rPr lang="en-US" sz="1600" b="1" dirty="0" err="1">
-                <a:latin typeface="+mn-lt"/>
-              </a:rPr>
-              <a:t>odprta</a:t>
-            </a:r>
-            <a:r>
-              <a:rPr lang="en-US" sz="1600" b="1" dirty="0">
-                <a:latin typeface="+mn-lt"/>
-              </a:rPr>
-              <a:t> </a:t>
-            </a:r>
-            <a:r>
-              <a:rPr lang="en-US" sz="1600" b="1" dirty="0" err="1">
-                <a:latin typeface="+mn-lt"/>
-              </a:rPr>
-              <a:t>vprašanja</a:t>
-            </a:r>
-            <a:r>
-              <a:rPr lang="en-US" sz="1600" b="1" dirty="0">
-                <a:latin typeface="+mn-lt"/>
-              </a:rPr>
-              <a:t> (</a:t>
-            </a:r>
-            <a:r>
-              <a:rPr lang="en-US" sz="1600" b="1" dirty="0" err="1">
-                <a:latin typeface="+mn-lt"/>
-              </a:rPr>
-              <a:t>če</a:t>
-            </a:r>
-            <a:r>
-              <a:rPr lang="en-US" sz="1600" b="1" dirty="0">
-                <a:latin typeface="+mn-lt"/>
-              </a:rPr>
-              <a:t> </a:t>
-            </a:r>
-            <a:r>
-              <a:rPr lang="en-US" sz="1600" b="1" dirty="0" err="1">
-                <a:latin typeface="+mn-lt"/>
-              </a:rPr>
-              <a:t>potrebno</a:t>
-            </a:r>
-            <a:r>
-              <a:rPr lang="en-US" sz="1600" b="1" dirty="0">
-                <a:latin typeface="+mn-lt"/>
-              </a:rPr>
-              <a:t>)</a:t>
-            </a:r>
-          </a:p>
-        </p:txBody>
-      </p:sp>
-      <p:sp>
-        <p:nvSpPr>
           <p:cNvPr id="3" name="Content Placeholder 2">
             <a:extLst>
               <a:ext uri="{FF2B5EF4-FFF2-40B4-BE49-F238E27FC236}">
@@ -6914,8 +6777,8 @@
         </p:nvSpPr>
         <p:spPr>
           <a:xfrm>
-            <a:off x="99393" y="513336"/>
-            <a:ext cx="2057401" cy="4253927"/>
+            <a:off x="99393" y="147234"/>
+            <a:ext cx="2057401" cy="4620029"/>
           </a:xfrm>
           <a:ln>
             <a:solidFill>
@@ -6925,7 +6788,7 @@
         </p:spPr>
         <p:txBody>
           <a:bodyPr>
-            <a:normAutofit lnSpcReduction="10000"/>
+            <a:normAutofit/>
           </a:bodyPr>
           <a:lstStyle/>
           <a:p>
@@ -7261,19 +7124,23 @@
             </a:r>
             <a:r>
               <a:rPr lang="en-US" sz="1200" dirty="0"/>
-              <a:t>, da je </a:t>
+              <a:t>, da </a:t>
+            </a:r>
+            <a:r>
+              <a:rPr lang="sl-SI" sz="1200" dirty="0"/>
+              <a:t>se</a:t>
+            </a:r>
+            <a:r>
+              <a:rPr lang="en-US" sz="1200" dirty="0"/>
+              <a:t> </a:t>
             </a:r>
             <a:r>
               <a:rPr lang="en-US" sz="1200" dirty="0" err="1"/>
-              <a:t>porast</a:t>
-            </a:r>
-            <a:r>
-              <a:rPr lang="en-US" sz="1200" dirty="0"/>
-              <a:t> </a:t>
-            </a:r>
-            <a:r>
-              <a:rPr lang="en-US" sz="1200" dirty="0" err="1"/>
-              <a:t>števila</a:t>
+              <a:t>števi</a:t>
+            </a:r>
+            <a:r>
+              <a:rPr lang="sl-SI" sz="1200" dirty="0" err="1"/>
+              <a:t>lo</a:t>
             </a:r>
             <a:r>
               <a:rPr lang="en-US" sz="1200" dirty="0"/>
@@ -7304,16 +7171,8 @@
               <a:t> </a:t>
             </a:r>
             <a:r>
-              <a:rPr lang="en-US" sz="1200" dirty="0" err="1"/>
-              <a:t>najbolj</a:t>
-            </a:r>
-            <a:r>
-              <a:rPr lang="en-US" sz="1200" dirty="0"/>
-              <a:t> </a:t>
-            </a:r>
-            <a:r>
-              <a:rPr lang="en-US" sz="1200" dirty="0" err="1"/>
-              <a:t>narastla</a:t>
+              <a:rPr lang="sl-SI" sz="1200" dirty="0"/>
+              <a:t>viša</a:t>
             </a:r>
             <a:endParaRPr lang="en-US" sz="1200" dirty="0"/>
           </a:p>

--- a/PR2024-25_VMESNA_9.pptx
+++ b/PR2024-25_VMESNA_9.pptx
@@ -3567,7 +3567,9 @@
           </a:xfrm>
           <a:ln>
             <a:solidFill>
-              <a:schemeClr val="tx1"/>
+              <a:schemeClr val="bg1">
+                <a:lumMod val="65000"/>
+              </a:schemeClr>
             </a:solidFill>
           </a:ln>
         </p:spPr>
@@ -3578,38 +3580,9 @@
           <a:lstStyle/>
           <a:p>
             <a:r>
-              <a:rPr lang="en-US" dirty="0"/>
-              <a:t>Analiza </a:t>
-            </a:r>
-            <a:r>
-              <a:rPr lang="en-US" dirty="0" err="1"/>
-              <a:t>delovno</a:t>
-            </a:r>
-            <a:r>
-              <a:rPr lang="en-US" dirty="0"/>
-              <a:t> </a:t>
-            </a:r>
-            <a:r>
-              <a:rPr lang="en-US" dirty="0" err="1"/>
-              <a:t>aktivnega</a:t>
-            </a:r>
-            <a:r>
-              <a:rPr lang="en-US" dirty="0"/>
-              <a:t> </a:t>
-            </a:r>
-            <a:r>
-              <a:rPr lang="en-US" dirty="0" err="1"/>
-              <a:t>prebivalstva</a:t>
-            </a:r>
-            <a:r>
-              <a:rPr lang="en-US" dirty="0"/>
-              <a:t> in BDP </a:t>
-            </a:r>
-            <a:r>
-              <a:rPr lang="en-US" dirty="0" err="1"/>
-              <a:t>Slovenije</a:t>
-            </a:r>
-            <a:endParaRPr lang="en-US" dirty="0"/>
+              <a:rPr lang="sl-SI" b="1" noProof="0" dirty="0"/>
+              <a:t>Analiza delovno aktivnega prebivalstva in BDP Slovenije</a:t>
+            </a:r>
           </a:p>
         </p:txBody>
       </p:sp>
@@ -3636,7 +3609,9 @@
           </a:xfrm>
           <a:ln>
             <a:solidFill>
-              <a:schemeClr val="tx1"/>
+              <a:schemeClr val="bg1">
+                <a:lumMod val="65000"/>
+              </a:schemeClr>
             </a:solidFill>
           </a:ln>
         </p:spPr>
@@ -3650,10 +3625,9 @@
               <a:buNone/>
             </a:pPr>
             <a:r>
-              <a:rPr lang="en-US" sz="1600" b="1" dirty="0" err="1"/>
+              <a:rPr lang="sl-SI" sz="1600" b="1" noProof="0" dirty="0"/>
               <a:t>Podatki</a:t>
             </a:r>
-            <a:endParaRPr lang="en-US" sz="1600" b="1" dirty="0"/>
           </a:p>
           <a:p>
             <a:pPr>
@@ -3661,35 +3635,27 @@
               <a:buChar char="-"/>
             </a:pPr>
             <a:r>
-              <a:rPr lang="en-US" sz="1600" dirty="0"/>
-              <a:t>Viri </a:t>
-            </a:r>
-            <a:r>
-              <a:rPr lang="en-US" sz="1600" dirty="0" err="1"/>
-              <a:t>podatkov</a:t>
-            </a:r>
-            <a:r>
-              <a:rPr lang="en-US" sz="1600" dirty="0"/>
-              <a:t>: </a:t>
-            </a:r>
-            <a:r>
-              <a:rPr lang="en-US" sz="1600" dirty="0">
+              <a:rPr lang="sl-SI" sz="1600" noProof="0" dirty="0"/>
+              <a:t>Viri podatkov: OPSI </a:t>
+            </a:r>
+            <a:r>
+              <a:rPr lang="sl-SI" sz="1600" noProof="0" dirty="0">
                 <a:hlinkClick r:id="rId2"/>
               </a:rPr>
               <a:t>https://podatki.gov.si/dataset/surs0700992s</a:t>
             </a:r>
             <a:r>
-              <a:rPr lang="en-US" sz="1600" dirty="0"/>
+              <a:rPr lang="sl-SI" sz="1600" noProof="0" dirty="0"/>
               <a:t>, </a:t>
             </a:r>
             <a:r>
-              <a:rPr lang="en-US" sz="1600" dirty="0">
+              <a:rPr lang="sl-SI" sz="1600" noProof="0" dirty="0">
                 <a:hlinkClick r:id="rId3"/>
               </a:rPr>
               <a:t>https://podatki.gov.si/dataset/surs0301935s?resource_id=8935a064-5888-4ab9-9066-0838f6f2743b</a:t>
             </a:r>
             <a:r>
-              <a:rPr lang="en-US" sz="1600" dirty="0"/>
+              <a:rPr lang="sl-SI" sz="1600" noProof="0" dirty="0"/>
               <a:t> </a:t>
             </a:r>
           </a:p>
@@ -3699,154 +3665,9 @@
               <a:buChar char="-"/>
             </a:pPr>
             <a:r>
-              <a:rPr lang="en-US" sz="1600" dirty="0" err="1"/>
-              <a:t>Prvotni</a:t>
-            </a:r>
-            <a:r>
-              <a:rPr lang="en-US" sz="1600" dirty="0"/>
-              <a:t> </a:t>
-            </a:r>
-            <a:r>
-              <a:rPr lang="en-US" sz="1600" dirty="0" err="1"/>
-              <a:t>namen</a:t>
-            </a:r>
-            <a:r>
-              <a:rPr lang="en-US" sz="1600" dirty="0"/>
-              <a:t> </a:t>
-            </a:r>
-            <a:r>
-              <a:rPr lang="en-US" sz="1600" dirty="0" err="1"/>
-              <a:t>zbiranja</a:t>
-            </a:r>
-            <a:r>
-              <a:rPr lang="en-US" sz="1600" dirty="0"/>
-              <a:t>: </a:t>
-            </a:r>
-            <a:r>
-              <a:rPr lang="en-US" sz="1600" dirty="0" err="1"/>
-              <a:t>spremljanje</a:t>
-            </a:r>
-            <a:r>
-              <a:rPr lang="en-US" sz="1600" dirty="0"/>
-              <a:t> </a:t>
-            </a:r>
-            <a:r>
-              <a:rPr lang="en-US" sz="1600" dirty="0" err="1"/>
-              <a:t>števila</a:t>
-            </a:r>
-            <a:r>
-              <a:rPr lang="en-US" sz="1600" dirty="0"/>
-              <a:t> in </a:t>
-            </a:r>
-            <a:r>
-              <a:rPr lang="en-US" sz="1600" dirty="0" err="1"/>
-              <a:t>strukture</a:t>
-            </a:r>
-            <a:r>
-              <a:rPr lang="en-US" sz="1600" dirty="0"/>
-              <a:t> </a:t>
-            </a:r>
-            <a:r>
-              <a:rPr lang="en-US" sz="1600" dirty="0" err="1"/>
-              <a:t>zaposlenih</a:t>
-            </a:r>
-            <a:r>
-              <a:rPr lang="en-US" sz="1600" dirty="0"/>
-              <a:t> </a:t>
-            </a:r>
-            <a:r>
-              <a:rPr lang="en-US" sz="1600" dirty="0" err="1"/>
-              <a:t>oseb</a:t>
-            </a:r>
-            <a:r>
-              <a:rPr lang="en-US" sz="1600" dirty="0"/>
-              <a:t> po </a:t>
-            </a:r>
-            <a:r>
-              <a:rPr lang="en-US" sz="1600" dirty="0" err="1"/>
-              <a:t>starosti</a:t>
-            </a:r>
-            <a:r>
-              <a:rPr lang="en-US" sz="1600" dirty="0"/>
-              <a:t> in </a:t>
-            </a:r>
-            <a:r>
-              <a:rPr lang="en-US" sz="1600" dirty="0" err="1"/>
-              <a:t>regijah</a:t>
-            </a:r>
-            <a:r>
-              <a:rPr lang="en-US" sz="1600" dirty="0"/>
-              <a:t> v </a:t>
-            </a:r>
-            <a:r>
-              <a:rPr lang="en-US" sz="1600" dirty="0" err="1"/>
-              <a:t>povezavi</a:t>
-            </a:r>
-            <a:r>
-              <a:rPr lang="en-US" sz="1600" dirty="0"/>
-              <a:t> s </a:t>
-            </a:r>
-            <a:r>
-              <a:rPr lang="en-US" sz="1600" dirty="0" err="1"/>
-              <a:t>takratno</a:t>
-            </a:r>
-            <a:r>
-              <a:rPr lang="en-US" sz="1600" dirty="0"/>
-              <a:t> </a:t>
-            </a:r>
-            <a:r>
-              <a:rPr lang="en-US" sz="1600" dirty="0" err="1"/>
-              <a:t>gospodarsko</a:t>
-            </a:r>
-            <a:r>
-              <a:rPr lang="en-US" sz="1600" dirty="0"/>
-              <a:t> </a:t>
-            </a:r>
-            <a:r>
-              <a:rPr lang="en-US" sz="1600" dirty="0" err="1"/>
-              <a:t>stanje</a:t>
-            </a:r>
-            <a:r>
-              <a:rPr lang="en-US" sz="1600" dirty="0"/>
-              <a:t> </a:t>
-            </a:r>
-            <a:r>
-              <a:rPr lang="en-US" sz="1600" dirty="0" err="1"/>
-              <a:t>države</a:t>
-            </a:r>
-            <a:r>
-              <a:rPr lang="en-US" sz="1600" dirty="0"/>
-              <a:t> in </a:t>
-            </a:r>
-            <a:r>
-              <a:rPr lang="en-US" sz="1600" dirty="0" err="1"/>
-              <a:t>sestave</a:t>
-            </a:r>
-            <a:r>
-              <a:rPr lang="en-US" sz="1600" dirty="0"/>
-              <a:t> BDP po </a:t>
-            </a:r>
-            <a:r>
-              <a:rPr lang="en-US" sz="1600" dirty="0" err="1"/>
-              <a:t>posameznih</a:t>
-            </a:r>
-            <a:r>
-              <a:rPr lang="en-US" sz="1600" dirty="0"/>
-              <a:t> </a:t>
-            </a:r>
-            <a:r>
-              <a:rPr lang="en-US" sz="1600" dirty="0" err="1"/>
-              <a:t>opazovanih</a:t>
-            </a:r>
-            <a:r>
-              <a:rPr lang="en-US" sz="1600" dirty="0"/>
-              <a:t> </a:t>
-            </a:r>
-            <a:r>
-              <a:rPr lang="en-US" sz="1600" dirty="0" err="1"/>
-              <a:t>komponentah</a:t>
-            </a:r>
-            <a:endParaRPr lang="en-US" sz="1600" dirty="0"/>
+              <a:rPr lang="sl-SI" sz="1600" noProof="0" dirty="0"/>
+              <a:t>Prvotni namen zbiranja: spremljanje števila in strukture zaposlenih oseb po starosti in regijah v povezavi s takratno gospodarsko stanje države in sestave BDP po posameznih opazovanih komponentah</a:t>
+            </a:r>
           </a:p>
           <a:p>
             <a:pPr>
@@ -3854,88 +3675,8 @@
               <a:buChar char="-"/>
             </a:pPr>
             <a:r>
-              <a:rPr lang="en-US" sz="1600" dirty="0"/>
-              <a:t>Tipi </a:t>
-            </a:r>
-            <a:r>
-              <a:rPr lang="en-US" sz="1600" dirty="0" err="1"/>
-              <a:t>podatkov</a:t>
-            </a:r>
-            <a:r>
-              <a:rPr lang="en-US" sz="1600" dirty="0"/>
-              <a:t>: </a:t>
-            </a:r>
-            <a:r>
-              <a:rPr lang="en-US" sz="1600" dirty="0" err="1"/>
-              <a:t>števci</a:t>
-            </a:r>
-            <a:r>
-              <a:rPr lang="en-US" sz="1600" dirty="0"/>
-              <a:t> in </a:t>
-            </a:r>
-            <a:r>
-              <a:rPr lang="en-US" sz="1600" dirty="0" err="1"/>
-              <a:t>opisni</a:t>
-            </a:r>
-            <a:r>
-              <a:rPr lang="en-US" sz="1600" dirty="0"/>
-              <a:t> </a:t>
-            </a:r>
-            <a:r>
-              <a:rPr lang="en-US" sz="1600" dirty="0" err="1"/>
-              <a:t>atributi</a:t>
-            </a:r>
-            <a:r>
-              <a:rPr lang="en-US" sz="1600" dirty="0"/>
-              <a:t> (</a:t>
-            </a:r>
-            <a:r>
-              <a:rPr lang="en-US" sz="1600" dirty="0" err="1"/>
-              <a:t>besedilne</a:t>
-            </a:r>
-            <a:r>
-              <a:rPr lang="en-US" sz="1600" dirty="0"/>
-              <a:t> </a:t>
-            </a:r>
-            <a:r>
-              <a:rPr lang="en-US" sz="1600" dirty="0" err="1"/>
-              <a:t>oznak</a:t>
-            </a:r>
-            <a:r>
-              <a:rPr lang="en-US" sz="1600" dirty="0"/>
-              <a:t> </a:t>
-            </a:r>
-            <a:r>
-              <a:rPr lang="en-US" sz="1600" dirty="0" err="1"/>
-              <a:t>regij</a:t>
-            </a:r>
-            <a:r>
-              <a:rPr lang="en-US" sz="1600" dirty="0"/>
-              <a:t>, </a:t>
-            </a:r>
-            <a:r>
-              <a:rPr lang="en-US" sz="1600" dirty="0" err="1"/>
-              <a:t>starostnih</a:t>
-            </a:r>
-            <a:r>
-              <a:rPr lang="en-US" sz="1600" dirty="0"/>
-              <a:t> </a:t>
-            </a:r>
-            <a:r>
-              <a:rPr lang="en-US" sz="1600" dirty="0" err="1"/>
-              <a:t>skupin</a:t>
-            </a:r>
-            <a:r>
-              <a:rPr lang="en-US" sz="1600" dirty="0"/>
-              <a:t>, let, </a:t>
-            </a:r>
-            <a:r>
-              <a:rPr lang="en-US" sz="1600" dirty="0" err="1"/>
-              <a:t>mesecev</a:t>
-            </a:r>
-            <a:r>
-              <a:rPr lang="en-US" sz="1600" dirty="0"/>
-              <a:t>, …)</a:t>
+              <a:rPr lang="sl-SI" sz="1600" noProof="0" dirty="0"/>
+              <a:t>Tipi podatkov: števci in opisni atributi (besedilne oznak regij, starostnih skupin, let, mesecev, …)</a:t>
             </a:r>
           </a:p>
           <a:p>
@@ -3944,20 +3685,8 @@
               <a:buChar char="-"/>
             </a:pPr>
             <a:r>
-              <a:rPr lang="en-US" sz="1600" dirty="0" err="1"/>
-              <a:t>Obseg</a:t>
-            </a:r>
-            <a:r>
-              <a:rPr lang="en-US" sz="1600" dirty="0"/>
-              <a:t> </a:t>
-            </a:r>
-            <a:r>
-              <a:rPr lang="en-US" sz="1600" dirty="0" err="1"/>
-              <a:t>podatkov</a:t>
-            </a:r>
-            <a:r>
-              <a:rPr lang="en-US" sz="1600" dirty="0"/>
-              <a:t>: </a:t>
+              <a:rPr lang="sl-SI" sz="1600" noProof="0" dirty="0"/>
+              <a:t>Obseg podatkov: </a:t>
             </a:r>
           </a:p>
           <a:p>
@@ -3965,249 +3694,25 @@
               <a:buNone/>
             </a:pPr>
             <a:r>
-              <a:rPr lang="en-US" sz="1600" dirty="0"/>
+              <a:rPr lang="sl-SI" sz="1600" noProof="0" dirty="0"/>
+              <a:t>	Delovno aktivno prebivalstvo [statistična regija, starostni razred, leto, mesec]</a:t>
+            </a:r>
+          </a:p>
+          <a:p>
+            <a:pPr marL="0" indent="0">
+              <a:buNone/>
+            </a:pPr>
+            <a:r>
+              <a:rPr lang="sl-SI" sz="1600" noProof="0" dirty="0"/>
               <a:t>	</a:t>
             </a:r>
             <a:r>
-              <a:rPr lang="en-US" sz="1600" dirty="0" err="1"/>
-              <a:t>Delovno</a:t>
-            </a:r>
-            <a:r>
-              <a:rPr lang="en-US" sz="1600" dirty="0"/>
-              <a:t> </a:t>
-            </a:r>
-            <a:r>
-              <a:rPr lang="en-US" sz="1600" dirty="0" err="1"/>
-              <a:t>aktivno</a:t>
-            </a:r>
-            <a:r>
-              <a:rPr lang="en-US" sz="1600" dirty="0"/>
-              <a:t> </a:t>
-            </a:r>
-            <a:r>
-              <a:rPr lang="en-US" sz="1600" dirty="0" err="1"/>
-              <a:t>prebivalstvo</a:t>
-            </a:r>
-            <a:r>
-              <a:rPr lang="en-US" sz="1600" dirty="0"/>
-              <a:t> [</a:t>
-            </a:r>
-            <a:r>
-              <a:rPr lang="en-US" sz="1600" dirty="0" err="1"/>
-              <a:t>statisticna</a:t>
-            </a:r>
-            <a:r>
-              <a:rPr lang="en-US" sz="1600" dirty="0"/>
-              <a:t> </a:t>
-            </a:r>
-            <a:r>
-              <a:rPr lang="en-US" sz="1600" dirty="0" err="1"/>
-              <a:t>regija</a:t>
-            </a:r>
-            <a:r>
-              <a:rPr lang="en-US" sz="1600" dirty="0"/>
-              <a:t>, </a:t>
-            </a:r>
-            <a:r>
-              <a:rPr lang="en-US" sz="1600" dirty="0" err="1"/>
-              <a:t>starostni</a:t>
-            </a:r>
-            <a:r>
-              <a:rPr lang="en-US" sz="1600" dirty="0"/>
-              <a:t> </a:t>
-            </a:r>
-            <a:r>
-              <a:rPr lang="en-US" sz="1600" dirty="0" err="1"/>
-              <a:t>razred</a:t>
-            </a:r>
-            <a:r>
-              <a:rPr lang="en-US" sz="1600" dirty="0"/>
-              <a:t>, </a:t>
-            </a:r>
-            <a:r>
-              <a:rPr lang="en-US" sz="1600" dirty="0" err="1"/>
-              <a:t>leto</a:t>
-            </a:r>
-            <a:r>
-              <a:rPr lang="en-US" sz="1600" dirty="0"/>
-              <a:t>, </a:t>
-            </a:r>
-            <a:r>
-              <a:rPr lang="en-US" sz="1600" dirty="0" err="1"/>
-              <a:t>mesec</a:t>
-            </a:r>
-            <a:r>
-              <a:rPr lang="en-US" sz="1600" dirty="0"/>
-              <a:t>]</a:t>
-            </a:r>
-          </a:p>
-          <a:p>
-            <a:pPr marL="0" indent="0">
-              <a:buNone/>
-            </a:pPr>
-            <a:r>
-              <a:rPr lang="en-US" sz="1600" dirty="0"/>
-              <a:t>	</a:t>
-            </a:r>
-            <a:r>
-              <a:rPr lang="en-US" sz="1600" dirty="0" err="1"/>
+              <a:rPr lang="sl-SI" sz="1600" noProof="0" dirty="0" err="1"/>
               <a:t>Izdatkovna</a:t>
             </a:r>
             <a:r>
-              <a:rPr lang="en-US" sz="1600" dirty="0"/>
-              <a:t> </a:t>
-            </a:r>
-            <a:r>
-              <a:rPr lang="en-US" sz="1600" dirty="0" err="1"/>
-              <a:t>struktura</a:t>
-            </a:r>
-            <a:r>
-              <a:rPr lang="en-US" sz="1600" dirty="0"/>
-              <a:t> BDP[</a:t>
-            </a:r>
-            <a:r>
-              <a:rPr lang="en-US" sz="1600" dirty="0" err="1"/>
-              <a:t>transakcije</a:t>
-            </a:r>
-            <a:r>
-              <a:rPr lang="en-US" sz="1600" dirty="0"/>
-              <a:t> (</a:t>
-            </a:r>
-            <a:r>
-              <a:rPr lang="en-US" sz="1600" dirty="0" err="1"/>
-              <a:t>končna</a:t>
-            </a:r>
-            <a:r>
-              <a:rPr lang="en-US" sz="1600" dirty="0"/>
-              <a:t> </a:t>
-            </a:r>
-            <a:r>
-              <a:rPr lang="en-US" sz="1600" dirty="0" err="1"/>
-              <a:t>potrošnja</a:t>
-            </a:r>
-            <a:r>
-              <a:rPr lang="en-US" sz="1600" dirty="0"/>
-              <a:t> </a:t>
-            </a:r>
-            <a:r>
-              <a:rPr lang="en-US" sz="1600" dirty="0" err="1"/>
-              <a:t>gospodinstev</a:t>
-            </a:r>
-            <a:r>
-              <a:rPr lang="en-US" sz="1600" dirty="0"/>
-              <a:t>, </a:t>
-            </a:r>
-            <a:r>
-              <a:rPr lang="en-US" sz="1600" dirty="0" err="1"/>
-              <a:t>izvoz</a:t>
-            </a:r>
-            <a:r>
-              <a:rPr lang="en-US" sz="1600" dirty="0"/>
-              <a:t> </a:t>
-            </a:r>
-            <a:r>
-              <a:rPr lang="en-US" sz="1600" dirty="0" err="1"/>
-              <a:t>blaga</a:t>
-            </a:r>
-            <a:r>
-              <a:rPr lang="en-US" sz="1600" dirty="0"/>
-              <a:t>, </a:t>
-            </a:r>
-            <a:r>
-              <a:rPr lang="en-US" sz="1600" dirty="0" err="1"/>
-              <a:t>investicije</a:t>
-            </a:r>
-            <a:r>
-              <a:rPr lang="en-US" sz="1600" dirty="0"/>
-              <a:t>, 	</a:t>
-            </a:r>
-            <a:r>
-              <a:rPr lang="en-US" sz="1600" dirty="0" err="1"/>
-              <a:t>izvoz</a:t>
-            </a:r>
-            <a:r>
-              <a:rPr lang="en-US" sz="1600" dirty="0"/>
-              <a:t>, …), </a:t>
-            </a:r>
-            <a:r>
-              <a:rPr lang="en-US" sz="1600" dirty="0" err="1"/>
-              <a:t>meritve</a:t>
-            </a:r>
-            <a:r>
-              <a:rPr lang="en-US" sz="1600" dirty="0"/>
-              <a:t> (</a:t>
-            </a:r>
-            <a:r>
-              <a:rPr lang="en-US" sz="1600" dirty="0" err="1"/>
-              <a:t>tekoče</a:t>
-            </a:r>
-            <a:r>
-              <a:rPr lang="en-US" sz="1600" dirty="0"/>
-              <a:t> </a:t>
-            </a:r>
-            <a:r>
-              <a:rPr lang="en-US" sz="1600" dirty="0" err="1"/>
-              <a:t>cene</a:t>
-            </a:r>
-            <a:r>
-              <a:rPr lang="en-US" sz="1600" dirty="0"/>
-              <a:t>, </a:t>
-            </a:r>
-            <a:r>
-              <a:rPr lang="en-US" sz="1600" dirty="0" err="1"/>
-              <a:t>stalne</a:t>
-            </a:r>
-            <a:r>
-              <a:rPr lang="en-US" sz="1600" dirty="0"/>
-              <a:t> </a:t>
-            </a:r>
-            <a:r>
-              <a:rPr lang="en-US" sz="1600" dirty="0" err="1"/>
-              <a:t>cene</a:t>
-            </a:r>
-            <a:r>
-              <a:rPr lang="en-US" sz="1600" dirty="0"/>
-              <a:t>, % od BDP, …), </a:t>
-            </a:r>
-            <a:r>
-              <a:rPr lang="en-US" sz="1600" dirty="0" err="1"/>
-              <a:t>leto</a:t>
-            </a:r>
-            <a:r>
-              <a:rPr lang="en-US" sz="1600" dirty="0"/>
-              <a:t> (od 1995 do 2024, po </a:t>
-            </a:r>
-            <a:r>
-              <a:rPr lang="en-US" sz="1600" dirty="0" err="1"/>
-              <a:t>en</a:t>
-            </a:r>
-            <a:r>
-              <a:rPr lang="en-US" sz="1600" dirty="0"/>
-              <a:t> 	</a:t>
-            </a:r>
-            <a:r>
-              <a:rPr lang="en-US" sz="1600" dirty="0" err="1"/>
-              <a:t>zapis</a:t>
-            </a:r>
-            <a:r>
-              <a:rPr lang="en-US" sz="1600" dirty="0"/>
-              <a:t> za </a:t>
-            </a:r>
-            <a:r>
-              <a:rPr lang="en-US" sz="1600" dirty="0" err="1"/>
-              <a:t>vsako</a:t>
-            </a:r>
-            <a:r>
-              <a:rPr lang="en-US" sz="1600" dirty="0"/>
-              <a:t> </a:t>
-            </a:r>
-            <a:r>
-              <a:rPr lang="en-US" sz="1600" dirty="0" err="1"/>
-              <a:t>leto</a:t>
-            </a:r>
-            <a:r>
-              <a:rPr lang="en-US" sz="1600" dirty="0"/>
-              <a:t>)]</a:t>
+              <a:rPr lang="sl-SI" sz="1600" noProof="0" dirty="0"/>
+              <a:t> struktura BDP[transakcije (končna potrošnja gospodinjstev, izvoz blaga, 	investicije, 	izvoz, …), meritve (tekoče cene, stalne cene, % od BDP, …), leto (od 1995 do 2024, 	po en zapis za vsako leto)]</a:t>
             </a:r>
           </a:p>
           <a:p>
@@ -4216,188 +3721,8 @@
               <a:buChar char="-"/>
             </a:pPr>
             <a:r>
-              <a:rPr lang="en-US" sz="1600" dirty="0" err="1"/>
-              <a:t>Predprocesiranje</a:t>
-            </a:r>
-            <a:r>
-              <a:rPr lang="en-US" sz="1600" dirty="0"/>
-              <a:t> </a:t>
-            </a:r>
-            <a:r>
-              <a:rPr lang="en-US" sz="1600" dirty="0" err="1"/>
-              <a:t>podatkov</a:t>
-            </a:r>
-            <a:r>
-              <a:rPr lang="en-US" sz="1600" dirty="0"/>
-              <a:t>: v </a:t>
-            </a:r>
-            <a:r>
-              <a:rPr lang="en-US" sz="1600" dirty="0" err="1"/>
-              <a:t>obeh</a:t>
-            </a:r>
-            <a:r>
-              <a:rPr lang="en-US" sz="1600" dirty="0"/>
-              <a:t> </a:t>
-            </a:r>
-            <a:r>
-              <a:rPr lang="en-US" sz="1600" dirty="0" err="1"/>
-              <a:t>bazah</a:t>
-            </a:r>
-            <a:r>
-              <a:rPr lang="en-US" sz="1600" dirty="0"/>
-              <a:t> </a:t>
-            </a:r>
-            <a:r>
-              <a:rPr lang="en-US" sz="1600" dirty="0" err="1"/>
-              <a:t>podatkov</a:t>
-            </a:r>
-            <a:r>
-              <a:rPr lang="en-US" sz="1600" dirty="0"/>
-              <a:t> </a:t>
-            </a:r>
-            <a:r>
-              <a:rPr lang="en-US" sz="1600" dirty="0" err="1"/>
-              <a:t>smo</a:t>
-            </a:r>
-            <a:r>
-              <a:rPr lang="en-US" sz="1600" dirty="0"/>
-              <a:t> </a:t>
-            </a:r>
-            <a:r>
-              <a:rPr lang="en-US" sz="1600" dirty="0" err="1"/>
-              <a:t>preverile</a:t>
-            </a:r>
-            <a:r>
-              <a:rPr lang="en-US" sz="1600" dirty="0"/>
-              <a:t> </a:t>
-            </a:r>
-            <a:r>
-              <a:rPr lang="en-US" sz="1600" dirty="0" err="1"/>
-              <a:t>sladnost</a:t>
-            </a:r>
-            <a:r>
-              <a:rPr lang="en-US" sz="1600" dirty="0"/>
-              <a:t> </a:t>
-            </a:r>
-            <a:r>
-              <a:rPr lang="en-US" sz="1600" dirty="0" err="1"/>
-              <a:t>časovnih</a:t>
-            </a:r>
-            <a:r>
-              <a:rPr lang="en-US" sz="1600" dirty="0"/>
-              <a:t> </a:t>
-            </a:r>
-            <a:r>
-              <a:rPr lang="en-US" sz="1600" dirty="0" err="1"/>
-              <a:t>obdobij</a:t>
-            </a:r>
-            <a:r>
-              <a:rPr lang="en-US" sz="1600" dirty="0"/>
-              <a:t>, </a:t>
-            </a:r>
-            <a:r>
-              <a:rPr lang="en-US" sz="1600" dirty="0" err="1"/>
-              <a:t>odstranile</a:t>
-            </a:r>
-            <a:r>
-              <a:rPr lang="en-US" sz="1600" dirty="0"/>
-              <a:t> </a:t>
-            </a:r>
-            <a:r>
-              <a:rPr lang="en-US" sz="1600" dirty="0" err="1"/>
-              <a:t>smo</a:t>
-            </a:r>
-            <a:r>
-              <a:rPr lang="en-US" sz="1600" dirty="0"/>
-              <a:t> </a:t>
-            </a:r>
-            <a:r>
-              <a:rPr lang="en-US" sz="1600" dirty="0" err="1"/>
-              <a:t>manjkajoče</a:t>
-            </a:r>
-            <a:r>
-              <a:rPr lang="en-US" sz="1600" dirty="0"/>
-              <a:t> </a:t>
-            </a:r>
-            <a:r>
-              <a:rPr lang="en-US" sz="1600" dirty="0" err="1"/>
-              <a:t>vrednosti</a:t>
-            </a:r>
-            <a:r>
-              <a:rPr lang="en-US" sz="1600" dirty="0"/>
-              <a:t>, </a:t>
-            </a:r>
-            <a:r>
-              <a:rPr lang="en-US" sz="1600" dirty="0" err="1"/>
-              <a:t>odstranile</a:t>
-            </a:r>
-            <a:r>
-              <a:rPr lang="en-US" sz="1600" dirty="0"/>
-              <a:t> </a:t>
-            </a:r>
-            <a:r>
-              <a:rPr lang="en-US" sz="1600" dirty="0" err="1"/>
-              <a:t>smo</a:t>
-            </a:r>
-            <a:r>
-              <a:rPr lang="en-US" sz="1600" dirty="0"/>
-              <a:t> </a:t>
-            </a:r>
-            <a:r>
-              <a:rPr lang="en-US" sz="1600" dirty="0" err="1"/>
-              <a:t>leto</a:t>
-            </a:r>
-            <a:r>
-              <a:rPr lang="en-US" sz="1600" dirty="0"/>
-              <a:t> 2025, </a:t>
-            </a:r>
-            <a:r>
-              <a:rPr lang="en-US" sz="1600" dirty="0" err="1"/>
-              <a:t>ker</a:t>
-            </a:r>
-            <a:r>
-              <a:rPr lang="en-US" sz="1600" dirty="0"/>
-              <a:t> </a:t>
-            </a:r>
-            <a:r>
-              <a:rPr lang="en-US" sz="1600" dirty="0" err="1"/>
-              <a:t>nimamo</a:t>
-            </a:r>
-            <a:r>
-              <a:rPr lang="en-US" sz="1600" dirty="0"/>
-              <a:t> </a:t>
-            </a:r>
-            <a:r>
-              <a:rPr lang="en-US" sz="1600" dirty="0" err="1"/>
-              <a:t>še</a:t>
-            </a:r>
-            <a:r>
-              <a:rPr lang="en-US" sz="1600" dirty="0"/>
-              <a:t> </a:t>
-            </a:r>
-            <a:r>
-              <a:rPr lang="en-US" sz="1600" dirty="0" err="1"/>
-              <a:t>podatkov</a:t>
-            </a:r>
-            <a:r>
-              <a:rPr lang="en-US" sz="1600" dirty="0"/>
-              <a:t> za </a:t>
-            </a:r>
-            <a:r>
-              <a:rPr lang="en-US" sz="1600" dirty="0" err="1"/>
-              <a:t>celo</a:t>
-            </a:r>
-            <a:r>
-              <a:rPr lang="en-US" sz="1600" dirty="0"/>
-              <a:t> </a:t>
-            </a:r>
-            <a:r>
-              <a:rPr lang="en-US" sz="1600" dirty="0" err="1"/>
-              <a:t>leto</a:t>
-            </a:r>
-            <a:r>
-              <a:rPr lang="en-US" sz="1600" dirty="0"/>
-              <a:t>.</a:t>
+              <a:rPr lang="sl-SI" sz="1600" noProof="0" dirty="0"/>
+              <a:t>Pred procesiranje podatkov: v obeh bazah podatkov smo preverile sladnost časovnih obdobij, odstranile smo manjkajoče vrednosti, odstranile smo leto 2025, ker nimamo še podatkov za celo leto.</a:t>
             </a:r>
           </a:p>
           <a:p>
@@ -4406,107 +3731,25 @@
               <a:buChar char="-"/>
             </a:pPr>
             <a:r>
-              <a:rPr lang="en-US" sz="1600" dirty="0" err="1"/>
-              <a:t>Posebnosti</a:t>
-            </a:r>
-            <a:r>
-              <a:rPr lang="en-US" sz="1600" dirty="0"/>
-              <a:t>: </a:t>
-            </a:r>
-            <a:r>
-              <a:rPr lang="en-US" sz="1600" dirty="0" err="1"/>
-              <a:t>podatki</a:t>
-            </a:r>
-            <a:r>
-              <a:rPr lang="en-US" sz="1600" dirty="0"/>
-              <a:t> pred </a:t>
-            </a:r>
-            <a:r>
-              <a:rPr lang="en-US" sz="1600" dirty="0" err="1"/>
-              <a:t>letom</a:t>
-            </a:r>
-            <a:r>
-              <a:rPr lang="en-US" sz="1600" dirty="0"/>
-              <a:t> 2007 so </a:t>
-            </a:r>
-            <a:r>
-              <a:rPr lang="en-US" sz="1600" dirty="0" err="1"/>
-              <a:t>preračunani</a:t>
-            </a:r>
-            <a:r>
-              <a:rPr lang="en-US" sz="1600" dirty="0"/>
-              <a:t> </a:t>
-            </a:r>
-            <a:r>
-              <a:rPr lang="en-US" sz="1600" dirty="0" err="1"/>
-              <a:t>iz</a:t>
-            </a:r>
-            <a:r>
-              <a:rPr lang="en-US" sz="1600" dirty="0"/>
-              <a:t> </a:t>
-            </a:r>
-            <a:r>
-              <a:rPr lang="en-US" sz="1600" dirty="0" err="1"/>
-              <a:t>tolarjev</a:t>
-            </a:r>
-            <a:r>
-              <a:rPr lang="en-US" sz="1600" dirty="0"/>
-              <a:t> v </a:t>
-            </a:r>
-            <a:r>
-              <a:rPr lang="en-US" sz="1600" dirty="0" err="1"/>
-              <a:t>evre</a:t>
-            </a:r>
-            <a:endParaRPr lang="en-US" sz="1600" dirty="0"/>
+              <a:rPr lang="sl-SI" sz="1600" noProof="0" dirty="0"/>
+              <a:t>Posebnosti: podatki pred letom 2007 so preračunani iz tolarjev v evre</a:t>
+            </a:r>
           </a:p>
           <a:p>
             <a:pPr>
               <a:buFontTx/>
               <a:buChar char="-"/>
             </a:pPr>
-            <a:endParaRPr lang="en-US" sz="1600" dirty="0"/>
+            <a:endParaRPr lang="sl-SI" sz="1600" noProof="0" dirty="0"/>
           </a:p>
           <a:p>
             <a:pPr marL="0" indent="0">
               <a:buNone/>
             </a:pPr>
             <a:r>
-              <a:rPr lang="en-US" sz="1600" b="1" dirty="0" err="1"/>
-              <a:t>Glavna</a:t>
-            </a:r>
-            <a:r>
-              <a:rPr lang="en-US" sz="1600" b="1" dirty="0"/>
-              <a:t> </a:t>
-            </a:r>
-            <a:r>
-              <a:rPr lang="en-US" sz="1600" b="1" dirty="0" err="1"/>
-              <a:t>vprašanja</a:t>
-            </a:r>
-            <a:r>
-              <a:rPr lang="en-US" sz="1600" b="1" dirty="0"/>
-              <a:t>/</a:t>
-            </a:r>
-            <a:r>
-              <a:rPr lang="en-US" sz="1600" b="1" dirty="0" err="1"/>
-              <a:t>cilji</a:t>
-            </a:r>
-            <a:r>
-              <a:rPr lang="en-US" sz="1600" b="1" dirty="0"/>
-              <a:t> </a:t>
-            </a:r>
-            <a:r>
-              <a:rPr lang="en-US" sz="1600" b="1" dirty="0" err="1"/>
-              <a:t>podatkovnega</a:t>
-            </a:r>
-            <a:r>
-              <a:rPr lang="en-US" sz="1600" b="1" dirty="0"/>
-              <a:t> </a:t>
-            </a:r>
-            <a:r>
-              <a:rPr lang="en-US" sz="1600" b="1" dirty="0" err="1"/>
-              <a:t>rudarjenja</a:t>
-            </a:r>
-            <a:endParaRPr lang="en-US" sz="1600" b="1" dirty="0"/>
+              <a:rPr lang="sl-SI" sz="1600" b="1" noProof="0" dirty="0"/>
+              <a:t>Glavna vprašanja/cilji podatkovnega rudarjenja</a:t>
+            </a:r>
           </a:p>
           <a:p>
             <a:pPr>
@@ -4514,72 +3757,8 @@
               <a:buChar char="-"/>
             </a:pPr>
             <a:r>
-              <a:rPr lang="en-US" sz="1600" dirty="0"/>
-              <a:t> Kako se je </a:t>
-            </a:r>
-            <a:r>
-              <a:rPr lang="en-US" sz="1600" dirty="0" err="1"/>
-              <a:t>spreminjala</a:t>
-            </a:r>
-            <a:r>
-              <a:rPr lang="en-US" sz="1600" dirty="0"/>
-              <a:t> </a:t>
-            </a:r>
-            <a:r>
-              <a:rPr lang="en-US" sz="1600" dirty="0" err="1"/>
-              <a:t>starostna</a:t>
-            </a:r>
-            <a:r>
-              <a:rPr lang="en-US" sz="1600" dirty="0"/>
-              <a:t> </a:t>
-            </a:r>
-            <a:r>
-              <a:rPr lang="en-US" sz="1600" dirty="0" err="1"/>
-              <a:t>struktura</a:t>
-            </a:r>
-            <a:r>
-              <a:rPr lang="en-US" sz="1600" dirty="0"/>
-              <a:t> </a:t>
-            </a:r>
-            <a:r>
-              <a:rPr lang="en-US" sz="1600" dirty="0" err="1"/>
-              <a:t>delovno</a:t>
-            </a:r>
-            <a:r>
-              <a:rPr lang="en-US" sz="1600" dirty="0"/>
-              <a:t> </a:t>
-            </a:r>
-            <a:r>
-              <a:rPr lang="en-US" sz="1600" dirty="0" err="1"/>
-              <a:t>aktivnega</a:t>
-            </a:r>
-            <a:r>
-              <a:rPr lang="en-US" sz="1600" dirty="0"/>
-              <a:t> </a:t>
-            </a:r>
-            <a:r>
-              <a:rPr lang="en-US" sz="1600" dirty="0" err="1"/>
-              <a:t>prebivalstva</a:t>
-            </a:r>
-            <a:r>
-              <a:rPr lang="en-US" sz="1600" dirty="0"/>
-              <a:t> v </a:t>
-            </a:r>
-            <a:r>
-              <a:rPr lang="en-US" sz="1600" dirty="0" err="1"/>
-              <a:t>različnih</a:t>
-            </a:r>
-            <a:r>
-              <a:rPr lang="en-US" sz="1600" dirty="0"/>
-              <a:t> </a:t>
-            </a:r>
-            <a:r>
-              <a:rPr lang="en-US" sz="1600" dirty="0" err="1"/>
-              <a:t>regijah</a:t>
-            </a:r>
-            <a:r>
-              <a:rPr lang="en-US" sz="1600" dirty="0"/>
-              <a:t>? </a:t>
+              <a:rPr lang="sl-SI" sz="1600" noProof="0" dirty="0"/>
+              <a:t> Kako se je spreminjala starostna struktura delovno aktivnega prebivalstva v različnih regijah? </a:t>
             </a:r>
           </a:p>
           <a:p>
@@ -4588,46 +3767,9 @@
               <a:buChar char="-"/>
             </a:pPr>
             <a:r>
-              <a:rPr lang="en-US" sz="1600" dirty="0" err="1"/>
-              <a:t>Kakšna</a:t>
-            </a:r>
-            <a:r>
-              <a:rPr lang="en-US" sz="1600" dirty="0"/>
-              <a:t> je </a:t>
-            </a:r>
-            <a:r>
-              <a:rPr lang="en-US" sz="1600" dirty="0" err="1"/>
-              <a:t>povezava</a:t>
-            </a:r>
-            <a:r>
-              <a:rPr lang="en-US" sz="1600" dirty="0"/>
-              <a:t> med </a:t>
-            </a:r>
-            <a:r>
-              <a:rPr lang="en-US" sz="1600" dirty="0" err="1"/>
-              <a:t>delovno</a:t>
-            </a:r>
-            <a:r>
-              <a:rPr lang="en-US" sz="1600" dirty="0"/>
-              <a:t> </a:t>
-            </a:r>
-            <a:r>
-              <a:rPr lang="en-US" sz="1600" dirty="0" err="1"/>
-              <a:t>aktivnim</a:t>
-            </a:r>
-            <a:r>
-              <a:rPr lang="en-US" sz="1600" dirty="0"/>
-              <a:t> </a:t>
-            </a:r>
-            <a:r>
-              <a:rPr lang="en-US" sz="1600" dirty="0" err="1"/>
-              <a:t>prebivalstvom</a:t>
-            </a:r>
-            <a:r>
-              <a:rPr lang="en-US" sz="1600" dirty="0"/>
-              <a:t> in BDP?</a:t>
-            </a:r>
-            <a:endParaRPr lang="sl-SI" sz="1600" dirty="0"/>
+              <a:rPr lang="sl-SI" sz="1600" noProof="0" dirty="0"/>
+              <a:t>Kakšna je povezava med delovno aktivnim prebivalstvom in BDP?</a:t>
+            </a:r>
           </a:p>
           <a:p>
             <a:pPr>
@@ -4635,84 +3777,8 @@
               <a:buChar char="-"/>
             </a:pPr>
             <a:r>
-              <a:rPr lang="en-US" sz="1600" dirty="0" err="1"/>
-              <a:t>Kakšna</a:t>
-            </a:r>
-            <a:r>
-              <a:rPr lang="en-US" sz="1600" dirty="0"/>
-              <a:t> je </a:t>
-            </a:r>
-            <a:r>
-              <a:rPr lang="en-US" sz="1600" dirty="0" err="1"/>
-              <a:t>povezava</a:t>
-            </a:r>
-            <a:r>
-              <a:rPr lang="en-US" sz="1600" dirty="0"/>
-              <a:t> </a:t>
-            </a:r>
-            <a:r>
-              <a:rPr lang="en-US" sz="1600" dirty="0" err="1"/>
-              <a:t>ustvarjenim</a:t>
-            </a:r>
-            <a:r>
-              <a:rPr lang="en-US" sz="1600" dirty="0"/>
-              <a:t> BDP </a:t>
-            </a:r>
-            <a:r>
-              <a:rPr lang="en-US" sz="1600" dirty="0" err="1"/>
-              <a:t>delovno</a:t>
-            </a:r>
-            <a:r>
-              <a:rPr lang="en-US" sz="1600" dirty="0"/>
-              <a:t> </a:t>
-            </a:r>
-            <a:r>
-              <a:rPr lang="en-US" sz="1600" dirty="0" err="1"/>
-              <a:t>aktivnega</a:t>
-            </a:r>
-            <a:r>
-              <a:rPr lang="en-US" sz="1600" dirty="0"/>
-              <a:t> </a:t>
-            </a:r>
-            <a:r>
-              <a:rPr lang="en-US" sz="1600" dirty="0" err="1"/>
-              <a:t>prebivalsta</a:t>
-            </a:r>
-            <a:r>
-              <a:rPr lang="en-US" sz="1600" dirty="0"/>
-              <a:t> in </a:t>
-            </a:r>
-            <a:r>
-              <a:rPr lang="en-US" sz="1600" dirty="0" err="1"/>
-              <a:t>določena</a:t>
-            </a:r>
-            <a:r>
-              <a:rPr lang="en-US" sz="1600" dirty="0"/>
-              <a:t> </a:t>
-            </a:r>
-            <a:r>
-              <a:rPr lang="en-US" sz="1600" dirty="0" err="1"/>
-              <a:t>poraba</a:t>
-            </a:r>
-            <a:r>
-              <a:rPr lang="en-US" sz="1600" dirty="0"/>
-              <a:t> BDP s </a:t>
-            </a:r>
-            <a:r>
-              <a:rPr lang="en-US" sz="1600" dirty="0" err="1"/>
-              <a:t>strani</a:t>
-            </a:r>
-            <a:r>
-              <a:rPr lang="en-US" sz="1600" dirty="0"/>
-              <a:t> </a:t>
-            </a:r>
-            <a:r>
-              <a:rPr lang="en-US" sz="1600" dirty="0" err="1"/>
-              <a:t>vlade</a:t>
-            </a:r>
-            <a:r>
-              <a:rPr lang="en-US" sz="1600" dirty="0"/>
-              <a:t>?</a:t>
+              <a:rPr lang="sl-SI" sz="1600" noProof="0" dirty="0"/>
+              <a:t>Kakšna je povezava ustvarjenim BDP delovno aktivnega prebivalstva in določena poraba BDP s strani vlade?</a:t>
             </a:r>
           </a:p>
         </p:txBody>
@@ -4740,7 +3806,9 @@
           </a:xfrm>
           <a:ln>
             <a:solidFill>
-              <a:schemeClr val="tx1"/>
+              <a:schemeClr val="bg1">
+                <a:lumMod val="65000"/>
+              </a:schemeClr>
             </a:solidFill>
           </a:ln>
         </p:spPr>
@@ -4749,25 +3817,25 @@
           <a:lstStyle/>
           <a:p>
             <a:r>
-              <a:rPr lang="en-US" dirty="0"/>
+              <a:rPr lang="sl-SI" noProof="0" dirty="0"/>
               <a:t>- Nika Demšar  </a:t>
             </a:r>
           </a:p>
           <a:p>
             <a:r>
-              <a:rPr lang="en-US" dirty="0"/>
+              <a:rPr lang="sl-SI" noProof="0" dirty="0"/>
               <a:t>- Urška Frelih Uhelj  </a:t>
             </a:r>
           </a:p>
           <a:p>
             <a:r>
-              <a:rPr lang="en-US" dirty="0"/>
+              <a:rPr lang="sl-SI" noProof="0" dirty="0"/>
               <a:t>- Anja Klančar  </a:t>
             </a:r>
           </a:p>
           <a:p>
             <a:r>
-              <a:rPr lang="en-US" dirty="0"/>
+              <a:rPr lang="sl-SI" noProof="0" dirty="0"/>
               <a:t>- Eva Müller </a:t>
             </a:r>
           </a:p>
@@ -4800,7 +3868,7 @@
           <a:lstStyle/>
           <a:p>
             <a:r>
-              <a:rPr lang="en-US" dirty="0"/>
+              <a:rPr lang="sl-SI" noProof="0" dirty="0"/>
               <a:t>17. 4. 2025</a:t>
             </a:r>
           </a:p>
@@ -4828,22 +3896,9 @@
           <a:lstStyle/>
           <a:p>
             <a:r>
-              <a:rPr lang="en-US" dirty="0"/>
-              <a:t>PR24-25, </a:t>
-            </a:r>
-            <a:r>
-              <a:rPr lang="en-US" dirty="0" err="1"/>
-              <a:t>Vmesna</a:t>
-            </a:r>
-            <a:r>
-              <a:rPr lang="en-US" dirty="0"/>
-              <a:t> </a:t>
-            </a:r>
-            <a:r>
-              <a:rPr lang="en-US" dirty="0" err="1"/>
-              <a:t>predstavitev</a:t>
-            </a:r>
-            <a:endParaRPr lang="en-US" dirty="0"/>
+              <a:rPr lang="sl-SI" noProof="0" dirty="0"/>
+              <a:t>PR24-25, Vmesna predstavitev</a:t>
+            </a:r>
           </a:p>
         </p:txBody>
       </p:sp>
@@ -4869,10 +3924,10 @@
           <a:lstStyle/>
           <a:p>
             <a:fld id="{03BC8BC1-971C-5C4D-898D-87CE7EF1EB36}" type="slidenum">
-              <a:rPr lang="en-US" smtClean="0"/>
+              <a:rPr lang="sl-SI" noProof="0" smtClean="0"/>
               <a:t>1</a:t>
             </a:fld>
-            <a:endParaRPr lang="en-US" dirty="0"/>
+            <a:endParaRPr lang="sl-SI" noProof="0" dirty="0"/>
           </a:p>
         </p:txBody>
       </p:sp>
@@ -4924,18 +3979,20 @@
         </p:nvSpPr>
         <p:spPr>
           <a:xfrm>
-            <a:off x="92765" y="589356"/>
-            <a:ext cx="4403432" cy="4177907"/>
+            <a:off x="92765" y="454816"/>
+            <a:ext cx="4403432" cy="4312447"/>
           </a:xfrm>
           <a:ln>
             <a:solidFill>
-              <a:schemeClr val="tx1"/>
+              <a:schemeClr val="bg1">
+                <a:lumMod val="65000"/>
+              </a:schemeClr>
             </a:solidFill>
           </a:ln>
         </p:spPr>
         <p:txBody>
           <a:bodyPr>
-            <a:normAutofit fontScale="85000" lnSpcReduction="20000"/>
+            <a:normAutofit fontScale="92500" lnSpcReduction="20000"/>
           </a:bodyPr>
           <a:lstStyle/>
           <a:p>
@@ -4943,68 +4000,8 @@
               <a:buNone/>
             </a:pPr>
             <a:r>
-              <a:rPr lang="en-US" sz="1400" dirty="0" err="1"/>
-              <a:t>Kako</a:t>
-            </a:r>
-            <a:r>
-              <a:rPr lang="en-US" sz="1400" dirty="0"/>
-              <a:t> </a:t>
-            </a:r>
-            <a:r>
-              <a:rPr lang="en-US" sz="1400" dirty="0" err="1"/>
-              <a:t>boste</a:t>
-            </a:r>
-            <a:r>
-              <a:rPr lang="en-US" sz="1400" dirty="0"/>
-              <a:t> </a:t>
-            </a:r>
-            <a:r>
-              <a:rPr lang="en-US" sz="1400" dirty="0" err="1"/>
-              <a:t>dosegli</a:t>
-            </a:r>
-            <a:r>
-              <a:rPr lang="en-US" sz="1400" dirty="0"/>
-              <a:t> </a:t>
-            </a:r>
-            <a:r>
-              <a:rPr lang="en-US" sz="1400" dirty="0" err="1"/>
-              <a:t>cilj</a:t>
-            </a:r>
-            <a:r>
-              <a:rPr lang="en-US" sz="1400" dirty="0"/>
-              <a:t> 1 </a:t>
-            </a:r>
-            <a:r>
-              <a:rPr lang="en-US" sz="1400" dirty="0" err="1"/>
-              <a:t>oziroma</a:t>
-            </a:r>
-            <a:r>
-              <a:rPr lang="en-US" sz="1400" dirty="0"/>
-              <a:t> </a:t>
-            </a:r>
-            <a:r>
-              <a:rPr lang="en-US" sz="1400" dirty="0" err="1"/>
-              <a:t>odgovorili</a:t>
-            </a:r>
-            <a:r>
-              <a:rPr lang="en-US" sz="1400" dirty="0"/>
-              <a:t> </a:t>
-            </a:r>
-            <a:r>
-              <a:rPr lang="en-US" sz="1400" dirty="0" err="1"/>
-              <a:t>na</a:t>
-            </a:r>
-            <a:r>
-              <a:rPr lang="en-US" sz="1400" dirty="0"/>
-              <a:t> </a:t>
-            </a:r>
-            <a:r>
-              <a:rPr lang="en-US" sz="1400" dirty="0" err="1"/>
-              <a:t>vprašanje</a:t>
-            </a:r>
-            <a:r>
-              <a:rPr lang="en-US" sz="1400" dirty="0"/>
-              <a:t> 1…</a:t>
+              <a:rPr lang="sl-SI" sz="1400" noProof="0" dirty="0"/>
+              <a:t>Vprašanje 1:  Kako se je spreminjala starostna struktura delovno aktivnega prebivalstva v različnih regijah? </a:t>
             </a:r>
           </a:p>
           <a:p>
@@ -5012,84 +4009,26 @@
               <a:buNone/>
             </a:pPr>
             <a:r>
-              <a:rPr lang="en-US" sz="1400" dirty="0" err="1"/>
-              <a:t>Vprašanje</a:t>
-            </a:r>
-            <a:r>
-              <a:rPr lang="en-US" sz="1400" dirty="0"/>
-              <a:t> 1:  </a:t>
-            </a:r>
-            <a:r>
-              <a:rPr lang="en-US" sz="1400" dirty="0" err="1"/>
-              <a:t>Kako</a:t>
-            </a:r>
-            <a:r>
-              <a:rPr lang="en-US" sz="1400" dirty="0"/>
-              <a:t> se je </a:t>
-            </a:r>
-            <a:r>
-              <a:rPr lang="en-US" sz="1400" dirty="0" err="1"/>
-              <a:t>spreminjala</a:t>
-            </a:r>
-            <a:r>
-              <a:rPr lang="en-US" sz="1400" dirty="0"/>
-              <a:t> </a:t>
-            </a:r>
-            <a:r>
-              <a:rPr lang="en-US" sz="1400" dirty="0" err="1"/>
-              <a:t>starostna</a:t>
-            </a:r>
-            <a:r>
-              <a:rPr lang="en-US" sz="1400" dirty="0"/>
-              <a:t> </a:t>
-            </a:r>
-            <a:r>
-              <a:rPr lang="en-US" sz="1400" dirty="0" err="1"/>
-              <a:t>struktura</a:t>
-            </a:r>
-            <a:r>
-              <a:rPr lang="en-US" sz="1400" dirty="0"/>
-              <a:t> </a:t>
-            </a:r>
-            <a:r>
-              <a:rPr lang="en-US" sz="1400" dirty="0" err="1"/>
-              <a:t>delovno</a:t>
-            </a:r>
-            <a:r>
-              <a:rPr lang="en-US" sz="1400" dirty="0"/>
-              <a:t> </a:t>
-            </a:r>
-            <a:r>
-              <a:rPr lang="en-US" sz="1400" dirty="0" err="1"/>
-              <a:t>aktivnega</a:t>
-            </a:r>
-            <a:r>
-              <a:rPr lang="en-US" sz="1400" dirty="0"/>
-              <a:t> </a:t>
-            </a:r>
-            <a:r>
-              <a:rPr lang="en-US" sz="1400" dirty="0" err="1"/>
-              <a:t>prebivalstva</a:t>
-            </a:r>
-            <a:r>
-              <a:rPr lang="en-US" sz="1400" dirty="0"/>
-              <a:t> v </a:t>
-            </a:r>
-            <a:r>
-              <a:rPr lang="en-US" sz="1400" dirty="0" err="1"/>
-              <a:t>različnih</a:t>
-            </a:r>
-            <a:r>
-              <a:rPr lang="en-US" sz="1400" dirty="0"/>
-              <a:t> </a:t>
-            </a:r>
-            <a:r>
-              <a:rPr lang="en-US" sz="1400" dirty="0" err="1"/>
-              <a:t>regijah</a:t>
-            </a:r>
-            <a:r>
-              <a:rPr lang="en-US" sz="1400" dirty="0"/>
-              <a:t>? </a:t>
+              <a:rPr lang="sl-SI" sz="1400" noProof="0" dirty="0"/>
+              <a:t>CILJI:</a:t>
+            </a:r>
+          </a:p>
+          <a:p>
+            <a:r>
+              <a:rPr lang="sl-SI" sz="1400" noProof="0" dirty="0"/>
+              <a:t>Ugotoviti, katere starostne skupine so bile najbolj številčne skozi leta</a:t>
+            </a:r>
+          </a:p>
+          <a:p>
+            <a:r>
+              <a:rPr lang="sl-SI" sz="1400" noProof="0" dirty="0"/>
+              <a:t>Ugotoviti, kako se po regijah spreminjajo deleži starostnih skupin skozi leta (staranje prebivalstva, kasnejše upokojevanje, …)</a:t>
+            </a:r>
+          </a:p>
+          <a:p>
+            <a:r>
+              <a:rPr lang="sl-SI" sz="1400" noProof="0" dirty="0"/>
+              <a:t>Ugotoviti, kako se po regijah razlikujejo število delovno aktivnih ljudi</a:t>
             </a:r>
           </a:p>
           <a:p>
@@ -5097,445 +4036,33 @@
               <a:buNone/>
             </a:pPr>
             <a:r>
-              <a:rPr lang="en-US" sz="1400" dirty="0"/>
-              <a:t>CILJI:</a:t>
-            </a:r>
-          </a:p>
-          <a:p>
-            <a:r>
-              <a:rPr lang="en-US" sz="1400" dirty="0" err="1"/>
-              <a:t>Ugotiviti</a:t>
-            </a:r>
-            <a:r>
-              <a:rPr lang="en-US" sz="1400" dirty="0"/>
-              <a:t>, </a:t>
-            </a:r>
-            <a:r>
-              <a:rPr lang="en-US" sz="1400" dirty="0" err="1"/>
-              <a:t>katere</a:t>
-            </a:r>
-            <a:r>
-              <a:rPr lang="en-US" sz="1400" dirty="0"/>
-              <a:t> </a:t>
-            </a:r>
-            <a:r>
-              <a:rPr lang="en-US" sz="1400" dirty="0" err="1"/>
-              <a:t>starostne</a:t>
-            </a:r>
-            <a:r>
-              <a:rPr lang="en-US" sz="1400" dirty="0"/>
-              <a:t> </a:t>
-            </a:r>
-            <a:r>
-              <a:rPr lang="en-US" sz="1400" dirty="0" err="1"/>
-              <a:t>skupine</a:t>
-            </a:r>
-            <a:r>
-              <a:rPr lang="en-US" sz="1400" dirty="0"/>
-              <a:t> so bile </a:t>
-            </a:r>
-            <a:r>
-              <a:rPr lang="en-US" sz="1400" dirty="0" err="1"/>
-              <a:t>najbolj</a:t>
-            </a:r>
-            <a:r>
-              <a:rPr lang="en-US" sz="1400" dirty="0"/>
-              <a:t> </a:t>
-            </a:r>
-            <a:r>
-              <a:rPr lang="en-US" sz="1400" dirty="0" err="1"/>
-              <a:t>številčne</a:t>
-            </a:r>
-            <a:r>
-              <a:rPr lang="en-US" sz="1400" dirty="0"/>
-              <a:t> </a:t>
-            </a:r>
-            <a:r>
-              <a:rPr lang="en-US" sz="1400" dirty="0" err="1"/>
-              <a:t>skozi</a:t>
-            </a:r>
-            <a:r>
-              <a:rPr lang="en-US" sz="1400" dirty="0"/>
-              <a:t> </a:t>
-            </a:r>
-            <a:r>
-              <a:rPr lang="en-US" sz="1400" dirty="0" err="1"/>
-              <a:t>leta</a:t>
-            </a:r>
-            <a:endParaRPr lang="en-US" sz="1400" dirty="0"/>
-          </a:p>
-          <a:p>
-            <a:r>
-              <a:rPr lang="en-US" sz="1400" dirty="0" err="1"/>
-              <a:t>Ugotoviti</a:t>
-            </a:r>
-            <a:r>
-              <a:rPr lang="en-US" sz="1400" dirty="0"/>
-              <a:t>, </a:t>
-            </a:r>
-            <a:r>
-              <a:rPr lang="en-US" sz="1400" dirty="0" err="1"/>
-              <a:t>kako</a:t>
-            </a:r>
-            <a:r>
-              <a:rPr lang="en-US" sz="1400" dirty="0"/>
-              <a:t> se po </a:t>
-            </a:r>
-            <a:r>
-              <a:rPr lang="en-US" sz="1400" dirty="0" err="1"/>
-              <a:t>regijah</a:t>
-            </a:r>
-            <a:r>
-              <a:rPr lang="en-US" sz="1400" dirty="0"/>
-              <a:t> </a:t>
-            </a:r>
-            <a:r>
-              <a:rPr lang="en-US" sz="1400" dirty="0" err="1"/>
-              <a:t>spreminjajo</a:t>
-            </a:r>
-            <a:r>
-              <a:rPr lang="en-US" sz="1400" dirty="0"/>
-              <a:t> </a:t>
-            </a:r>
-            <a:r>
-              <a:rPr lang="en-US" sz="1400" dirty="0" err="1"/>
-              <a:t>deleži</a:t>
-            </a:r>
-            <a:r>
-              <a:rPr lang="en-US" sz="1400" dirty="0"/>
-              <a:t> </a:t>
-            </a:r>
-            <a:r>
-              <a:rPr lang="en-US" sz="1400" dirty="0" err="1"/>
-              <a:t>starostnih</a:t>
-            </a:r>
-            <a:r>
-              <a:rPr lang="en-US" sz="1400" dirty="0"/>
-              <a:t> </a:t>
-            </a:r>
-            <a:r>
-              <a:rPr lang="en-US" sz="1400" dirty="0" err="1"/>
-              <a:t>skupin</a:t>
-            </a:r>
-            <a:r>
-              <a:rPr lang="en-US" sz="1400" dirty="0"/>
-              <a:t> </a:t>
-            </a:r>
-            <a:r>
-              <a:rPr lang="en-US" sz="1400" dirty="0" err="1"/>
-              <a:t>skozi</a:t>
-            </a:r>
-            <a:r>
-              <a:rPr lang="en-US" sz="1400" dirty="0"/>
-              <a:t> </a:t>
-            </a:r>
-            <a:r>
-              <a:rPr lang="en-US" sz="1400" dirty="0" err="1"/>
-              <a:t>leta</a:t>
-            </a:r>
-            <a:r>
-              <a:rPr lang="en-US" sz="1400" dirty="0"/>
-              <a:t> (</a:t>
-            </a:r>
-            <a:r>
-              <a:rPr lang="en-US" sz="1400" dirty="0" err="1"/>
-              <a:t>staranje</a:t>
-            </a:r>
-            <a:r>
-              <a:rPr lang="en-US" sz="1400" dirty="0"/>
-              <a:t> </a:t>
-            </a:r>
-            <a:r>
-              <a:rPr lang="en-US" sz="1400" dirty="0" err="1"/>
-              <a:t>prebivalstva</a:t>
-            </a:r>
-            <a:r>
-              <a:rPr lang="en-US" sz="1400" dirty="0"/>
-              <a:t>, </a:t>
-            </a:r>
-            <a:r>
-              <a:rPr lang="en-US" sz="1400" dirty="0" err="1"/>
-              <a:t>kasnejše</a:t>
-            </a:r>
-            <a:r>
-              <a:rPr lang="en-US" sz="1400" dirty="0"/>
-              <a:t> </a:t>
-            </a:r>
-            <a:r>
-              <a:rPr lang="en-US" sz="1400" dirty="0" err="1"/>
-              <a:t>upokojevanje</a:t>
-            </a:r>
-            <a:r>
-              <a:rPr lang="en-US" sz="1400" dirty="0"/>
-              <a:t>, …)</a:t>
-            </a:r>
-          </a:p>
-          <a:p>
-            <a:r>
-              <a:rPr lang="en-US" sz="1400" dirty="0" err="1"/>
-              <a:t>Ugotoviti</a:t>
-            </a:r>
-            <a:r>
-              <a:rPr lang="en-US" sz="1400" dirty="0"/>
-              <a:t>, </a:t>
-            </a:r>
-            <a:r>
-              <a:rPr lang="en-US" sz="1400" dirty="0" err="1"/>
-              <a:t>kako</a:t>
-            </a:r>
-            <a:r>
-              <a:rPr lang="en-US" sz="1400" dirty="0"/>
-              <a:t> se po </a:t>
-            </a:r>
-            <a:r>
-              <a:rPr lang="en-US" sz="1400" dirty="0" err="1"/>
-              <a:t>regijah</a:t>
-            </a:r>
-            <a:r>
-              <a:rPr lang="en-US" sz="1400" dirty="0"/>
-              <a:t> </a:t>
-            </a:r>
-            <a:r>
-              <a:rPr lang="en-US" sz="1400" dirty="0" err="1"/>
-              <a:t>razlikujej</a:t>
-            </a:r>
-            <a:r>
-              <a:rPr lang="en-US" sz="1400" dirty="0"/>
-              <a:t> </a:t>
-            </a:r>
-            <a:r>
-              <a:rPr lang="en-US" sz="1400" dirty="0" err="1"/>
-              <a:t>število</a:t>
-            </a:r>
-            <a:r>
-              <a:rPr lang="en-US" sz="1400" dirty="0"/>
-              <a:t> </a:t>
-            </a:r>
-            <a:r>
-              <a:rPr lang="en-US" sz="1400" dirty="0" err="1"/>
-              <a:t>delovno</a:t>
-            </a:r>
-            <a:r>
-              <a:rPr lang="en-US" sz="1400" dirty="0"/>
-              <a:t> </a:t>
-            </a:r>
-            <a:r>
-              <a:rPr lang="en-US" sz="1400" dirty="0" err="1"/>
-              <a:t>aktivnih</a:t>
-            </a:r>
-            <a:r>
-              <a:rPr lang="en-US" sz="1400" dirty="0"/>
-              <a:t> </a:t>
-            </a:r>
-            <a:r>
-              <a:rPr lang="en-US" sz="1400" dirty="0" err="1"/>
-              <a:t>ljudi</a:t>
-            </a:r>
-            <a:endParaRPr lang="en-US" sz="1400" dirty="0"/>
+              <a:rPr lang="sl-SI" sz="1400" noProof="0" dirty="0"/>
+              <a:t>METODE:</a:t>
+            </a:r>
+          </a:p>
+          <a:p>
+            <a:r>
+              <a:rPr lang="sl-SI" sz="1400" noProof="0" dirty="0"/>
+              <a:t>Priprava in pred procesiranje podatkov: iz podatkov o delovno aktivnem prebivalstvo izbrale ključna leta za analizo (zaradi preglednosti) in jih razdelile na dva sklopa (starostne skupine, regije)</a:t>
+            </a:r>
+          </a:p>
+          <a:p>
+            <a:r>
+              <a:rPr lang="sl-SI" sz="1400" noProof="0" dirty="0"/>
+              <a:t>Metode vizualizacije: </a:t>
+            </a:r>
           </a:p>
           <a:p>
             <a:pPr marL="0" indent="0">
               <a:buNone/>
             </a:pPr>
             <a:r>
-              <a:rPr lang="en-US" sz="1400" dirty="0"/>
-              <a:t>METODE:</a:t>
-            </a:r>
-          </a:p>
-          <a:p>
-            <a:r>
-              <a:rPr lang="en-US" sz="1400" dirty="0" err="1"/>
-              <a:t>Priprava</a:t>
-            </a:r>
-            <a:r>
-              <a:rPr lang="en-US" sz="1400" dirty="0"/>
-              <a:t> in </a:t>
-            </a:r>
-            <a:r>
-              <a:rPr lang="en-US" sz="1400" dirty="0" err="1"/>
-              <a:t>predprocesiranje</a:t>
-            </a:r>
-            <a:r>
-              <a:rPr lang="en-US" sz="1400" dirty="0"/>
-              <a:t> </a:t>
-            </a:r>
-            <a:r>
-              <a:rPr lang="en-US" sz="1400" dirty="0" err="1"/>
-              <a:t>podatkov</a:t>
-            </a:r>
-            <a:r>
-              <a:rPr lang="en-US" sz="1400" dirty="0"/>
-              <a:t>: </a:t>
-            </a:r>
-            <a:r>
-              <a:rPr lang="en-US" sz="1400" dirty="0" err="1"/>
-              <a:t>iz</a:t>
-            </a:r>
-            <a:r>
-              <a:rPr lang="en-US" sz="1400" dirty="0"/>
-              <a:t> </a:t>
-            </a:r>
-            <a:r>
-              <a:rPr lang="en-US" sz="1400" dirty="0" err="1"/>
-              <a:t>podatkov</a:t>
-            </a:r>
-            <a:r>
-              <a:rPr lang="en-US" sz="1400" dirty="0"/>
-              <a:t> o </a:t>
-            </a:r>
-            <a:r>
-              <a:rPr lang="en-US" sz="1400" dirty="0" err="1"/>
-              <a:t>delovno</a:t>
-            </a:r>
-            <a:r>
-              <a:rPr lang="en-US" sz="1400" dirty="0"/>
-              <a:t> </a:t>
-            </a:r>
-            <a:r>
-              <a:rPr lang="en-US" sz="1400" dirty="0" err="1"/>
-              <a:t>aktivnem</a:t>
-            </a:r>
-            <a:r>
-              <a:rPr lang="en-US" sz="1400" dirty="0"/>
-              <a:t> </a:t>
-            </a:r>
-            <a:r>
-              <a:rPr lang="en-US" sz="1400" dirty="0" err="1"/>
-              <a:t>prebivalstvo</a:t>
-            </a:r>
-            <a:r>
-              <a:rPr lang="en-US" sz="1400" dirty="0"/>
-              <a:t> </a:t>
-            </a:r>
-            <a:r>
-              <a:rPr lang="en-US" sz="1400" dirty="0" err="1"/>
-              <a:t>izbrale</a:t>
-            </a:r>
-            <a:r>
-              <a:rPr lang="en-US" sz="1400" dirty="0"/>
-              <a:t> </a:t>
-            </a:r>
-            <a:r>
-              <a:rPr lang="en-US" sz="1400" dirty="0" err="1"/>
-              <a:t>ključna</a:t>
-            </a:r>
-            <a:r>
-              <a:rPr lang="en-US" sz="1400" dirty="0"/>
-              <a:t> </a:t>
-            </a:r>
-            <a:r>
-              <a:rPr lang="en-US" sz="1400" dirty="0" err="1"/>
-              <a:t>leta</a:t>
-            </a:r>
-            <a:r>
-              <a:rPr lang="en-US" sz="1400" dirty="0"/>
-              <a:t> za </a:t>
-            </a:r>
-            <a:r>
-              <a:rPr lang="en-US" sz="1400" dirty="0" err="1"/>
-              <a:t>analizo</a:t>
-            </a:r>
-            <a:r>
-              <a:rPr lang="en-US" sz="1400" dirty="0"/>
-              <a:t> (</a:t>
-            </a:r>
-            <a:r>
-              <a:rPr lang="en-US" sz="1400" dirty="0" err="1"/>
-              <a:t>zaradi</a:t>
-            </a:r>
-            <a:r>
-              <a:rPr lang="en-US" sz="1400" dirty="0"/>
-              <a:t> </a:t>
-            </a:r>
-            <a:r>
-              <a:rPr lang="en-US" sz="1400" dirty="0" err="1"/>
-              <a:t>preglednosti</a:t>
-            </a:r>
-            <a:r>
-              <a:rPr lang="en-US" sz="1400" dirty="0"/>
-              <a:t>) in </a:t>
-            </a:r>
-            <a:r>
-              <a:rPr lang="en-US" sz="1400" dirty="0" err="1"/>
-              <a:t>jih</a:t>
-            </a:r>
-            <a:r>
-              <a:rPr lang="en-US" sz="1400" dirty="0"/>
-              <a:t> </a:t>
-            </a:r>
-            <a:r>
-              <a:rPr lang="en-US" sz="1400" dirty="0" err="1"/>
-              <a:t>razdelile</a:t>
-            </a:r>
-            <a:r>
-              <a:rPr lang="en-US" sz="1400" dirty="0"/>
-              <a:t> </a:t>
-            </a:r>
-            <a:r>
-              <a:rPr lang="en-US" sz="1400" dirty="0" err="1"/>
-              <a:t>na</a:t>
-            </a:r>
-            <a:r>
-              <a:rPr lang="en-US" sz="1400" dirty="0"/>
-              <a:t> </a:t>
-            </a:r>
-            <a:r>
-              <a:rPr lang="en-US" sz="1400" dirty="0" err="1"/>
-              <a:t>dva</a:t>
-            </a:r>
-            <a:r>
-              <a:rPr lang="en-US" sz="1400" dirty="0"/>
-              <a:t> </a:t>
-            </a:r>
-            <a:r>
-              <a:rPr lang="en-US" sz="1400" dirty="0" err="1"/>
-              <a:t>sklopa</a:t>
-            </a:r>
-            <a:r>
-              <a:rPr lang="en-US" sz="1400" dirty="0"/>
-              <a:t> (</a:t>
-            </a:r>
-            <a:r>
-              <a:rPr lang="en-US" sz="1400" dirty="0" err="1"/>
-              <a:t>starostne</a:t>
-            </a:r>
-            <a:r>
-              <a:rPr lang="en-US" sz="1400" dirty="0"/>
-              <a:t> </a:t>
-            </a:r>
-            <a:r>
-              <a:rPr lang="en-US" sz="1400" dirty="0" err="1"/>
-              <a:t>skupine</a:t>
-            </a:r>
-            <a:r>
-              <a:rPr lang="en-US" sz="1400" dirty="0"/>
-              <a:t>, </a:t>
-            </a:r>
-            <a:r>
-              <a:rPr lang="en-US" sz="1400" dirty="0" err="1"/>
-              <a:t>regije</a:t>
-            </a:r>
-            <a:r>
-              <a:rPr lang="en-US" sz="1400" dirty="0"/>
-              <a:t>)</a:t>
-            </a:r>
-          </a:p>
-          <a:p>
-            <a:r>
-              <a:rPr lang="en-US" sz="1400" dirty="0" err="1"/>
-              <a:t>Metode</a:t>
-            </a:r>
-            <a:r>
-              <a:rPr lang="en-US" sz="1400" dirty="0"/>
-              <a:t> </a:t>
-            </a:r>
-            <a:r>
-              <a:rPr lang="en-US" sz="1400" dirty="0" err="1"/>
-              <a:t>vizualizacije</a:t>
-            </a:r>
-            <a:r>
-              <a:rPr lang="en-US" sz="1400" dirty="0"/>
-              <a:t>: </a:t>
+              <a:rPr lang="sl-SI" sz="1400" b="1" noProof="0" dirty="0"/>
+              <a:t>Stolpični graf </a:t>
+            </a:r>
+            <a:r>
+              <a:rPr lang="sl-SI" sz="1400" noProof="0" dirty="0"/>
+              <a:t>za starostne skupine (za vsako leto seštevek delovno aktivnih po starostnih regijah – vsako leto ima svojo bravo) </a:t>
             </a:r>
           </a:p>
           <a:p>
@@ -5543,128 +4070,12 @@
               <a:buNone/>
             </a:pPr>
             <a:r>
-              <a:rPr lang="en-US" sz="1400" b="1" dirty="0" err="1"/>
-              <a:t>Stolpični</a:t>
-            </a:r>
-            <a:r>
-              <a:rPr lang="en-US" sz="1400" b="1" dirty="0"/>
-              <a:t> </a:t>
-            </a:r>
-            <a:r>
-              <a:rPr lang="en-US" sz="1400" b="1" dirty="0" err="1"/>
-              <a:t>graf</a:t>
-            </a:r>
-            <a:r>
-              <a:rPr lang="en-US" sz="1400" b="1" dirty="0"/>
-              <a:t> </a:t>
-            </a:r>
-            <a:r>
-              <a:rPr lang="en-US" sz="1400" dirty="0"/>
-              <a:t>za </a:t>
-            </a:r>
-            <a:r>
-              <a:rPr lang="en-US" sz="1400" dirty="0" err="1"/>
-              <a:t>starostne</a:t>
-            </a:r>
-            <a:r>
-              <a:rPr lang="en-US" sz="1400" dirty="0"/>
-              <a:t> </a:t>
-            </a:r>
-            <a:r>
-              <a:rPr lang="en-US" sz="1400" dirty="0" err="1"/>
-              <a:t>skupine</a:t>
-            </a:r>
-            <a:r>
-              <a:rPr lang="en-US" sz="1400" dirty="0"/>
-              <a:t> (za </a:t>
-            </a:r>
-            <a:r>
-              <a:rPr lang="en-US" sz="1400" dirty="0" err="1"/>
-              <a:t>vsako</a:t>
-            </a:r>
-            <a:r>
-              <a:rPr lang="en-US" sz="1400" dirty="0"/>
-              <a:t> </a:t>
-            </a:r>
-            <a:r>
-              <a:rPr lang="en-US" sz="1400" dirty="0" err="1"/>
-              <a:t>leto</a:t>
-            </a:r>
-            <a:r>
-              <a:rPr lang="en-US" sz="1400" dirty="0"/>
-              <a:t> </a:t>
-            </a:r>
-            <a:r>
-              <a:rPr lang="en-US" sz="1400" dirty="0" err="1"/>
-              <a:t>seštevek</a:t>
-            </a:r>
-            <a:r>
-              <a:rPr lang="en-US" sz="1400" dirty="0"/>
-              <a:t> </a:t>
-            </a:r>
-            <a:r>
-              <a:rPr lang="en-US" sz="1400" dirty="0" err="1"/>
-              <a:t>delovno</a:t>
-            </a:r>
-            <a:r>
-              <a:rPr lang="en-US" sz="1400" dirty="0"/>
-              <a:t> </a:t>
-            </a:r>
-            <a:r>
-              <a:rPr lang="en-US" sz="1400" dirty="0" err="1"/>
-              <a:t>aktivnih</a:t>
-            </a:r>
-            <a:r>
-              <a:rPr lang="en-US" sz="1400" dirty="0"/>
-              <a:t> po </a:t>
-            </a:r>
-            <a:r>
-              <a:rPr lang="en-US" sz="1400" dirty="0" err="1"/>
-              <a:t>starostnih</a:t>
-            </a:r>
-            <a:r>
-              <a:rPr lang="en-US" sz="1400" dirty="0"/>
-              <a:t> </a:t>
-            </a:r>
-            <a:r>
-              <a:rPr lang="en-US" sz="1400" dirty="0" err="1"/>
-              <a:t>regijah</a:t>
-            </a:r>
-            <a:r>
-              <a:rPr lang="en-US" sz="1400" dirty="0"/>
-              <a:t> – </a:t>
-            </a:r>
-            <a:r>
-              <a:rPr lang="en-US" sz="1400" dirty="0" err="1"/>
-              <a:t>vsako</a:t>
-            </a:r>
-            <a:r>
-              <a:rPr lang="en-US" sz="1400" dirty="0"/>
-              <a:t> </a:t>
-            </a:r>
-            <a:r>
-              <a:rPr lang="en-US" sz="1400" dirty="0" err="1"/>
-              <a:t>leto</a:t>
-            </a:r>
-            <a:r>
-              <a:rPr lang="en-US" sz="1400" dirty="0"/>
-              <a:t> </a:t>
-            </a:r>
-            <a:r>
-              <a:rPr lang="en-US" sz="1400" dirty="0" err="1"/>
-              <a:t>ima</a:t>
-            </a:r>
-            <a:r>
-              <a:rPr lang="en-US" sz="1400" dirty="0"/>
-              <a:t> </a:t>
-            </a:r>
-            <a:r>
-              <a:rPr lang="en-US" sz="1400" dirty="0" err="1"/>
-              <a:t>svojo</a:t>
-            </a:r>
-            <a:r>
-              <a:rPr lang="en-US" sz="1400" dirty="0"/>
-              <a:t> bravo) </a:t>
+              <a:rPr lang="sl-SI" sz="1400" b="1" noProof="0" dirty="0"/>
+              <a:t>Linijski graf</a:t>
+            </a:r>
+            <a:r>
+              <a:rPr lang="sl-SI" sz="1400" noProof="0" dirty="0"/>
+              <a:t> – spremembe po letih za število prebivalcev </a:t>
             </a:r>
           </a:p>
           <a:p>
@@ -5672,163 +4083,14 @@
               <a:buNone/>
             </a:pPr>
             <a:r>
-              <a:rPr lang="en-US" sz="1400" b="1" dirty="0" err="1"/>
-              <a:t>Linijski</a:t>
-            </a:r>
-            <a:r>
-              <a:rPr lang="en-US" sz="1400" b="1" dirty="0"/>
-              <a:t> </a:t>
-            </a:r>
-            <a:r>
-              <a:rPr lang="en-US" sz="1400" b="1" dirty="0" err="1"/>
-              <a:t>graf</a:t>
-            </a:r>
-            <a:r>
-              <a:rPr lang="en-US" sz="1400" dirty="0"/>
-              <a:t> – </a:t>
-            </a:r>
-            <a:r>
-              <a:rPr lang="en-US" sz="1400" dirty="0" err="1"/>
-              <a:t>spremembe</a:t>
-            </a:r>
-            <a:r>
-              <a:rPr lang="en-US" sz="1400" dirty="0"/>
-              <a:t> po </a:t>
-            </a:r>
-            <a:r>
-              <a:rPr lang="en-US" sz="1400" dirty="0" err="1"/>
-              <a:t>letih</a:t>
-            </a:r>
-            <a:r>
-              <a:rPr lang="en-US" sz="1400" dirty="0"/>
-              <a:t> za </a:t>
-            </a:r>
-            <a:r>
-              <a:rPr lang="en-US" sz="1400" dirty="0" err="1"/>
-              <a:t>število</a:t>
-            </a:r>
-            <a:r>
-              <a:rPr lang="en-US" sz="1400" dirty="0"/>
-              <a:t> </a:t>
-            </a:r>
-            <a:r>
-              <a:rPr lang="en-US" sz="1400" dirty="0" err="1"/>
-              <a:t>prebivalcev</a:t>
-            </a:r>
-            <a:r>
-              <a:rPr lang="en-US" sz="1400" dirty="0"/>
-              <a:t> </a:t>
-            </a:r>
-          </a:p>
-          <a:p>
-            <a:pPr marL="0" indent="0">
-              <a:buNone/>
-            </a:pPr>
-            <a:r>
-              <a:rPr lang="en-US" sz="1400" b="1" dirty="0" err="1"/>
-              <a:t>Stolpični</a:t>
-            </a:r>
-            <a:r>
-              <a:rPr lang="en-US" sz="1400" b="1" dirty="0"/>
-              <a:t> </a:t>
-            </a:r>
-            <a:r>
-              <a:rPr lang="en-US" sz="1400" b="1" dirty="0" err="1"/>
-              <a:t>graf</a:t>
-            </a:r>
-            <a:r>
-              <a:rPr lang="en-US" sz="1400" b="1" dirty="0"/>
-              <a:t> po </a:t>
-            </a:r>
-            <a:r>
-              <a:rPr lang="en-US" sz="1400" b="1" dirty="0" err="1"/>
-              <a:t>regijah</a:t>
-            </a:r>
-            <a:r>
-              <a:rPr lang="en-US" sz="1400" b="1" dirty="0"/>
-              <a:t>: </a:t>
-            </a:r>
-            <a:r>
-              <a:rPr lang="en-US" sz="1400" dirty="0" err="1"/>
-              <a:t>iz</a:t>
-            </a:r>
-            <a:r>
-              <a:rPr lang="en-US" sz="1400" dirty="0"/>
-              <a:t> </a:t>
-            </a:r>
-            <a:r>
-              <a:rPr lang="en-US" sz="1400" dirty="0" err="1"/>
-              <a:t>podatkov</a:t>
-            </a:r>
-            <a:r>
-              <a:rPr lang="en-US" sz="1400" dirty="0"/>
-              <a:t> </a:t>
-            </a:r>
-            <a:r>
-              <a:rPr lang="en-US" sz="1400" dirty="0" err="1"/>
-              <a:t>smo</a:t>
-            </a:r>
-            <a:r>
-              <a:rPr lang="en-US" sz="1400" dirty="0"/>
-              <a:t> </a:t>
-            </a:r>
-            <a:r>
-              <a:rPr lang="en-US" sz="1400" dirty="0" err="1"/>
-              <a:t>prikazale</a:t>
-            </a:r>
-            <a:r>
-              <a:rPr lang="en-US" sz="1400" dirty="0"/>
-              <a:t> </a:t>
-            </a:r>
-            <a:r>
-              <a:rPr lang="en-US" sz="1400" dirty="0" err="1"/>
-              <a:t>število</a:t>
-            </a:r>
-            <a:r>
-              <a:rPr lang="en-US" sz="1400" dirty="0"/>
-              <a:t> </a:t>
-            </a:r>
-            <a:r>
-              <a:rPr lang="en-US" sz="1400" dirty="0" err="1"/>
-              <a:t>zaposlenih</a:t>
-            </a:r>
-            <a:r>
-              <a:rPr lang="en-US" sz="1400" dirty="0"/>
-              <a:t> po </a:t>
-            </a:r>
-            <a:r>
-              <a:rPr lang="en-US" sz="1400" dirty="0" err="1"/>
-              <a:t>posameznih</a:t>
-            </a:r>
-            <a:r>
-              <a:rPr lang="en-US" sz="1400" dirty="0"/>
-              <a:t> </a:t>
-            </a:r>
-            <a:r>
-              <a:rPr lang="en-US" sz="1400" dirty="0" err="1"/>
-              <a:t>regijah</a:t>
-            </a:r>
-            <a:r>
-              <a:rPr lang="en-US" sz="1400" dirty="0"/>
-              <a:t> s </a:t>
-            </a:r>
-            <a:r>
-              <a:rPr lang="en-US" sz="1400" dirty="0" err="1"/>
-              <a:t>primerjavo</a:t>
-            </a:r>
-            <a:r>
-              <a:rPr lang="en-US" sz="1400" dirty="0"/>
-              <a:t> po </a:t>
-            </a:r>
-            <a:r>
-              <a:rPr lang="en-US" sz="1400" dirty="0" err="1"/>
-              <a:t>letih</a:t>
-            </a:r>
-            <a:r>
-              <a:rPr lang="en-US" sz="1400" dirty="0"/>
-              <a:t>.</a:t>
-            </a:r>
-            <a:endParaRPr lang="en-US" sz="1400" b="1" dirty="0"/>
+              <a:rPr lang="sl-SI" sz="1400" b="1" noProof="0" dirty="0"/>
+              <a:t>Stolpični graf po regijah: </a:t>
+            </a:r>
+            <a:r>
+              <a:rPr lang="sl-SI" sz="1400" noProof="0" dirty="0"/>
+              <a:t>iz podatkov smo prikazale število zaposlenih po posameznih regijah s primerjavo po letih.</a:t>
+            </a:r>
+            <a:endParaRPr lang="sl-SI" sz="1400" b="1" noProof="0" dirty="0"/>
           </a:p>
         </p:txBody>
       </p:sp>
@@ -5856,8 +4118,8 @@
         </p:blipFill>
         <p:spPr>
           <a:xfrm>
-            <a:off x="4519112" y="589356"/>
-            <a:ext cx="2204289" cy="1324881"/>
+            <a:off x="4710202" y="686990"/>
+            <a:ext cx="2036671" cy="1224135"/>
           </a:xfrm>
           <a:ln>
             <a:noFill/>
@@ -5886,10 +4148,10 @@
           <a:lstStyle/>
           <a:p>
             <a:fld id="{03BC8BC1-971C-5C4D-898D-87CE7EF1EB36}" type="slidenum">
-              <a:rPr lang="en-US" smtClean="0"/>
+              <a:rPr lang="sl-SI" noProof="0" smtClean="0"/>
               <a:t>2</a:t>
             </a:fld>
-            <a:endParaRPr lang="en-US"/>
+            <a:endParaRPr lang="sl-SI" noProof="0" dirty="0"/>
           </a:p>
         </p:txBody>
       </p:sp>
@@ -6092,34 +4354,9 @@
               <a:buNone/>
             </a:pPr>
             <a:r>
-              <a:rPr lang="en-US" sz="1600" b="1" dirty="0" err="1"/>
-              <a:t>Podroben</a:t>
-            </a:r>
-            <a:r>
-              <a:rPr lang="en-US" sz="1600" b="1" dirty="0"/>
-              <a:t> </a:t>
-            </a:r>
-            <a:r>
-              <a:rPr lang="en-US" sz="1600" b="1" dirty="0" err="1"/>
-              <a:t>opis</a:t>
-            </a:r>
-            <a:r>
-              <a:rPr lang="en-US" sz="1600" b="1" dirty="0"/>
-              <a:t> </a:t>
-            </a:r>
-            <a:r>
-              <a:rPr lang="en-US" sz="1600" b="1" dirty="0" err="1"/>
-              <a:t>ciljev</a:t>
-            </a:r>
-            <a:r>
-              <a:rPr lang="en-US" sz="1600" b="1" dirty="0"/>
-              <a:t> in </a:t>
-            </a:r>
-            <a:r>
-              <a:rPr lang="en-US" sz="1600" b="1" dirty="0" err="1"/>
-              <a:t>metod</a:t>
-            </a:r>
-            <a:endParaRPr lang="en-US" sz="1600" b="1" dirty="0"/>
+              <a:rPr lang="sl-SI" sz="1600" b="1" noProof="0" dirty="0"/>
+              <a:t>Podroben opis ciljev in metod</a:t>
+            </a:r>
           </a:p>
         </p:txBody>
       </p:sp>
@@ -6139,7 +4376,7 @@
         </p:nvSpPr>
         <p:spPr>
           <a:xfrm>
-            <a:off x="4572000" y="720327"/>
+            <a:off x="4579749" y="720327"/>
             <a:ext cx="4436828" cy="3040640"/>
           </a:xfrm>
           <a:prstGeom prst="rect">
@@ -6317,7 +4554,7 @@
               <a:buFont typeface="Arial" panose="020B0604020202020204" pitchFamily="34" charset="0"/>
               <a:buNone/>
             </a:pPr>
-            <a:endParaRPr lang="en-US" sz="1600" dirty="0"/>
+            <a:endParaRPr lang="sl-SI" sz="1600" noProof="0" dirty="0"/>
           </a:p>
         </p:txBody>
       </p:sp>
@@ -6521,42 +4758,9 @@
               <a:buNone/>
             </a:pPr>
             <a:r>
-              <a:rPr lang="en-US" sz="1600" b="1" dirty="0" err="1"/>
-              <a:t>Rezultati</a:t>
-            </a:r>
-            <a:r>
-              <a:rPr lang="en-US" sz="1600" b="1" dirty="0"/>
-              <a:t>/</a:t>
-            </a:r>
-            <a:r>
-              <a:rPr lang="en-US" sz="1600" b="1" dirty="0" err="1"/>
-              <a:t>dosedanje</a:t>
-            </a:r>
-            <a:r>
-              <a:rPr lang="en-US" sz="1600" b="1" dirty="0"/>
-              <a:t> </a:t>
-            </a:r>
-            <a:r>
-              <a:rPr lang="en-US" sz="1600" b="1" dirty="0" err="1"/>
-              <a:t>ugotovitve</a:t>
-            </a:r>
-            <a:r>
-              <a:rPr lang="en-US" sz="1600" b="1" dirty="0"/>
-              <a:t>/</a:t>
-            </a:r>
-            <a:r>
-              <a:rPr lang="en-US" sz="1600" b="1" dirty="0" err="1"/>
-              <a:t>odprta</a:t>
-            </a:r>
-            <a:r>
-              <a:rPr lang="en-US" sz="1600" b="1" dirty="0"/>
-              <a:t> </a:t>
-            </a:r>
-            <a:r>
-              <a:rPr lang="en-US" sz="1600" b="1" dirty="0" err="1"/>
-              <a:t>vprašanja</a:t>
-            </a:r>
-            <a:endParaRPr lang="en-US" sz="1600" b="1" dirty="0"/>
+              <a:rPr lang="sl-SI" sz="1600" b="1" noProof="0" dirty="0"/>
+              <a:t>Rezultati/dosedanje ugotovitve/odprta vprašanja</a:t>
+            </a:r>
           </a:p>
         </p:txBody>
       </p:sp>
@@ -6587,7 +4791,7 @@
           <a:lstStyle/>
           <a:p>
             <a:r>
-              <a:rPr lang="en-US" dirty="0"/>
+              <a:rPr lang="sl-SI" noProof="0" dirty="0"/>
               <a:t>17. 4. 2025</a:t>
             </a:r>
           </a:p>
@@ -6620,31 +4824,18 @@
           <a:lstStyle/>
           <a:p>
             <a:r>
-              <a:rPr lang="en-US" dirty="0"/>
-              <a:t>PR24-25, </a:t>
-            </a:r>
-            <a:r>
-              <a:rPr lang="en-US" dirty="0" err="1"/>
-              <a:t>Vmesna</a:t>
-            </a:r>
-            <a:r>
-              <a:rPr lang="en-US" dirty="0"/>
-              <a:t> </a:t>
-            </a:r>
-            <a:r>
-              <a:rPr lang="en-US" dirty="0" err="1"/>
-              <a:t>predstavitev</a:t>
-            </a:r>
-            <a:endParaRPr lang="en-US" dirty="0"/>
+              <a:rPr lang="sl-SI" noProof="0" dirty="0"/>
+              <a:t>PR24-25, Vmesna predstavitev</a:t>
+            </a:r>
           </a:p>
         </p:txBody>
       </p:sp>
       <p:pic>
         <p:nvPicPr>
-          <p:cNvPr id="6" name="Picture 5" descr="A close-up of a graph&#10;&#10;Description automatically generated">
+          <p:cNvPr id="5" name="Slika 4">
             <a:extLst>
               <a:ext uri="{FF2B5EF4-FFF2-40B4-BE49-F238E27FC236}">
-                <a16:creationId xmlns:a16="http://schemas.microsoft.com/office/drawing/2014/main" id="{11AA032C-0384-1754-2868-28484A1FF694}"/>
+                <a16:creationId xmlns:a16="http://schemas.microsoft.com/office/drawing/2014/main" id="{FC3A2BF0-E972-0838-C1F4-20F7B474D21C}"/>
               </a:ext>
             </a:extLst>
           </p:cNvPr>
@@ -6661,8 +4852,8 @@
         </p:blipFill>
         <p:spPr>
           <a:xfrm>
-            <a:off x="4552488" y="1849302"/>
-            <a:ext cx="4585300" cy="1617797"/>
+            <a:off x="6960878" y="974281"/>
+            <a:ext cx="1886417" cy="882429"/>
           </a:xfrm>
           <a:prstGeom prst="rect">
             <a:avLst/>
@@ -6671,10 +4862,10 @@
       </p:pic>
       <p:pic>
         <p:nvPicPr>
-          <p:cNvPr id="10" name="Picture 9" descr="A graph with red and blue bars&#10;&#10;Description automatically generated">
+          <p:cNvPr id="14" name="Slika 13">
             <a:extLst>
               <a:ext uri="{FF2B5EF4-FFF2-40B4-BE49-F238E27FC236}">
-                <a16:creationId xmlns:a16="http://schemas.microsoft.com/office/drawing/2014/main" id="{F633507E-BF16-D8B8-D359-1B4307489F63}"/>
+                <a16:creationId xmlns:a16="http://schemas.microsoft.com/office/drawing/2014/main" id="{A159782E-250A-D9E2-B599-1E578967151C}"/>
               </a:ext>
             </a:extLst>
           </p:cNvPr>
@@ -6685,44 +4876,13 @@
         </p:nvPicPr>
         <p:blipFill>
           <a:blip r:embed="rId4"/>
-          <a:stretch>
-            <a:fillRect/>
-          </a:stretch>
+          <a:srcRect r="45482"/>
+          <a:stretch/>
         </p:blipFill>
         <p:spPr>
           <a:xfrm>
-            <a:off x="4615809" y="3667120"/>
-            <a:ext cx="2204289" cy="1059925"/>
-          </a:xfrm>
-          <a:prstGeom prst="rect">
-            <a:avLst/>
-          </a:prstGeom>
-        </p:spPr>
-      </p:pic>
-      <p:pic>
-        <p:nvPicPr>
-          <p:cNvPr id="15" name="Picture 14" descr="A graph of different colored bars&#10;&#10;Description automatically generated">
-            <a:extLst>
-              <a:ext uri="{FF2B5EF4-FFF2-40B4-BE49-F238E27FC236}">
-                <a16:creationId xmlns:a16="http://schemas.microsoft.com/office/drawing/2014/main" id="{5A308AF1-1CC8-EA69-F6A6-74D216BD3188}"/>
-              </a:ext>
-            </a:extLst>
-          </p:cNvPr>
-          <p:cNvPicPr>
-            <a:picLocks noChangeAspect="1"/>
-          </p:cNvPicPr>
-          <p:nvPr/>
-        </p:nvPicPr>
-        <p:blipFill>
-          <a:blip r:embed="rId5"/>
-          <a:stretch>
-            <a:fillRect/>
-          </a:stretch>
-        </p:blipFill>
-        <p:spPr>
-          <a:xfrm>
-            <a:off x="6762745" y="3707387"/>
-            <a:ext cx="2315616" cy="1113456"/>
+            <a:off x="4683461" y="2035937"/>
+            <a:ext cx="4183777" cy="2697989"/>
           </a:xfrm>
           <a:prstGeom prst="rect">
             <a:avLst/>
@@ -6782,7 +4942,9 @@
           </a:xfrm>
           <a:ln>
             <a:solidFill>
-              <a:schemeClr val="tx1"/>
+              <a:schemeClr val="bg1">
+                <a:lumMod val="65000"/>
+              </a:schemeClr>
             </a:solidFill>
           </a:ln>
         </p:spPr>
@@ -6796,385 +4958,45 @@
               <a:buNone/>
             </a:pPr>
             <a:r>
-              <a:rPr lang="en-US" sz="1600" dirty="0"/>
+              <a:rPr lang="sl-SI" sz="1600" noProof="0" dirty="0"/>
               <a:t>UGOTOVITVE:</a:t>
             </a:r>
           </a:p>
           <a:p>
             <a:r>
-              <a:rPr lang="en-US" sz="1200" dirty="0" err="1"/>
-              <a:t>Število</a:t>
-            </a:r>
-            <a:r>
-              <a:rPr lang="en-US" sz="1200" dirty="0"/>
-              <a:t> </a:t>
-            </a:r>
-            <a:r>
-              <a:rPr lang="en-US" sz="1200" dirty="0" err="1"/>
-              <a:t>delovnega</a:t>
-            </a:r>
-            <a:r>
-              <a:rPr lang="en-US" sz="1200" dirty="0"/>
-              <a:t> </a:t>
-            </a:r>
-            <a:r>
-              <a:rPr lang="en-US" sz="1200" dirty="0" err="1"/>
-              <a:t>prebivalsrva</a:t>
-            </a:r>
-            <a:r>
-              <a:rPr lang="en-US" sz="1200" dirty="0"/>
-              <a:t> se v </a:t>
-            </a:r>
-            <a:r>
-              <a:rPr lang="en-US" sz="1200" dirty="0" err="1"/>
-              <a:t>Sloveniji</a:t>
-            </a:r>
-            <a:r>
-              <a:rPr lang="en-US" sz="1200" dirty="0"/>
-              <a:t> </a:t>
-            </a:r>
-            <a:r>
-              <a:rPr lang="en-US" sz="1200" dirty="0" err="1"/>
-              <a:t>počasi</a:t>
-            </a:r>
-            <a:r>
-              <a:rPr lang="en-US" sz="1200" dirty="0"/>
-              <a:t> </a:t>
-            </a:r>
-            <a:r>
-              <a:rPr lang="en-US" sz="1200" dirty="0" err="1"/>
-              <a:t>povečuje</a:t>
-            </a:r>
-            <a:endParaRPr lang="en-US" sz="1200" dirty="0"/>
-          </a:p>
-          <a:p>
-            <a:r>
-              <a:rPr lang="en-US" sz="1200" dirty="0"/>
-              <a:t>Glede </a:t>
-            </a:r>
-            <a:r>
-              <a:rPr lang="en-US" sz="1200" dirty="0" err="1"/>
-              <a:t>na</a:t>
-            </a:r>
-            <a:r>
-              <a:rPr lang="en-US" sz="1200" dirty="0"/>
-              <a:t> starost je </a:t>
-            </a:r>
-            <a:r>
-              <a:rPr lang="en-US" sz="1200" dirty="0" err="1"/>
-              <a:t>največ</a:t>
-            </a:r>
-            <a:r>
-              <a:rPr lang="en-US" sz="1200" dirty="0"/>
-              <a:t> </a:t>
-            </a:r>
-            <a:r>
-              <a:rPr lang="en-US" sz="1200" dirty="0" err="1"/>
-              <a:t>delovnega</a:t>
-            </a:r>
-            <a:r>
-              <a:rPr lang="en-US" sz="1200" dirty="0"/>
-              <a:t> </a:t>
-            </a:r>
-            <a:r>
-              <a:rPr lang="en-US" sz="1200" dirty="0" err="1"/>
-              <a:t>prebivalstva</a:t>
-            </a:r>
-            <a:r>
-              <a:rPr lang="en-US" sz="1200" dirty="0"/>
-              <a:t> v </a:t>
-            </a:r>
-            <a:r>
-              <a:rPr lang="en-US" sz="1200" dirty="0" err="1"/>
-              <a:t>starostnih</a:t>
-            </a:r>
-            <a:r>
-              <a:rPr lang="en-US" sz="1200" dirty="0"/>
-              <a:t> </a:t>
-            </a:r>
-            <a:r>
-              <a:rPr lang="en-US" sz="1200" dirty="0" err="1"/>
-              <a:t>skupinah</a:t>
-            </a:r>
-            <a:r>
-              <a:rPr lang="en-US" sz="1200" dirty="0"/>
-              <a:t> med 35-54</a:t>
-            </a:r>
-          </a:p>
-          <a:p>
-            <a:r>
-              <a:rPr lang="en-US" sz="1200" dirty="0" err="1"/>
-              <a:t>Močen</a:t>
-            </a:r>
-            <a:r>
-              <a:rPr lang="en-US" sz="1200" dirty="0"/>
-              <a:t> </a:t>
-            </a:r>
-            <a:r>
-              <a:rPr lang="en-US" sz="1200" dirty="0" err="1"/>
-              <a:t>porast</a:t>
-            </a:r>
-            <a:r>
-              <a:rPr lang="en-US" sz="1200" dirty="0"/>
-              <a:t> </a:t>
-            </a:r>
-            <a:r>
-              <a:rPr lang="en-US" sz="1200" dirty="0" err="1"/>
-              <a:t>števila</a:t>
-            </a:r>
-            <a:r>
-              <a:rPr lang="en-US" sz="1200" dirty="0"/>
-              <a:t> </a:t>
-            </a:r>
-            <a:r>
-              <a:rPr lang="en-US" sz="1200" dirty="0" err="1"/>
-              <a:t>delovnega</a:t>
-            </a:r>
-            <a:r>
-              <a:rPr lang="en-US" sz="1200" dirty="0"/>
-              <a:t> </a:t>
-            </a:r>
-            <a:r>
-              <a:rPr lang="en-US" sz="1200" dirty="0" err="1"/>
-              <a:t>prebivalstva</a:t>
-            </a:r>
-            <a:r>
-              <a:rPr lang="en-US" sz="1200" dirty="0"/>
-              <a:t> v </a:t>
-            </a:r>
-            <a:r>
-              <a:rPr lang="en-US" sz="1200" dirty="0" err="1"/>
-              <a:t>starostnih</a:t>
-            </a:r>
-            <a:r>
-              <a:rPr lang="en-US" sz="1200" dirty="0"/>
-              <a:t> </a:t>
-            </a:r>
-            <a:r>
-              <a:rPr lang="en-US" sz="1200" dirty="0" err="1"/>
-              <a:t>skupinah</a:t>
-            </a:r>
-            <a:r>
-              <a:rPr lang="en-US" sz="1200" dirty="0"/>
-              <a:t> 55-59 in 60+</a:t>
-            </a:r>
-          </a:p>
-          <a:p>
-            <a:r>
-              <a:rPr lang="en-US" sz="1200" dirty="0" err="1"/>
-              <a:t>Precejšen</a:t>
-            </a:r>
-            <a:r>
-              <a:rPr lang="en-US" sz="1200" dirty="0"/>
-              <a:t> </a:t>
-            </a:r>
-            <a:r>
-              <a:rPr lang="en-US" sz="1200" dirty="0" err="1"/>
-              <a:t>padec</a:t>
-            </a:r>
-            <a:r>
-              <a:rPr lang="en-US" sz="1200" dirty="0"/>
-              <a:t> </a:t>
-            </a:r>
-            <a:r>
-              <a:rPr lang="en-US" sz="1200" dirty="0" err="1"/>
-              <a:t>števila</a:t>
-            </a:r>
-            <a:r>
-              <a:rPr lang="en-US" sz="1200" dirty="0"/>
-              <a:t> </a:t>
-            </a:r>
-            <a:r>
-              <a:rPr lang="en-US" sz="1200" dirty="0" err="1"/>
-              <a:t>delovnega</a:t>
-            </a:r>
-            <a:r>
-              <a:rPr lang="en-US" sz="1200" dirty="0"/>
-              <a:t> </a:t>
-            </a:r>
-            <a:r>
-              <a:rPr lang="en-US" sz="1200" dirty="0" err="1"/>
-              <a:t>prebivalstva</a:t>
-            </a:r>
-            <a:r>
-              <a:rPr lang="en-US" sz="1200" dirty="0"/>
-              <a:t> v </a:t>
-            </a:r>
-            <a:r>
-              <a:rPr lang="en-US" sz="1200" dirty="0" err="1"/>
-              <a:t>starostni</a:t>
-            </a:r>
-            <a:r>
-              <a:rPr lang="en-US" sz="1200" dirty="0"/>
-              <a:t> </a:t>
-            </a:r>
-            <a:r>
-              <a:rPr lang="en-US" sz="1200" dirty="0" err="1"/>
-              <a:t>skupini</a:t>
-            </a:r>
-            <a:r>
-              <a:rPr lang="en-US" sz="1200" dirty="0"/>
-              <a:t> 30-34</a:t>
-            </a:r>
-          </a:p>
-          <a:p>
-            <a:r>
-              <a:rPr lang="en-US" sz="1200" dirty="0"/>
-              <a:t>V </a:t>
-            </a:r>
-            <a:r>
-              <a:rPr lang="en-US" sz="1200" dirty="0" err="1"/>
-              <a:t>vseh</a:t>
-            </a:r>
-            <a:r>
-              <a:rPr lang="en-US" sz="1200" dirty="0"/>
-              <a:t> </a:t>
-            </a:r>
-            <a:r>
-              <a:rPr lang="en-US" sz="1200" dirty="0" err="1"/>
-              <a:t>regijah</a:t>
-            </a:r>
-            <a:r>
-              <a:rPr lang="en-US" sz="1200" dirty="0"/>
-              <a:t> se </a:t>
-            </a:r>
-            <a:r>
-              <a:rPr lang="en-US" sz="1200" dirty="0" err="1"/>
-              <a:t>količina</a:t>
-            </a:r>
-            <a:r>
-              <a:rPr lang="en-US" sz="1200" dirty="0"/>
-              <a:t> </a:t>
-            </a:r>
-            <a:r>
-              <a:rPr lang="en-US" sz="1200" dirty="0" err="1"/>
-              <a:t>delovnega</a:t>
-            </a:r>
-            <a:r>
-              <a:rPr lang="en-US" sz="1200" dirty="0"/>
-              <a:t> </a:t>
-            </a:r>
-            <a:r>
-              <a:rPr lang="en-US" sz="1200" dirty="0" err="1"/>
-              <a:t>prebivalstva</a:t>
-            </a:r>
-            <a:r>
-              <a:rPr lang="en-US" sz="1200" dirty="0"/>
-              <a:t> </a:t>
-            </a:r>
-            <a:r>
-              <a:rPr lang="en-US" sz="1200" dirty="0" err="1"/>
-              <a:t>spreminja</a:t>
-            </a:r>
-            <a:r>
-              <a:rPr lang="en-US" sz="1200" dirty="0"/>
-              <a:t> </a:t>
-            </a:r>
-            <a:r>
-              <a:rPr lang="en-US" sz="1200" dirty="0" err="1"/>
-              <a:t>podobno</a:t>
-            </a:r>
-            <a:r>
-              <a:rPr lang="en-US" sz="1200" dirty="0"/>
-              <a:t> – </a:t>
-            </a:r>
-            <a:r>
-              <a:rPr lang="en-US" sz="1200" dirty="0" err="1"/>
-              <a:t>najbolj</a:t>
-            </a:r>
-            <a:r>
-              <a:rPr lang="en-US" sz="1200" dirty="0"/>
-              <a:t> </a:t>
-            </a:r>
-            <a:r>
-              <a:rPr lang="en-US" sz="1200" dirty="0" err="1"/>
-              <a:t>izstopa</a:t>
-            </a:r>
-            <a:r>
-              <a:rPr lang="en-US" sz="1200" dirty="0"/>
-              <a:t> </a:t>
-            </a:r>
-            <a:r>
-              <a:rPr lang="en-US" sz="1200" dirty="0" err="1"/>
-              <a:t>osrednjeslovenska</a:t>
-            </a:r>
-            <a:r>
-              <a:rPr lang="en-US" sz="1200" dirty="0"/>
-              <a:t> </a:t>
-            </a:r>
-            <a:r>
-              <a:rPr lang="en-US" sz="1200" dirty="0" err="1"/>
-              <a:t>regija</a:t>
-            </a:r>
-            <a:r>
-              <a:rPr lang="en-US" sz="1200" dirty="0"/>
-              <a:t>, </a:t>
-            </a:r>
-            <a:r>
-              <a:rPr lang="en-US" sz="1200" dirty="0" err="1"/>
-              <a:t>kjer</a:t>
-            </a:r>
-            <a:r>
-              <a:rPr lang="en-US" sz="1200" dirty="0"/>
-              <a:t> </a:t>
-            </a:r>
-            <a:r>
-              <a:rPr lang="en-US" sz="1200" dirty="0" err="1"/>
-              <a:t>vidimo</a:t>
-            </a:r>
-            <a:r>
-              <a:rPr lang="en-US" sz="1200" dirty="0"/>
-              <a:t>, da </a:t>
-            </a:r>
-            <a:r>
-              <a:rPr lang="sl-SI" sz="1200" dirty="0"/>
-              <a:t>se</a:t>
-            </a:r>
-            <a:r>
-              <a:rPr lang="en-US" sz="1200" dirty="0"/>
-              <a:t> </a:t>
-            </a:r>
-            <a:r>
-              <a:rPr lang="en-US" sz="1200" dirty="0" err="1"/>
-              <a:t>števi</a:t>
-            </a:r>
-            <a:r>
-              <a:rPr lang="sl-SI" sz="1200" dirty="0" err="1"/>
-              <a:t>lo</a:t>
-            </a:r>
-            <a:r>
-              <a:rPr lang="en-US" sz="1200" dirty="0"/>
-              <a:t> </a:t>
-            </a:r>
-            <a:r>
-              <a:rPr lang="en-US" sz="1200" dirty="0" err="1"/>
-              <a:t>delovnega</a:t>
-            </a:r>
-            <a:r>
-              <a:rPr lang="en-US" sz="1200" dirty="0"/>
-              <a:t> </a:t>
-            </a:r>
-            <a:r>
-              <a:rPr lang="en-US" sz="1200" dirty="0" err="1"/>
-              <a:t>prebivalstva</a:t>
-            </a:r>
-            <a:r>
-              <a:rPr lang="en-US" sz="1200" dirty="0"/>
-              <a:t> z </a:t>
-            </a:r>
-            <a:r>
-              <a:rPr lang="en-US" sz="1200" dirty="0" err="1"/>
-              <a:t>leti</a:t>
-            </a:r>
-            <a:r>
-              <a:rPr lang="en-US" sz="1200" dirty="0"/>
-              <a:t> </a:t>
-            </a:r>
-            <a:r>
-              <a:rPr lang="sl-SI" sz="1200" dirty="0"/>
-              <a:t>viša</a:t>
-            </a:r>
-            <a:endParaRPr lang="en-US" sz="1200" dirty="0"/>
+              <a:rPr lang="sl-SI" sz="1200" noProof="0" dirty="0"/>
+              <a:t>Število delovnega prebivalstva se v Sloveniji počasi povečuje</a:t>
+            </a:r>
+          </a:p>
+          <a:p>
+            <a:r>
+              <a:rPr lang="sl-SI" sz="1200" noProof="0" dirty="0"/>
+              <a:t>Glede na starost je največ delovnega prebivalstva v starostnih skupinah med 35-54</a:t>
+            </a:r>
+          </a:p>
+          <a:p>
+            <a:r>
+              <a:rPr lang="sl-SI" sz="1200" noProof="0" dirty="0"/>
+              <a:t>Močen porast števila delovnega prebivalstva v starostnih skupinah 55-59 in 60+</a:t>
+            </a:r>
+          </a:p>
+          <a:p>
+            <a:r>
+              <a:rPr lang="sl-SI" sz="1200" noProof="0" dirty="0"/>
+              <a:t>Precejšen padec števila delovnega prebivalstva v starostni skupini 30-34</a:t>
+            </a:r>
+          </a:p>
+          <a:p>
+            <a:r>
+              <a:rPr lang="sl-SI" sz="1200" noProof="0" dirty="0"/>
+              <a:t>V vseh regijah se količina delovnega prebivalstva spreminja podobno – najbolj izstopa osrednjeslovenska regija</a:t>
+            </a:r>
+          </a:p>
+          <a:p>
+            <a:r>
+              <a:rPr lang="sl-SI" sz="1200" noProof="0" dirty="0"/>
+              <a:t>Povprečna starost se je iz leta 2010 do leta 2024 povečala iz 40.4 na 43.2</a:t>
+            </a:r>
           </a:p>
         </p:txBody>
       </p:sp>
@@ -7200,10 +5022,10 @@
           <a:lstStyle/>
           <a:p>
             <a:fld id="{03BC8BC1-971C-5C4D-898D-87CE7EF1EB36}" type="slidenum">
-              <a:rPr lang="en-US" smtClean="0"/>
+              <a:rPr lang="sl-SI" noProof="0" smtClean="0"/>
               <a:t>3</a:t>
             </a:fld>
-            <a:endParaRPr lang="en-US"/>
+            <a:endParaRPr lang="sl-SI" noProof="0" dirty="0"/>
           </a:p>
         </p:txBody>
       </p:sp>
@@ -7234,7 +5056,7 @@
           <a:lstStyle/>
           <a:p>
             <a:r>
-              <a:rPr lang="en-US" dirty="0"/>
+              <a:rPr lang="sl-SI" noProof="0" dirty="0"/>
               <a:t>17. 4. 2025</a:t>
             </a:r>
           </a:p>
@@ -7267,22 +5089,9 @@
           <a:lstStyle/>
           <a:p>
             <a:r>
-              <a:rPr lang="en-US" dirty="0"/>
-              <a:t>PR24-25, </a:t>
-            </a:r>
-            <a:r>
-              <a:rPr lang="en-US" dirty="0" err="1"/>
-              <a:t>Vmesna</a:t>
-            </a:r>
-            <a:r>
-              <a:rPr lang="en-US" dirty="0"/>
-              <a:t> </a:t>
-            </a:r>
-            <a:r>
-              <a:rPr lang="en-US" dirty="0" err="1"/>
-              <a:t>predstavitev</a:t>
-            </a:r>
-            <a:endParaRPr lang="en-US" dirty="0"/>
+              <a:rPr lang="sl-SI" noProof="0" dirty="0"/>
+              <a:t>PR24-25, Vmesna predstavitev</a:t>
+            </a:r>
           </a:p>
         </p:txBody>
       </p:sp>

--- a/PR2024-25_VMESNA_9.pptx
+++ b/PR2024-25_VMESNA_9.pptx
@@ -3579,6 +3579,11 @@
           </a:bodyPr>
           <a:lstStyle/>
           <a:p>
+            <a:pPr>
+              <a:lnSpc>
+                <a:spcPct val="100000"/>
+              </a:lnSpc>
+            </a:pPr>
             <a:r>
               <a:rPr lang="sl-SI" b="1" noProof="0" dirty="0"/>
               <a:t>Analiza delovno aktivnega prebivalstva in BDP Slovenije</a:t>
@@ -3622,6 +3627,9 @@
           <a:lstStyle/>
           <a:p>
             <a:pPr marL="0" indent="0">
+              <a:lnSpc>
+                <a:spcPct val="120000"/>
+              </a:lnSpc>
               <a:buNone/>
             </a:pPr>
             <a:r>
@@ -3631,36 +3639,29 @@
           </a:p>
           <a:p>
             <a:pPr>
+              <a:lnSpc>
+                <a:spcPct val="120000"/>
+              </a:lnSpc>
               <a:buFontTx/>
               <a:buChar char="-"/>
             </a:pPr>
             <a:r>
               <a:rPr lang="sl-SI" sz="1600" noProof="0" dirty="0"/>
-              <a:t>Viri podatkov: OPSI </a:t>
+              <a:t>Viri podatkov: </a:t>
             </a:r>
             <a:r>
               <a:rPr lang="sl-SI" sz="1600" noProof="0" dirty="0">
                 <a:hlinkClick r:id="rId2"/>
               </a:rPr>
-              <a:t>https://podatki.gov.si/dataset/surs0700992s</a:t>
-            </a:r>
-            <a:r>
-              <a:rPr lang="sl-SI" sz="1600" noProof="0" dirty="0"/>
-              <a:t>, </a:t>
-            </a:r>
-            <a:r>
-              <a:rPr lang="sl-SI" sz="1600" noProof="0" dirty="0">
-                <a:hlinkClick r:id="rId3"/>
-              </a:rPr>
-              <a:t>https://podatki.gov.si/dataset/surs0301935s?resource_id=8935a064-5888-4ab9-9066-0838f6f2743b</a:t>
-            </a:r>
-            <a:r>
-              <a:rPr lang="sl-SI" sz="1600" noProof="0" dirty="0"/>
-              <a:t> </a:t>
-            </a:r>
+              <a:t>OPSI</a:t>
+            </a:r>
+            <a:endParaRPr lang="sl-SI" sz="1600" noProof="0" dirty="0"/>
           </a:p>
           <a:p>
             <a:pPr>
+              <a:lnSpc>
+                <a:spcPct val="120000"/>
+              </a:lnSpc>
               <a:buFontTx/>
               <a:buChar char="-"/>
             </a:pPr>
@@ -3671,6 +3672,9 @@
           </a:p>
           <a:p>
             <a:pPr>
+              <a:lnSpc>
+                <a:spcPct val="120000"/>
+              </a:lnSpc>
               <a:buFontTx/>
               <a:buChar char="-"/>
             </a:pPr>
@@ -3681,6 +3685,9 @@
           </a:p>
           <a:p>
             <a:pPr>
+              <a:lnSpc>
+                <a:spcPct val="120000"/>
+              </a:lnSpc>
               <a:buFontTx/>
               <a:buChar char="-"/>
             </a:pPr>
@@ -3691,6 +3698,9 @@
           </a:p>
           <a:p>
             <a:pPr marL="0" indent="0">
+              <a:lnSpc>
+                <a:spcPct val="120000"/>
+              </a:lnSpc>
               <a:buNone/>
             </a:pPr>
             <a:r>
@@ -3700,11 +3710,14 @@
           </a:p>
           <a:p>
             <a:pPr marL="0" indent="0">
+              <a:lnSpc>
+                <a:spcPct val="120000"/>
+              </a:lnSpc>
               <a:buNone/>
             </a:pPr>
             <a:r>
               <a:rPr lang="sl-SI" sz="1600" noProof="0" dirty="0"/>
-              <a:t>	</a:t>
+              <a:t>	BDP [ </a:t>
             </a:r>
             <a:r>
               <a:rPr lang="sl-SI" sz="1600" noProof="0" dirty="0" err="1"/>
@@ -3712,11 +3725,14 @@
             </a:r>
             <a:r>
               <a:rPr lang="sl-SI" sz="1600" noProof="0" dirty="0"/>
-              <a:t> struktura BDP[transakcije (končna potrošnja gospodinjstev, izvoz blaga, 	investicije, 	izvoz, …), meritve (tekoče cene, stalne cene, % od BDP, …), leto (od 1995 do 2024, 	po en zapis za vsako leto)]</a:t>
+              <a:t> struktura BDP , leto]</a:t>
             </a:r>
           </a:p>
           <a:p>
             <a:pPr>
+              <a:lnSpc>
+                <a:spcPct val="120000"/>
+              </a:lnSpc>
               <a:buFontTx/>
               <a:buChar char="-"/>
             </a:pPr>
@@ -3727,6 +3743,9 @@
           </a:p>
           <a:p>
             <a:pPr>
+              <a:lnSpc>
+                <a:spcPct val="120000"/>
+              </a:lnSpc>
               <a:buFontTx/>
               <a:buChar char="-"/>
             </a:pPr>
@@ -3737,6 +3756,9 @@
           </a:p>
           <a:p>
             <a:pPr>
+              <a:lnSpc>
+                <a:spcPct val="120000"/>
+              </a:lnSpc>
               <a:buFontTx/>
               <a:buChar char="-"/>
             </a:pPr>
@@ -3744,6 +3766,9 @@
           </a:p>
           <a:p>
             <a:pPr marL="0" indent="0">
+              <a:lnSpc>
+                <a:spcPct val="120000"/>
+              </a:lnSpc>
               <a:buNone/>
             </a:pPr>
             <a:r>
@@ -3753,6 +3778,9 @@
           </a:p>
           <a:p>
             <a:pPr>
+              <a:lnSpc>
+                <a:spcPct val="120000"/>
+              </a:lnSpc>
               <a:buFontTx/>
               <a:buChar char="-"/>
             </a:pPr>
@@ -3763,6 +3791,9 @@
           </a:p>
           <a:p>
             <a:pPr>
+              <a:lnSpc>
+                <a:spcPct val="120000"/>
+              </a:lnSpc>
               <a:buFontTx/>
               <a:buChar char="-"/>
             </a:pPr>
@@ -3773,6 +3804,9 @@
           </a:p>
           <a:p>
             <a:pPr>
+              <a:lnSpc>
+                <a:spcPct val="120000"/>
+              </a:lnSpc>
               <a:buFontTx/>
               <a:buChar char="-"/>
             </a:pPr>
@@ -3816,24 +3850,44 @@
           <a:bodyPr/>
           <a:lstStyle/>
           <a:p>
+            <a:pPr>
+              <a:lnSpc>
+                <a:spcPct val="100000"/>
+              </a:lnSpc>
+            </a:pPr>
             <a:r>
               <a:rPr lang="sl-SI" noProof="0" dirty="0"/>
               <a:t>- Nika Demšar  </a:t>
             </a:r>
           </a:p>
           <a:p>
+            <a:pPr>
+              <a:lnSpc>
+                <a:spcPct val="100000"/>
+              </a:lnSpc>
+            </a:pPr>
             <a:r>
               <a:rPr lang="sl-SI" noProof="0" dirty="0"/>
               <a:t>- Urška Frelih Uhelj  </a:t>
             </a:r>
           </a:p>
           <a:p>
+            <a:pPr>
+              <a:lnSpc>
+                <a:spcPct val="100000"/>
+              </a:lnSpc>
+            </a:pPr>
             <a:r>
               <a:rPr lang="sl-SI" noProof="0" dirty="0"/>
               <a:t>- Anja Klančar  </a:t>
             </a:r>
           </a:p>
           <a:p>
+            <a:pPr>
+              <a:lnSpc>
+                <a:spcPct val="100000"/>
+              </a:lnSpc>
+            </a:pPr>
             <a:r>
               <a:rPr lang="sl-SI" noProof="0" dirty="0"/>
               <a:t>- Eva Müller </a:t>
@@ -3992,11 +4046,14 @@
         </p:spPr>
         <p:txBody>
           <a:bodyPr>
-            <a:normAutofit fontScale="92500" lnSpcReduction="20000"/>
+            <a:normAutofit fontScale="77500" lnSpcReduction="20000"/>
           </a:bodyPr>
           <a:lstStyle/>
           <a:p>
             <a:pPr marL="0" indent="0">
+              <a:lnSpc>
+                <a:spcPct val="120000"/>
+              </a:lnSpc>
               <a:buNone/>
             </a:pPr>
             <a:r>
@@ -4006,6 +4063,9 @@
           </a:p>
           <a:p>
             <a:pPr marL="0" indent="0">
+              <a:lnSpc>
+                <a:spcPct val="120000"/>
+              </a:lnSpc>
               <a:buNone/>
             </a:pPr>
             <a:r>
@@ -4014,18 +4074,33 @@
             </a:r>
           </a:p>
           <a:p>
+            <a:pPr>
+              <a:lnSpc>
+                <a:spcPct val="120000"/>
+              </a:lnSpc>
+            </a:pPr>
             <a:r>
               <a:rPr lang="sl-SI" sz="1400" noProof="0" dirty="0"/>
               <a:t>Ugotoviti, katere starostne skupine so bile najbolj številčne skozi leta</a:t>
             </a:r>
           </a:p>
           <a:p>
+            <a:pPr>
+              <a:lnSpc>
+                <a:spcPct val="120000"/>
+              </a:lnSpc>
+            </a:pPr>
             <a:r>
               <a:rPr lang="sl-SI" sz="1400" noProof="0" dirty="0"/>
               <a:t>Ugotoviti, kako se po regijah spreminjajo deleži starostnih skupin skozi leta (staranje prebivalstva, kasnejše upokojevanje, …)</a:t>
             </a:r>
           </a:p>
           <a:p>
+            <a:pPr>
+              <a:lnSpc>
+                <a:spcPct val="120000"/>
+              </a:lnSpc>
+            </a:pPr>
             <a:r>
               <a:rPr lang="sl-SI" sz="1400" noProof="0" dirty="0"/>
               <a:t>Ugotoviti, kako se po regijah razlikujejo število delovno aktivnih ljudi</a:t>
@@ -4033,6 +4108,9 @@
           </a:p>
           <a:p>
             <a:pPr marL="0" indent="0">
+              <a:lnSpc>
+                <a:spcPct val="120000"/>
+              </a:lnSpc>
               <a:buNone/>
             </a:pPr>
             <a:r>
@@ -4041,12 +4119,22 @@
             </a:r>
           </a:p>
           <a:p>
+            <a:pPr>
+              <a:lnSpc>
+                <a:spcPct val="120000"/>
+              </a:lnSpc>
+            </a:pPr>
             <a:r>
               <a:rPr lang="sl-SI" sz="1400" noProof="0" dirty="0"/>
               <a:t>Priprava in pred procesiranje podatkov: iz podatkov o delovno aktivnem prebivalstvo izbrale ključna leta za analizo (zaradi preglednosti) in jih razdelile na dva sklopa (starostne skupine, regije)</a:t>
             </a:r>
           </a:p>
           <a:p>
+            <a:pPr>
+              <a:lnSpc>
+                <a:spcPct val="120000"/>
+              </a:lnSpc>
+            </a:pPr>
             <a:r>
               <a:rPr lang="sl-SI" sz="1400" noProof="0" dirty="0"/>
               <a:t>Metode vizualizacije: </a:t>
@@ -4054,6 +4142,9 @@
           </a:p>
           <a:p>
             <a:pPr marL="0" indent="0">
+              <a:lnSpc>
+                <a:spcPct val="120000"/>
+              </a:lnSpc>
               <a:buNone/>
             </a:pPr>
             <a:r>
@@ -4067,6 +4158,9 @@
           </a:p>
           <a:p>
             <a:pPr marL="0" indent="0">
+              <a:lnSpc>
+                <a:spcPct val="120000"/>
+              </a:lnSpc>
               <a:buNone/>
             </a:pPr>
             <a:r>
@@ -4080,6 +4174,9 @@
           </a:p>
           <a:p>
             <a:pPr marL="0" indent="0">
+              <a:lnSpc>
+                <a:spcPct val="120000"/>
+              </a:lnSpc>
               <a:buNone/>
             </a:pPr>
             <a:r>
@@ -4950,11 +5047,14 @@
         </p:spPr>
         <p:txBody>
           <a:bodyPr>
-            <a:normAutofit/>
+            <a:normAutofit lnSpcReduction="10000"/>
           </a:bodyPr>
           <a:lstStyle/>
           <a:p>
             <a:pPr marL="0" indent="0">
+              <a:lnSpc>
+                <a:spcPct val="100000"/>
+              </a:lnSpc>
               <a:buNone/>
             </a:pPr>
             <a:r>
@@ -4963,36 +5063,66 @@
             </a:r>
           </a:p>
           <a:p>
+            <a:pPr>
+              <a:lnSpc>
+                <a:spcPct val="100000"/>
+              </a:lnSpc>
+            </a:pPr>
             <a:r>
               <a:rPr lang="sl-SI" sz="1200" noProof="0" dirty="0"/>
               <a:t>Število delovnega prebivalstva se v Sloveniji počasi povečuje</a:t>
             </a:r>
           </a:p>
           <a:p>
+            <a:pPr>
+              <a:lnSpc>
+                <a:spcPct val="100000"/>
+              </a:lnSpc>
+            </a:pPr>
             <a:r>
               <a:rPr lang="sl-SI" sz="1200" noProof="0" dirty="0"/>
               <a:t>Glede na starost je največ delovnega prebivalstva v starostnih skupinah med 35-54</a:t>
             </a:r>
           </a:p>
           <a:p>
+            <a:pPr>
+              <a:lnSpc>
+                <a:spcPct val="100000"/>
+              </a:lnSpc>
+            </a:pPr>
             <a:r>
               <a:rPr lang="sl-SI" sz="1200" noProof="0" dirty="0"/>
               <a:t>Močen porast števila delovnega prebivalstva v starostnih skupinah 55-59 in 60+</a:t>
             </a:r>
           </a:p>
           <a:p>
+            <a:pPr>
+              <a:lnSpc>
+                <a:spcPct val="100000"/>
+              </a:lnSpc>
+            </a:pPr>
             <a:r>
               <a:rPr lang="sl-SI" sz="1200" noProof="0" dirty="0"/>
               <a:t>Precejšen padec števila delovnega prebivalstva v starostni skupini 30-34</a:t>
             </a:r>
           </a:p>
           <a:p>
+            <a:pPr>
+              <a:lnSpc>
+                <a:spcPct val="100000"/>
+              </a:lnSpc>
+            </a:pPr>
             <a:r>
               <a:rPr lang="sl-SI" sz="1200" noProof="0" dirty="0"/>
               <a:t>V vseh regijah se količina delovnega prebivalstva spreminja podobno – najbolj izstopa osrednjeslovenska regija</a:t>
             </a:r>
           </a:p>
           <a:p>
+            <a:pPr>
+              <a:lnSpc>
+                <a:spcPct val="100000"/>
+              </a:lnSpc>
+            </a:pPr>
             <a:r>
               <a:rPr lang="sl-SI" sz="1200" noProof="0" dirty="0"/>
               <a:t>Povprečna starost se je iz leta 2010 do leta 2024 povečala iz 40.4 na 43.2</a:t>
@@ -5095,6 +5225,35 @@
           </a:p>
         </p:txBody>
       </p:sp>
+      <p:pic>
+        <p:nvPicPr>
+          <p:cNvPr id="4" name="Slika 3">
+            <a:extLst>
+              <a:ext uri="{FF2B5EF4-FFF2-40B4-BE49-F238E27FC236}">
+                <a16:creationId xmlns:a16="http://schemas.microsoft.com/office/drawing/2014/main" id="{E362A976-D04B-5E05-8282-C18C41F3A85E}"/>
+              </a:ext>
+            </a:extLst>
+          </p:cNvPr>
+          <p:cNvPicPr>
+            <a:picLocks noChangeAspect="1"/>
+          </p:cNvPicPr>
+          <p:nvPr/>
+        </p:nvPicPr>
+        <p:blipFill>
+          <a:blip r:embed="rId2"/>
+          <a:srcRect l="2353" b="2246"/>
+          <a:stretch/>
+        </p:blipFill>
+        <p:spPr>
+          <a:xfrm>
+            <a:off x="2284651" y="450319"/>
+            <a:ext cx="6533559" cy="3740082"/>
+          </a:xfrm>
+          <a:prstGeom prst="rect">
+            <a:avLst/>
+          </a:prstGeom>
+        </p:spPr>
+      </p:pic>
     </p:spTree>
     <p:extLst>
       <p:ext uri="{BB962C8B-B14F-4D97-AF65-F5344CB8AC3E}">
